--- a/Abschlussvortrag/Präsentation.pptx
+++ b/Abschlussvortrag/Präsentation.pptx
@@ -5,15 +5,18 @@
     <p:sldMasterId id="2147483661" r:id="rId1"/>
   </p:sldMasterIdLst>
   <p:notesMasterIdLst>
-    <p:notesMasterId r:id="rId8"/>
+    <p:notesMasterId r:id="rId11"/>
   </p:notesMasterIdLst>
   <p:sldIdLst>
     <p:sldId id="256" r:id="rId2"/>
     <p:sldId id="338" r:id="rId3"/>
     <p:sldId id="334" r:id="rId4"/>
-    <p:sldId id="333" r:id="rId5"/>
-    <p:sldId id="337" r:id="rId6"/>
-    <p:sldId id="287" r:id="rId7"/>
+    <p:sldId id="341" r:id="rId5"/>
+    <p:sldId id="340" r:id="rId6"/>
+    <p:sldId id="342" r:id="rId7"/>
+    <p:sldId id="339" r:id="rId8"/>
+    <p:sldId id="343" r:id="rId9"/>
+    <p:sldId id="287" r:id="rId10"/>
   </p:sldIdLst>
   <p:sldSz cx="9144000" cy="6858000" type="screen4x3"/>
   <p:notesSz cx="6858000" cy="9144000"/>
@@ -112,6 +115,53 @@
       </a:defRPr>
     </a:lvl9pPr>
   </p:defaultTextStyle>
+  <p:extLst>
+    <p:ext uri="{521415D9-36F7-43E2-AB2F-B90AF26B5E84}">
+      <p14:sectionLst xmlns:p14="http://schemas.microsoft.com/office/powerpoint/2010/main">
+        <p14:section name="Standardabschnitt" id="{3331D55A-36AE-45F7-AD1D-F18CAE1DF0A7}">
+          <p14:sldIdLst>
+            <p14:sldId id="256"/>
+            <p14:sldId id="338"/>
+          </p14:sldIdLst>
+        </p14:section>
+        <p14:section name="Einleitung" id="{08D7164C-F442-45EB-9126-39BAA7C9D7DD}">
+          <p14:sldIdLst>
+            <p14:sldId id="334"/>
+          </p14:sldIdLst>
+        </p14:section>
+        <p14:section name="Modell" id="{3AEE0721-8128-435C-9036-14C4B5218F3B}">
+          <p14:sldIdLst>
+            <p14:sldId id="341"/>
+          </p14:sldIdLst>
+        </p14:section>
+        <p14:section name="Motivation" id="{5D28263D-C5B8-4F7D-86F5-0C81543C8A39}">
+          <p14:sldIdLst>
+            <p14:sldId id="340"/>
+          </p14:sldIdLst>
+        </p14:section>
+        <p14:section name="DG" id="{1A24D4BE-A252-4934-9CDB-8F32826D7C65}">
+          <p14:sldIdLst>
+            <p14:sldId id="342"/>
+          </p14:sldIdLst>
+        </p14:section>
+        <p14:section name="Ergebnisse" id="{7538180C-030A-4BF1-B138-5E76CD73FC71}">
+          <p14:sldIdLst>
+            <p14:sldId id="339"/>
+          </p14:sldIdLst>
+        </p14:section>
+        <p14:section name="Fazit" id="{E429475E-FBA5-4DEE-AC7D-19BAE2A3EF80}">
+          <p14:sldIdLst>
+            <p14:sldId id="343"/>
+          </p14:sldIdLst>
+        </p14:section>
+        <p14:section name="Quellen" id="{5BCFDB68-1E15-41A0-828F-703740A84A16}">
+          <p14:sldIdLst>
+            <p14:sldId id="287"/>
+          </p14:sldIdLst>
+        </p14:section>
+      </p14:sectionLst>
+    </p:ext>
+  </p:extLst>
 </p:presentation>
 </file>
 
@@ -679,76 +729,6 @@
           </a:bodyPr>
           <a:lstStyle/>
           <a:p>
-            <a:r>
-              <a:rPr lang="de-DE" smtClean="0"/>
-              <a:t>ToDo:</a:t>
-            </a:r>
-            <a:r>
-              <a:rPr lang="de-DE" baseline="0" smtClean="0"/>
-              <a:t> Potentialverlauf dazu malen</a:t>
-            </a:r>
-            <a:endParaRPr lang="de-DE" smtClean="0"/>
-          </a:p>
-          <a:p>
-            <a:r>
-              <a:rPr lang="de-DE" smtClean="0"/>
-              <a:t>Annahmen:</a:t>
-            </a:r>
-            <a:br>
-              <a:rPr lang="de-DE" smtClean="0"/>
-            </a:br>
-            <a:r>
-              <a:rPr lang="de-DE" smtClean="0"/>
-              <a:t>1. Teilchenerhaltung innerhalb der Struktur</a:t>
-            </a:r>
-            <a:br>
-              <a:rPr lang="de-DE" smtClean="0"/>
-            </a:br>
-            <a:r>
-              <a:rPr lang="de-DE" smtClean="0"/>
-              <a:t>2. Ausschließlich elastische Streuprozesse (kohörenter</a:t>
-            </a:r>
-            <a:r>
-              <a:rPr lang="de-DE" baseline="0" smtClean="0"/>
-              <a:t> Grenzfall)</a:t>
-            </a:r>
-            <a:br>
-              <a:rPr lang="de-DE" baseline="0" smtClean="0"/>
-            </a:br>
-            <a:r>
-              <a:rPr lang="de-DE" baseline="0" smtClean="0"/>
-              <a:t>3. Reservoire verhalten sich wie schwarze Strahler, </a:t>
-            </a:r>
-            <a:r>
-              <a:rPr lang="de-DE" smtClean="0"/>
-              <a:t>Elektronen werden hier erzeugt / absorbiert</a:t>
-            </a:r>
-          </a:p>
-          <a:p>
-            <a:r>
-              <a:rPr lang="de-DE" smtClean="0"/>
-              <a:t>4. Halbleiterschichten sind unendlich ausgedehnt</a:t>
-            </a:r>
-            <a:br>
-              <a:rPr lang="de-DE" smtClean="0"/>
-            </a:br>
-            <a:r>
-              <a:rPr lang="de-DE" smtClean="0"/>
-              <a:t>5. zugrundeliegendes Kristallgitter</a:t>
-            </a:r>
-            <a:r>
-              <a:rPr lang="de-DE" baseline="0" smtClean="0"/>
-              <a:t> wird durch konstante effektive Masse beschrieben</a:t>
-            </a:r>
-          </a:p>
-          <a:p>
-            <a:r>
-              <a:rPr lang="de-DE" baseline="0" smtClean="0"/>
-              <a:t>6. Mean-Field-Näherung</a:t>
-            </a:r>
-            <a:endParaRPr lang="de-DE" smtClean="0"/>
-          </a:p>
-          <a:p>
             <a:endParaRPr lang="de-DE"/>
           </a:p>
         </p:txBody>
@@ -771,89 +751,7 @@
             <a:fld id="{31DC6EB7-B8C5-4A13-A184-8A045D6E94E6}" type="slidenum">
               <a:rPr lang="de-DE" smtClean="0"/>
               <a:pPr/>
-              <a:t>4</a:t>
-            </a:fld>
-            <a:endParaRPr lang="de-DE"/>
-          </a:p>
-        </p:txBody>
-      </p:sp>
-    </p:spTree>
-  </p:cSld>
-  <p:clrMapOvr>
-    <a:masterClrMapping/>
-  </p:clrMapOvr>
-</p:notes>
-</file>
-
-<file path=ppt/notesSlides/notesSlide4.xml><?xml version="1.0" encoding="utf-8"?>
-<p:notes xmlns:a="http://schemas.openxmlformats.org/drawingml/2006/main" xmlns:r="http://schemas.openxmlformats.org/officeDocument/2006/relationships" xmlns:p="http://schemas.openxmlformats.org/presentationml/2006/main">
-  <p:cSld>
-    <p:spTree>
-      <p:nvGrpSpPr>
-        <p:cNvPr id="1" name=""/>
-        <p:cNvGrpSpPr/>
-        <p:nvPr/>
-      </p:nvGrpSpPr>
-      <p:grpSpPr>
-        <a:xfrm>
-          <a:off x="0" y="0"/>
-          <a:ext cx="0" cy="0"/>
-          <a:chOff x="0" y="0"/>
-          <a:chExt cx="0" cy="0"/>
-        </a:xfrm>
-      </p:grpSpPr>
-      <p:sp>
-        <p:nvSpPr>
-          <p:cNvPr id="2" name="Folienbildplatzhalter 1"/>
-          <p:cNvSpPr>
-            <a:spLocks noGrp="1" noRot="1" noChangeAspect="1"/>
-          </p:cNvSpPr>
-          <p:nvPr>
-            <p:ph type="sldImg"/>
-          </p:nvPr>
-        </p:nvSpPr>
-        <p:spPr/>
-      </p:sp>
-      <p:sp>
-        <p:nvSpPr>
-          <p:cNvPr id="3" name="Notizenplatzhalter 2"/>
-          <p:cNvSpPr>
-            <a:spLocks noGrp="1"/>
-          </p:cNvSpPr>
-          <p:nvPr>
-            <p:ph type="body" idx="1"/>
-          </p:nvPr>
-        </p:nvSpPr>
-        <p:spPr/>
-        <p:txBody>
-          <a:bodyPr>
-            <a:normAutofit/>
-          </a:bodyPr>
-          <a:lstStyle/>
-          <a:p>
-            <a:endParaRPr lang="de-DE"/>
-          </a:p>
-        </p:txBody>
-      </p:sp>
-      <p:sp>
-        <p:nvSpPr>
-          <p:cNvPr id="4" name="Foliennummernplatzhalter 3"/>
-          <p:cNvSpPr>
-            <a:spLocks noGrp="1"/>
-          </p:cNvSpPr>
-          <p:nvPr>
-            <p:ph type="sldNum" sz="quarter" idx="10"/>
-          </p:nvPr>
-        </p:nvSpPr>
-        <p:spPr/>
-        <p:txBody>
-          <a:bodyPr/>
-          <a:lstStyle/>
-          <a:p>
-            <a:fld id="{31DC6EB7-B8C5-4A13-A184-8A045D6E94E6}" type="slidenum">
-              <a:rPr lang="de-DE" smtClean="0"/>
-              <a:pPr/>
-              <a:t>5</a:t>
+              <a:t>7</a:t>
             </a:fld>
             <a:endParaRPr lang="de-DE"/>
           </a:p>
@@ -1441,31 +1339,58 @@
             <a:normAutofit/>
           </a:bodyPr>
           <a:lstStyle>
-            <a:lvl1pPr>
+            <a:lvl1pPr marL="360363" indent="-360363">
+              <a:buClr>
+                <a:srgbClr val="52C000"/>
+              </a:buClr>
+              <a:buFont typeface="Arial" panose="020B0604020202020204" pitchFamily="34" charset="0"/>
+              <a:buChar char="•"/>
               <a:defRPr sz="3200">
                 <a:latin typeface="Adobe Arabic" pitchFamily="18" charset="-78"/>
                 <a:cs typeface="Adobe Arabic" pitchFamily="18" charset="-78"/>
               </a:defRPr>
             </a:lvl1pPr>
-            <a:lvl2pPr>
+            <a:lvl2pPr marL="628650" indent="-360363">
+              <a:buClr>
+                <a:srgbClr val="52C000"/>
+              </a:buClr>
+              <a:buSzPct val="73000"/>
+              <a:buFont typeface="Courier New" panose="02070309020205020404" pitchFamily="49" charset="0"/>
+              <a:buChar char="o"/>
               <a:defRPr sz="2800">
                 <a:latin typeface="Adobe Arabic" pitchFamily="18" charset="-78"/>
                 <a:cs typeface="Adobe Arabic" pitchFamily="18" charset="-78"/>
               </a:defRPr>
             </a:lvl2pPr>
-            <a:lvl3pPr>
+            <a:lvl3pPr marL="804863" indent="-268288">
+              <a:buClr>
+                <a:srgbClr val="52C000"/>
+              </a:buClr>
+              <a:buFont typeface="Arial" panose="020B0604020202020204" pitchFamily="34" charset="0"/>
+              <a:buChar char="•"/>
               <a:defRPr sz="2400">
                 <a:latin typeface="Adobe Arabic" pitchFamily="18" charset="-78"/>
                 <a:cs typeface="Adobe Arabic" pitchFamily="18" charset="-78"/>
               </a:defRPr>
             </a:lvl3pPr>
-            <a:lvl4pPr>
+            <a:lvl4pPr marL="1073150" indent="-268288">
+              <a:buClr>
+                <a:srgbClr val="52C000"/>
+              </a:buClr>
+              <a:buSzPct val="80000"/>
+              <a:buFont typeface="Courier New" panose="02070309020205020404" pitchFamily="49" charset="0"/>
+              <a:buChar char="o"/>
               <a:defRPr sz="2000">
                 <a:latin typeface="Adobe Arabic" pitchFamily="18" charset="-78"/>
                 <a:cs typeface="Adobe Arabic" pitchFamily="18" charset="-78"/>
               </a:defRPr>
             </a:lvl4pPr>
-            <a:lvl5pPr>
+            <a:lvl5pPr marL="1343025" indent="-269875">
+              <a:buClr>
+                <a:srgbClr val="52C000"/>
+              </a:buClr>
+              <a:buFont typeface="Arial" panose="020B0604020202020204" pitchFamily="34" charset="0"/>
+              <a:buChar char="•"/>
               <a:defRPr sz="2000">
                 <a:latin typeface="Adobe Arabic" pitchFamily="18" charset="-78"/>
                 <a:cs typeface="Adobe Arabic" pitchFamily="18" charset="-78"/>
@@ -1680,43 +1605,42 @@
       </p:sp>
       <p:sp>
         <p:nvSpPr>
-          <p:cNvPr id="11" name="Textfeld 10"/>
-          <p:cNvSpPr txBox="1"/>
-          <p:nvPr userDrawn="1"/>
+          <p:cNvPr id="10" name="Footer Placeholder 4"/>
+          <p:cNvSpPr>
+            <a:spLocks noGrp="1"/>
+          </p:cNvSpPr>
+          <p:nvPr>
+            <p:ph type="ftr" sz="quarter" idx="3"/>
+          </p:nvPr>
         </p:nvSpPr>
         <p:spPr>
           <a:xfrm>
-            <a:off x="-165530" y="6410611"/>
-            <a:ext cx="2521809" cy="338554"/>
+            <a:off x="46147" y="6436965"/>
+            <a:ext cx="2056144" cy="301227"/>
           </a:xfrm>
           <a:prstGeom prst="rect">
             <a:avLst/>
           </a:prstGeom>
-          <a:noFill/>
         </p:spPr>
         <p:txBody>
-          <a:bodyPr wrap="square" rtlCol="0">
-            <a:spAutoFit/>
-          </a:bodyPr>
-          <a:lstStyle/>
-          <a:p>
-            <a:pPr algn="ctr"/>
-            <a:r>
-              <a:rPr lang="de-DE" sz="1600" smtClean="0">
+          <a:bodyPr vert="horz" lIns="91440" tIns="0" rIns="91440" bIns="45720" rtlCol="0" anchor="b"/>
+          <a:lstStyle>
+            <a:lvl1pPr algn="ctr">
+              <a:defRPr sz="1800">
+                <a:solidFill>
+                  <a:schemeClr val="tx1"/>
+                </a:solidFill>
                 <a:latin typeface="Adobe Arabic" pitchFamily="18" charset="-78"/>
                 <a:cs typeface="Adobe Arabic" pitchFamily="18" charset="-78"/>
-              </a:rPr>
+              </a:defRPr>
+            </a:lvl1pPr>
+          </a:lstStyle>
+          <a:p>
+            <a:r>
+              <a:rPr lang="de-DE" smtClean="0"/>
               <a:t>1. Einleitung</a:t>
             </a:r>
-            <a:endParaRPr lang="de-DE" sz="1600">
-              <a:solidFill>
-                <a:schemeClr val="accent5">
-                  <a:lumMod val="50000"/>
-                </a:schemeClr>
-              </a:solidFill>
-              <a:latin typeface="Adobe Arabic" pitchFamily="18" charset="-78"/>
-              <a:cs typeface="Adobe Arabic" pitchFamily="18" charset="-78"/>
-            </a:endParaRPr>
+            <a:endParaRPr lang="de-DE"/>
           </a:p>
         </p:txBody>
       </p:sp>
@@ -1972,10 +1896,6 @@
             </a:lvl1pPr>
           </a:lstStyle>
           <a:p>
-            <a:r>
-              <a:rPr lang="de-DE" smtClean="0"/>
-              <a:t>03.02.2020</a:t>
-            </a:r>
             <a:endParaRPr lang="de-DE"/>
           </a:p>
         </p:txBody>
@@ -2055,7 +1975,7 @@
           <a:p>
             <a:r>
               <a:rPr lang="de-DE" smtClean="0"/>
-              <a:t>DG-Verfahren für die LNG</a:t>
+              <a:t>1. Einleitung</a:t>
             </a:r>
             <a:endParaRPr lang="de-DE"/>
           </a:p>
@@ -2070,7 +1990,7 @@
     <p:sldLayoutId id="2147483668" r:id="rId3"/>
     <p:sldLayoutId id="2147483674" r:id="rId4"/>
   </p:sldLayoutIdLst>
-  <p:hf hdr="0"/>
+  <p:hf hdr="0" dt="0"/>
   <p:txStyles>
     <p:titleStyle>
       <a:lvl1pPr algn="l" defTabSz="914400" rtl="0" eaLnBrk="1" latinLnBrk="0" hangingPunct="1">
@@ -2455,15 +2375,7 @@
             </a:br>
             <a:r>
               <a:rPr lang="de-DE" sz="4000" smtClean="0"/>
-              <a:t>	für </a:t>
-            </a:r>
-            <a:r>
-              <a:rPr lang="de-DE" sz="4000" smtClean="0"/>
-              <a:t>die </a:t>
-            </a:r>
-            <a:r>
-              <a:rPr lang="de-DE" sz="4000" smtClean="0"/>
-              <a:t/>
+              <a:t>	für die </a:t>
             </a:r>
             <a:br>
               <a:rPr lang="de-DE" sz="4000" smtClean="0"/>
@@ -2473,96 +2385,6 @@
               <a:t>		Liouville-von-Neumann-Gleichung</a:t>
             </a:r>
             <a:endParaRPr lang="de-DE" sz="4000"/>
-          </a:p>
-        </p:txBody>
-      </p:sp>
-      <p:sp>
-        <p:nvSpPr>
-          <p:cNvPr id="5" name="Datumsplatzhalter 3"/>
-          <p:cNvSpPr>
-            <a:spLocks noGrp="1"/>
-          </p:cNvSpPr>
-          <p:nvPr>
-            <p:ph type="dt" sz="half" idx="4294967295"/>
-          </p:nvPr>
-        </p:nvSpPr>
-        <p:spPr>
-          <a:xfrm>
-            <a:off x="5580112" y="548797"/>
-            <a:ext cx="1616710" cy="297918"/>
-          </a:xfrm>
-        </p:spPr>
-        <p:txBody>
-          <a:bodyPr/>
-          <a:lstStyle/>
-          <a:p>
-            <a:r>
-              <a:rPr lang="de-DE" sz="1800" smtClean="0">
-                <a:solidFill>
-                  <a:schemeClr val="tx1"/>
-                </a:solidFill>
-                <a:latin typeface="Adobe Arabic" pitchFamily="18" charset="-78"/>
-                <a:cs typeface="Adobe Arabic" pitchFamily="18" charset="-78"/>
-              </a:rPr>
-              <a:t>03.02.2020</a:t>
-            </a:r>
-            <a:endParaRPr lang="de-DE" sz="1800">
-              <a:solidFill>
-                <a:schemeClr val="tx1"/>
-              </a:solidFill>
-              <a:latin typeface="Adobe Arabic" pitchFamily="18" charset="-78"/>
-              <a:cs typeface="Adobe Arabic" pitchFamily="18" charset="-78"/>
-            </a:endParaRPr>
-          </a:p>
-        </p:txBody>
-      </p:sp>
-      <p:sp>
-        <p:nvSpPr>
-          <p:cNvPr id="4" name="Fußzeilenplatzhalter 4"/>
-          <p:cNvSpPr>
-            <a:spLocks noGrp="1"/>
-          </p:cNvSpPr>
-          <p:nvPr>
-            <p:ph type="ftr" sz="quarter" idx="4294967295"/>
-          </p:nvPr>
-        </p:nvSpPr>
-        <p:spPr>
-          <a:xfrm>
-            <a:off x="5580112" y="855956"/>
-            <a:ext cx="2808312" cy="301227"/>
-          </a:xfrm>
-        </p:spPr>
-        <p:txBody>
-          <a:bodyPr/>
-          <a:lstStyle/>
-          <a:p>
-            <a:r>
-              <a:rPr lang="de-DE" sz="1800" smtClean="0">
-                <a:solidFill>
-                  <a:schemeClr val="tx1"/>
-                </a:solidFill>
-                <a:latin typeface="Adobe Arabic" pitchFamily="18" charset="-78"/>
-                <a:cs typeface="Adobe Arabic" pitchFamily="18" charset="-78"/>
-              </a:rPr>
-              <a:t>Matthias Jaeger &amp; Asena </a:t>
-            </a:r>
-            <a:r>
-              <a:rPr lang="de-DE" sz="1800" smtClean="0">
-                <a:solidFill>
-                  <a:schemeClr val="tx1"/>
-                </a:solidFill>
-                <a:latin typeface="Adobe Arabic" pitchFamily="18" charset="-78"/>
-                <a:cs typeface="Adobe Arabic" pitchFamily="18" charset="-78"/>
-              </a:rPr>
-              <a:t>Oelschläger</a:t>
-            </a:r>
-            <a:endParaRPr lang="de-DE" sz="1800">
-              <a:solidFill>
-                <a:schemeClr val="tx1"/>
-              </a:solidFill>
-              <a:latin typeface="Adobe Arabic" pitchFamily="18" charset="-78"/>
-              <a:cs typeface="Adobe Arabic" pitchFamily="18" charset="-78"/>
-            </a:endParaRPr>
           </a:p>
         </p:txBody>
       </p:sp>
@@ -2607,6 +2429,265 @@
           </a:extLst>
         </p:spPr>
       </p:pic>
+      <p:sp>
+        <p:nvSpPr>
+          <p:cNvPr id="6" name="Datumsplatzhalter 3"/>
+          <p:cNvSpPr txBox="1">
+            <a:spLocks/>
+          </p:cNvSpPr>
+          <p:nvPr/>
+        </p:nvSpPr>
+        <p:spPr>
+          <a:xfrm>
+            <a:off x="5508104" y="548797"/>
+            <a:ext cx="1688718" cy="297918"/>
+          </a:xfrm>
+          <a:prstGeom prst="rect">
+            <a:avLst/>
+          </a:prstGeom>
+        </p:spPr>
+        <p:txBody>
+          <a:bodyPr vert="horz" lIns="91440" tIns="45720" rIns="91440" bIns="45720" rtlCol="0" anchor="ctr"/>
+          <a:lstStyle>
+            <a:defPPr>
+              <a:defRPr lang="de-DE"/>
+            </a:defPPr>
+            <a:lvl1pPr marL="0" algn="l" defTabSz="914400" rtl="0" eaLnBrk="1" latinLnBrk="0" hangingPunct="1">
+              <a:defRPr sz="1600" kern="1200">
+                <a:solidFill>
+                  <a:schemeClr val="tx1">
+                    <a:alpha val="50000"/>
+                  </a:schemeClr>
+                </a:solidFill>
+                <a:latin typeface="Adobe Arabic" pitchFamily="18" charset="-78"/>
+                <a:ea typeface="+mn-ea"/>
+                <a:cs typeface="Adobe Arabic" pitchFamily="18" charset="-78"/>
+              </a:defRPr>
+            </a:lvl1pPr>
+            <a:lvl2pPr marL="457200" algn="l" defTabSz="914400" rtl="0" eaLnBrk="1" latinLnBrk="0" hangingPunct="1">
+              <a:defRPr sz="1800" kern="1200">
+                <a:solidFill>
+                  <a:schemeClr val="tx1"/>
+                </a:solidFill>
+                <a:latin typeface="+mn-lt"/>
+                <a:ea typeface="+mn-ea"/>
+                <a:cs typeface="+mn-cs"/>
+              </a:defRPr>
+            </a:lvl2pPr>
+            <a:lvl3pPr marL="914400" algn="l" defTabSz="914400" rtl="0" eaLnBrk="1" latinLnBrk="0" hangingPunct="1">
+              <a:defRPr sz="1800" kern="1200">
+                <a:solidFill>
+                  <a:schemeClr val="tx1"/>
+                </a:solidFill>
+                <a:latin typeface="+mn-lt"/>
+                <a:ea typeface="+mn-ea"/>
+                <a:cs typeface="+mn-cs"/>
+              </a:defRPr>
+            </a:lvl3pPr>
+            <a:lvl4pPr marL="1371600" algn="l" defTabSz="914400" rtl="0" eaLnBrk="1" latinLnBrk="0" hangingPunct="1">
+              <a:defRPr sz="1800" kern="1200">
+                <a:solidFill>
+                  <a:schemeClr val="tx1"/>
+                </a:solidFill>
+                <a:latin typeface="+mn-lt"/>
+                <a:ea typeface="+mn-ea"/>
+                <a:cs typeface="+mn-cs"/>
+              </a:defRPr>
+            </a:lvl4pPr>
+            <a:lvl5pPr marL="1828800" algn="l" defTabSz="914400" rtl="0" eaLnBrk="1" latinLnBrk="0" hangingPunct="1">
+              <a:defRPr sz="1800" kern="1200">
+                <a:solidFill>
+                  <a:schemeClr val="tx1"/>
+                </a:solidFill>
+                <a:latin typeface="+mn-lt"/>
+                <a:ea typeface="+mn-ea"/>
+                <a:cs typeface="+mn-cs"/>
+              </a:defRPr>
+            </a:lvl5pPr>
+            <a:lvl6pPr marL="2286000" algn="l" defTabSz="914400" rtl="0" eaLnBrk="1" latinLnBrk="0" hangingPunct="1">
+              <a:defRPr sz="1800" kern="1200">
+                <a:solidFill>
+                  <a:schemeClr val="tx1"/>
+                </a:solidFill>
+                <a:latin typeface="+mn-lt"/>
+                <a:ea typeface="+mn-ea"/>
+                <a:cs typeface="+mn-cs"/>
+              </a:defRPr>
+            </a:lvl6pPr>
+            <a:lvl7pPr marL="2743200" algn="l" defTabSz="914400" rtl="0" eaLnBrk="1" latinLnBrk="0" hangingPunct="1">
+              <a:defRPr sz="1800" kern="1200">
+                <a:solidFill>
+                  <a:schemeClr val="tx1"/>
+                </a:solidFill>
+                <a:latin typeface="+mn-lt"/>
+                <a:ea typeface="+mn-ea"/>
+                <a:cs typeface="+mn-cs"/>
+              </a:defRPr>
+            </a:lvl7pPr>
+            <a:lvl8pPr marL="3200400" algn="l" defTabSz="914400" rtl="0" eaLnBrk="1" latinLnBrk="0" hangingPunct="1">
+              <a:defRPr sz="1800" kern="1200">
+                <a:solidFill>
+                  <a:schemeClr val="tx1"/>
+                </a:solidFill>
+                <a:latin typeface="+mn-lt"/>
+                <a:ea typeface="+mn-ea"/>
+                <a:cs typeface="+mn-cs"/>
+              </a:defRPr>
+            </a:lvl8pPr>
+            <a:lvl9pPr marL="3657600" algn="l" defTabSz="914400" rtl="0" eaLnBrk="1" latinLnBrk="0" hangingPunct="1">
+              <a:defRPr sz="1800" kern="1200">
+                <a:solidFill>
+                  <a:schemeClr val="tx1"/>
+                </a:solidFill>
+                <a:latin typeface="+mn-lt"/>
+                <a:ea typeface="+mn-ea"/>
+                <a:cs typeface="+mn-cs"/>
+              </a:defRPr>
+            </a:lvl9pPr>
+          </a:lstStyle>
+          <a:p>
+            <a:r>
+              <a:rPr lang="de-DE" sz="1800" smtClean="0">
+                <a:solidFill>
+                  <a:schemeClr val="tx1"/>
+                </a:solidFill>
+              </a:rPr>
+              <a:t>03.02.2020</a:t>
+            </a:r>
+            <a:endParaRPr lang="de-DE" sz="1800">
+              <a:solidFill>
+                <a:schemeClr val="tx1"/>
+              </a:solidFill>
+            </a:endParaRPr>
+          </a:p>
+        </p:txBody>
+      </p:sp>
+      <p:sp>
+        <p:nvSpPr>
+          <p:cNvPr id="7" name="Fußzeilenplatzhalter 4"/>
+          <p:cNvSpPr txBox="1">
+            <a:spLocks/>
+          </p:cNvSpPr>
+          <p:nvPr/>
+        </p:nvSpPr>
+        <p:spPr>
+          <a:xfrm>
+            <a:off x="5508104" y="855956"/>
+            <a:ext cx="2747073" cy="301227"/>
+          </a:xfrm>
+          <a:prstGeom prst="rect">
+            <a:avLst/>
+          </a:prstGeom>
+        </p:spPr>
+        <p:txBody>
+          <a:bodyPr vert="horz" lIns="91440" tIns="0" rIns="91440" bIns="45720" rtlCol="0" anchor="t"/>
+          <a:lstStyle>
+            <a:defPPr>
+              <a:defRPr lang="de-DE"/>
+            </a:defPPr>
+            <a:lvl1pPr marL="0" algn="l" defTabSz="914400" rtl="0" eaLnBrk="1" latinLnBrk="0" hangingPunct="1">
+              <a:defRPr sz="1400" kern="1200">
+                <a:solidFill>
+                  <a:schemeClr val="tx1">
+                    <a:lumMod val="85000"/>
+                    <a:lumOff val="15000"/>
+                  </a:schemeClr>
+                </a:solidFill>
+                <a:latin typeface="Adobe Arabic" pitchFamily="18" charset="-78"/>
+                <a:ea typeface="+mn-ea"/>
+                <a:cs typeface="Adobe Arabic" pitchFamily="18" charset="-78"/>
+              </a:defRPr>
+            </a:lvl1pPr>
+            <a:lvl2pPr marL="457200" algn="l" defTabSz="914400" rtl="0" eaLnBrk="1" latinLnBrk="0" hangingPunct="1">
+              <a:defRPr sz="1800" kern="1200">
+                <a:solidFill>
+                  <a:schemeClr val="tx1"/>
+                </a:solidFill>
+                <a:latin typeface="+mn-lt"/>
+                <a:ea typeface="+mn-ea"/>
+                <a:cs typeface="+mn-cs"/>
+              </a:defRPr>
+            </a:lvl2pPr>
+            <a:lvl3pPr marL="914400" algn="l" defTabSz="914400" rtl="0" eaLnBrk="1" latinLnBrk="0" hangingPunct="1">
+              <a:defRPr sz="1800" kern="1200">
+                <a:solidFill>
+                  <a:schemeClr val="tx1"/>
+                </a:solidFill>
+                <a:latin typeface="+mn-lt"/>
+                <a:ea typeface="+mn-ea"/>
+                <a:cs typeface="+mn-cs"/>
+              </a:defRPr>
+            </a:lvl3pPr>
+            <a:lvl4pPr marL="1371600" algn="l" defTabSz="914400" rtl="0" eaLnBrk="1" latinLnBrk="0" hangingPunct="1">
+              <a:defRPr sz="1800" kern="1200">
+                <a:solidFill>
+                  <a:schemeClr val="tx1"/>
+                </a:solidFill>
+                <a:latin typeface="+mn-lt"/>
+                <a:ea typeface="+mn-ea"/>
+                <a:cs typeface="+mn-cs"/>
+              </a:defRPr>
+            </a:lvl4pPr>
+            <a:lvl5pPr marL="1828800" algn="l" defTabSz="914400" rtl="0" eaLnBrk="1" latinLnBrk="0" hangingPunct="1">
+              <a:defRPr sz="1800" kern="1200">
+                <a:solidFill>
+                  <a:schemeClr val="tx1"/>
+                </a:solidFill>
+                <a:latin typeface="+mn-lt"/>
+                <a:ea typeface="+mn-ea"/>
+                <a:cs typeface="+mn-cs"/>
+              </a:defRPr>
+            </a:lvl5pPr>
+            <a:lvl6pPr marL="2286000" algn="l" defTabSz="914400" rtl="0" eaLnBrk="1" latinLnBrk="0" hangingPunct="1">
+              <a:defRPr sz="1800" kern="1200">
+                <a:solidFill>
+                  <a:schemeClr val="tx1"/>
+                </a:solidFill>
+                <a:latin typeface="+mn-lt"/>
+                <a:ea typeface="+mn-ea"/>
+                <a:cs typeface="+mn-cs"/>
+              </a:defRPr>
+            </a:lvl6pPr>
+            <a:lvl7pPr marL="2743200" algn="l" defTabSz="914400" rtl="0" eaLnBrk="1" latinLnBrk="0" hangingPunct="1">
+              <a:defRPr sz="1800" kern="1200">
+                <a:solidFill>
+                  <a:schemeClr val="tx1"/>
+                </a:solidFill>
+                <a:latin typeface="+mn-lt"/>
+                <a:ea typeface="+mn-ea"/>
+                <a:cs typeface="+mn-cs"/>
+              </a:defRPr>
+            </a:lvl7pPr>
+            <a:lvl8pPr marL="3200400" algn="l" defTabSz="914400" rtl="0" eaLnBrk="1" latinLnBrk="0" hangingPunct="1">
+              <a:defRPr sz="1800" kern="1200">
+                <a:solidFill>
+                  <a:schemeClr val="tx1"/>
+                </a:solidFill>
+                <a:latin typeface="+mn-lt"/>
+                <a:ea typeface="+mn-ea"/>
+                <a:cs typeface="+mn-cs"/>
+              </a:defRPr>
+            </a:lvl8pPr>
+            <a:lvl9pPr marL="3657600" algn="l" defTabSz="914400" rtl="0" eaLnBrk="1" latinLnBrk="0" hangingPunct="1">
+              <a:defRPr sz="1800" kern="1200">
+                <a:solidFill>
+                  <a:schemeClr val="tx1"/>
+                </a:solidFill>
+                <a:latin typeface="+mn-lt"/>
+                <a:ea typeface="+mn-ea"/>
+                <a:cs typeface="+mn-cs"/>
+              </a:defRPr>
+            </a:lvl9pPr>
+          </a:lstStyle>
+          <a:p>
+            <a:r>
+              <a:rPr lang="de-DE" sz="1800" smtClean="0"/>
+              <a:t>Matthias Jaeger &amp; Asena Oelschläger</a:t>
+            </a:r>
+            <a:endParaRPr lang="de-DE" sz="1800"/>
+          </a:p>
+        </p:txBody>
+      </p:sp>
     </p:spTree>
   </p:cSld>
   <p:clrMapOvr>
@@ -4112,6 +4193,29 @@
           </a:extLst>
         </p:spPr>
       </p:pic>
+      <p:sp>
+        <p:nvSpPr>
+          <p:cNvPr id="2" name="Fußzeilenplatzhalter 1"/>
+          <p:cNvSpPr>
+            <a:spLocks noGrp="1"/>
+          </p:cNvSpPr>
+          <p:nvPr>
+            <p:ph type="ftr" sz="quarter" idx="3"/>
+          </p:nvPr>
+        </p:nvSpPr>
+        <p:spPr/>
+        <p:txBody>
+          <a:bodyPr/>
+          <a:lstStyle/>
+          <a:p>
+            <a:r>
+              <a:rPr lang="de-DE" smtClean="0"/>
+              <a:t>1. Einleitung</a:t>
+            </a:r>
+            <a:endParaRPr lang="de-DE"/>
+          </a:p>
+        </p:txBody>
+      </p:sp>
     </p:spTree>
     <p:extLst>
       <p:ext uri="{BB962C8B-B14F-4D97-AF65-F5344CB8AC3E}">
@@ -5124,6 +5228,409 @@
       </p:grpSpPr>
       <p:sp>
         <p:nvSpPr>
+          <p:cNvPr id="2" name="Inhaltsplatzhalter 1"/>
+          <p:cNvSpPr>
+            <a:spLocks noGrp="1"/>
+          </p:cNvSpPr>
+          <p:nvPr>
+            <p:ph idx="1"/>
+          </p:nvPr>
+        </p:nvSpPr>
+        <p:spPr/>
+        <p:txBody>
+          <a:bodyPr/>
+          <a:lstStyle/>
+          <a:p>
+            <a:endParaRPr lang="de-DE"/>
+          </a:p>
+        </p:txBody>
+      </p:sp>
+      <p:sp>
+        <p:nvSpPr>
+          <p:cNvPr id="3" name="Foliennummernplatzhalter 2"/>
+          <p:cNvSpPr>
+            <a:spLocks noGrp="1"/>
+          </p:cNvSpPr>
+          <p:nvPr>
+            <p:ph type="sldNum" sz="quarter" idx="12"/>
+          </p:nvPr>
+        </p:nvSpPr>
+        <p:spPr/>
+        <p:txBody>
+          <a:bodyPr/>
+          <a:lstStyle/>
+          <a:p>
+            <a:fld id="{1A73E011-4CD9-4D05-A24A-32BCD9CDCEE7}" type="slidenum">
+              <a:rPr lang="de-DE" smtClean="0"/>
+              <a:pPr/>
+              <a:t>4</a:t>
+            </a:fld>
+            <a:endParaRPr lang="de-DE"/>
+          </a:p>
+        </p:txBody>
+      </p:sp>
+      <p:sp>
+        <p:nvSpPr>
+          <p:cNvPr id="4" name="Textplatzhalter 3"/>
+          <p:cNvSpPr>
+            <a:spLocks noGrp="1"/>
+          </p:cNvSpPr>
+          <p:nvPr>
+            <p:ph type="body" sz="quarter" idx="13"/>
+          </p:nvPr>
+        </p:nvSpPr>
+        <p:spPr/>
+        <p:txBody>
+          <a:bodyPr/>
+          <a:lstStyle/>
+          <a:p>
+            <a:endParaRPr lang="de-DE"/>
+          </a:p>
+        </p:txBody>
+      </p:sp>
+      <p:sp>
+        <p:nvSpPr>
+          <p:cNvPr id="5" name="Fußzeilenplatzhalter 4"/>
+          <p:cNvSpPr>
+            <a:spLocks noGrp="1"/>
+          </p:cNvSpPr>
+          <p:nvPr>
+            <p:ph type="ftr" sz="quarter" idx="3"/>
+          </p:nvPr>
+        </p:nvSpPr>
+        <p:spPr/>
+        <p:txBody>
+          <a:bodyPr/>
+          <a:lstStyle/>
+          <a:p>
+            <a:r>
+              <a:rPr lang="de-DE" smtClean="0"/>
+              <a:t>1. Einleitung</a:t>
+            </a:r>
+            <a:endParaRPr lang="de-DE"/>
+          </a:p>
+        </p:txBody>
+      </p:sp>
+    </p:spTree>
+    <p:extLst>
+      <p:ext uri="{BB962C8B-B14F-4D97-AF65-F5344CB8AC3E}">
+        <p14:creationId xmlns:p14="http://schemas.microsoft.com/office/powerpoint/2010/main" val="690493419"/>
+      </p:ext>
+    </p:extLst>
+  </p:cSld>
+  <p:clrMapOvr>
+    <a:masterClrMapping/>
+  </p:clrMapOvr>
+</p:sld>
+</file>
+
+<file path=ppt/slides/slide5.xml><?xml version="1.0" encoding="utf-8"?>
+<p:sld xmlns:a="http://schemas.openxmlformats.org/drawingml/2006/main" xmlns:r="http://schemas.openxmlformats.org/officeDocument/2006/relationships" xmlns:p="http://schemas.openxmlformats.org/presentationml/2006/main">
+  <p:cSld>
+    <p:spTree>
+      <p:nvGrpSpPr>
+        <p:cNvPr id="1" name=""/>
+        <p:cNvGrpSpPr/>
+        <p:nvPr/>
+      </p:nvGrpSpPr>
+      <p:grpSpPr>
+        <a:xfrm>
+          <a:off x="0" y="0"/>
+          <a:ext cx="0" cy="0"/>
+          <a:chOff x="0" y="0"/>
+          <a:chExt cx="0" cy="0"/>
+        </a:xfrm>
+      </p:grpSpPr>
+      <p:sp>
+        <p:nvSpPr>
+          <p:cNvPr id="2" name="Inhaltsplatzhalter 1"/>
+          <p:cNvSpPr>
+            <a:spLocks noGrp="1"/>
+          </p:cNvSpPr>
+          <p:nvPr>
+            <p:ph idx="1"/>
+          </p:nvPr>
+        </p:nvSpPr>
+        <p:spPr/>
+        <p:txBody>
+          <a:bodyPr/>
+          <a:lstStyle/>
+          <a:p>
+            <a:r>
+              <a:rPr lang="de-DE"/>
+              <a:t>Flexible Diskretisierung (</a:t>
+            </a:r>
+            <a:r>
+              <a:rPr lang="de-DE" sz="2000" i="1">
+                <a:latin typeface="Latin Modern Math" pitchFamily="50" charset="0"/>
+                <a:ea typeface="Latin Modern Math" pitchFamily="50" charset="0"/>
+              </a:rPr>
+              <a:t>hp</a:t>
+            </a:r>
+            <a:r>
+              <a:rPr lang="de-DE"/>
+              <a:t>-Adaptivität)</a:t>
+            </a:r>
+          </a:p>
+          <a:p>
+            <a:pPr lvl="1"/>
+            <a:r>
+              <a:rPr lang="de-DE"/>
+              <a:t>komplexe Geometrien möglich</a:t>
+            </a:r>
+          </a:p>
+          <a:p>
+            <a:pPr lvl="1"/>
+            <a:r>
+              <a:rPr lang="de-DE"/>
+              <a:t>vorteilhaft vor Allem im Mehrdimensionalen</a:t>
+            </a:r>
+          </a:p>
+          <a:p>
+            <a:r>
+              <a:rPr lang="de-DE"/>
+              <a:t>Lokale Erhaltungseigenschaft kann durch numerischen Fluss sichgergestellt werden</a:t>
+            </a:r>
+          </a:p>
+          <a:p>
+            <a:r>
+              <a:rPr lang="de-DE"/>
+              <a:t>Flexibilität durch Wahl des numerischen Flusses</a:t>
+            </a:r>
+          </a:p>
+          <a:p>
+            <a:r>
+              <a:rPr lang="de-DE"/>
+              <a:t>Zeitschritt-Verfahren gibt es quasi gratis</a:t>
+            </a:r>
+          </a:p>
+          <a:p>
+            <a:r>
+              <a:rPr lang="de-DE"/>
+              <a:t>Bislang keine Veröffentlichungen</a:t>
+            </a:r>
+          </a:p>
+          <a:p>
+            <a:endParaRPr lang="de-DE"/>
+          </a:p>
+          <a:p>
+            <a:endParaRPr lang="de-DE"/>
+          </a:p>
+        </p:txBody>
+      </p:sp>
+      <p:sp>
+        <p:nvSpPr>
+          <p:cNvPr id="3" name="Foliennummernplatzhalter 2"/>
+          <p:cNvSpPr>
+            <a:spLocks noGrp="1"/>
+          </p:cNvSpPr>
+          <p:nvPr>
+            <p:ph type="sldNum" sz="quarter" idx="12"/>
+          </p:nvPr>
+        </p:nvSpPr>
+        <p:spPr/>
+        <p:txBody>
+          <a:bodyPr/>
+          <a:lstStyle/>
+          <a:p>
+            <a:fld id="{1A73E011-4CD9-4D05-A24A-32BCD9CDCEE7}" type="slidenum">
+              <a:rPr lang="de-DE" smtClean="0"/>
+              <a:pPr/>
+              <a:t>5</a:t>
+            </a:fld>
+            <a:endParaRPr lang="de-DE"/>
+          </a:p>
+        </p:txBody>
+      </p:sp>
+      <p:sp>
+        <p:nvSpPr>
+          <p:cNvPr id="4" name="Textplatzhalter 3"/>
+          <p:cNvSpPr>
+            <a:spLocks noGrp="1"/>
+          </p:cNvSpPr>
+          <p:nvPr>
+            <p:ph type="body" sz="quarter" idx="13"/>
+          </p:nvPr>
+        </p:nvSpPr>
+        <p:spPr/>
+        <p:txBody>
+          <a:bodyPr/>
+          <a:lstStyle/>
+          <a:p>
+            <a:endParaRPr lang="de-DE"/>
+          </a:p>
+        </p:txBody>
+      </p:sp>
+      <p:sp>
+        <p:nvSpPr>
+          <p:cNvPr id="5" name="Fußzeilenplatzhalter 4"/>
+          <p:cNvSpPr>
+            <a:spLocks noGrp="1"/>
+          </p:cNvSpPr>
+          <p:nvPr>
+            <p:ph type="ftr" sz="quarter" idx="3"/>
+          </p:nvPr>
+        </p:nvSpPr>
+        <p:spPr/>
+        <p:txBody>
+          <a:bodyPr/>
+          <a:lstStyle/>
+          <a:p>
+            <a:r>
+              <a:rPr lang="de-DE" smtClean="0"/>
+              <a:t>1. Einleitung</a:t>
+            </a:r>
+            <a:endParaRPr lang="de-DE"/>
+          </a:p>
+        </p:txBody>
+      </p:sp>
+    </p:spTree>
+    <p:extLst>
+      <p:ext uri="{BB962C8B-B14F-4D97-AF65-F5344CB8AC3E}">
+        <p14:creationId xmlns:p14="http://schemas.microsoft.com/office/powerpoint/2010/main" val="2482665905"/>
+      </p:ext>
+    </p:extLst>
+  </p:cSld>
+  <p:clrMapOvr>
+    <a:masterClrMapping/>
+  </p:clrMapOvr>
+</p:sld>
+</file>
+
+<file path=ppt/slides/slide6.xml><?xml version="1.0" encoding="utf-8"?>
+<p:sld xmlns:a="http://schemas.openxmlformats.org/drawingml/2006/main" xmlns:r="http://schemas.openxmlformats.org/officeDocument/2006/relationships" xmlns:p="http://schemas.openxmlformats.org/presentationml/2006/main">
+  <p:cSld>
+    <p:spTree>
+      <p:nvGrpSpPr>
+        <p:cNvPr id="1" name=""/>
+        <p:cNvGrpSpPr/>
+        <p:nvPr/>
+      </p:nvGrpSpPr>
+      <p:grpSpPr>
+        <a:xfrm>
+          <a:off x="0" y="0"/>
+          <a:ext cx="0" cy="0"/>
+          <a:chOff x="0" y="0"/>
+          <a:chExt cx="0" cy="0"/>
+        </a:xfrm>
+      </p:grpSpPr>
+      <p:sp>
+        <p:nvSpPr>
+          <p:cNvPr id="2" name="Inhaltsplatzhalter 1"/>
+          <p:cNvSpPr>
+            <a:spLocks noGrp="1"/>
+          </p:cNvSpPr>
+          <p:nvPr>
+            <p:ph idx="1"/>
+          </p:nvPr>
+        </p:nvSpPr>
+        <p:spPr/>
+        <p:txBody>
+          <a:bodyPr/>
+          <a:lstStyle/>
+          <a:p>
+            <a:endParaRPr lang="de-DE"/>
+          </a:p>
+        </p:txBody>
+      </p:sp>
+      <p:sp>
+        <p:nvSpPr>
+          <p:cNvPr id="3" name="Foliennummernplatzhalter 2"/>
+          <p:cNvSpPr>
+            <a:spLocks noGrp="1"/>
+          </p:cNvSpPr>
+          <p:nvPr>
+            <p:ph type="sldNum" sz="quarter" idx="12"/>
+          </p:nvPr>
+        </p:nvSpPr>
+        <p:spPr/>
+        <p:txBody>
+          <a:bodyPr/>
+          <a:lstStyle/>
+          <a:p>
+            <a:fld id="{1A73E011-4CD9-4D05-A24A-32BCD9CDCEE7}" type="slidenum">
+              <a:rPr lang="de-DE" smtClean="0"/>
+              <a:pPr/>
+              <a:t>6</a:t>
+            </a:fld>
+            <a:endParaRPr lang="de-DE"/>
+          </a:p>
+        </p:txBody>
+      </p:sp>
+      <p:sp>
+        <p:nvSpPr>
+          <p:cNvPr id="4" name="Textplatzhalter 3"/>
+          <p:cNvSpPr>
+            <a:spLocks noGrp="1"/>
+          </p:cNvSpPr>
+          <p:nvPr>
+            <p:ph type="body" sz="quarter" idx="13"/>
+          </p:nvPr>
+        </p:nvSpPr>
+        <p:spPr/>
+        <p:txBody>
+          <a:bodyPr/>
+          <a:lstStyle/>
+          <a:p>
+            <a:endParaRPr lang="de-DE"/>
+          </a:p>
+        </p:txBody>
+      </p:sp>
+      <p:sp>
+        <p:nvSpPr>
+          <p:cNvPr id="5" name="Fußzeilenplatzhalter 4"/>
+          <p:cNvSpPr>
+            <a:spLocks noGrp="1"/>
+          </p:cNvSpPr>
+          <p:nvPr>
+            <p:ph type="ftr" sz="quarter" idx="3"/>
+          </p:nvPr>
+        </p:nvSpPr>
+        <p:spPr/>
+        <p:txBody>
+          <a:bodyPr/>
+          <a:lstStyle/>
+          <a:p>
+            <a:r>
+              <a:rPr lang="de-DE" smtClean="0"/>
+              <a:t>1. Einleitung</a:t>
+            </a:r>
+            <a:endParaRPr lang="de-DE"/>
+          </a:p>
+        </p:txBody>
+      </p:sp>
+    </p:spTree>
+    <p:extLst>
+      <p:ext uri="{BB962C8B-B14F-4D97-AF65-F5344CB8AC3E}">
+        <p14:creationId xmlns:p14="http://schemas.microsoft.com/office/powerpoint/2010/main" val="3478175579"/>
+      </p:ext>
+    </p:extLst>
+  </p:cSld>
+  <p:clrMapOvr>
+    <a:masterClrMapping/>
+  </p:clrMapOvr>
+</p:sld>
+</file>
+
+<file path=ppt/slides/slide7.xml><?xml version="1.0" encoding="utf-8"?>
+<p:sld xmlns:a="http://schemas.openxmlformats.org/drawingml/2006/main" xmlns:r="http://schemas.openxmlformats.org/officeDocument/2006/relationships" xmlns:p="http://schemas.openxmlformats.org/presentationml/2006/main">
+  <p:cSld>
+    <p:spTree>
+      <p:nvGrpSpPr>
+        <p:cNvPr id="1" name=""/>
+        <p:cNvGrpSpPr/>
+        <p:nvPr/>
+      </p:nvGrpSpPr>
+      <p:grpSpPr>
+        <a:xfrm>
+          <a:off x="0" y="0"/>
+          <a:ext cx="0" cy="0"/>
+          <a:chOff x="0" y="0"/>
+          <a:chExt cx="0" cy="0"/>
+        </a:xfrm>
+      </p:grpSpPr>
+      <p:sp>
+        <p:nvSpPr>
           <p:cNvPr id="17" name="Inhaltsplatzhalter 1"/>
           <p:cNvSpPr>
             <a:spLocks noGrp="1"/>
@@ -5188,16 +5695,99 @@
             <a:fld id="{1A73E011-4CD9-4D05-A24A-32BCD9CDCEE7}" type="slidenum">
               <a:rPr lang="de-DE" smtClean="0"/>
               <a:pPr/>
-              <a:t>4</a:t>
+              <a:t>7</a:t>
             </a:fld>
             <a:endParaRPr lang="de-DE"/>
           </a:p>
         </p:txBody>
       </p:sp>
+      <p:pic>
+        <p:nvPicPr>
+          <p:cNvPr id="16" name="Grafik 15"/>
+          <p:cNvPicPr>
+            <a:picLocks noChangeAspect="1"/>
+          </p:cNvPicPr>
+          <p:nvPr/>
+        </p:nvPicPr>
+        <p:blipFill>
+          <a:blip r:embed="rId3" cstate="print">
+            <a:extLst>
+              <a:ext uri="{28A0092B-C50C-407E-A947-70E740481C1C}">
+                <a14:useLocalDpi xmlns:a14="http://schemas.microsoft.com/office/drawing/2010/main" val="0"/>
+              </a:ext>
+            </a:extLst>
+          </a:blip>
+          <a:stretch>
+            <a:fillRect/>
+          </a:stretch>
+        </p:blipFill>
+        <p:spPr>
+          <a:xfrm>
+            <a:off x="599272" y="823070"/>
+            <a:ext cx="3960440" cy="2749946"/>
+          </a:xfrm>
+          <a:prstGeom prst="rect">
+            <a:avLst/>
+          </a:prstGeom>
+        </p:spPr>
+      </p:pic>
+      <p:sp>
+        <p:nvSpPr>
+          <p:cNvPr id="3" name="Fußzeilenplatzhalter 2"/>
+          <p:cNvSpPr>
+            <a:spLocks noGrp="1"/>
+          </p:cNvSpPr>
+          <p:nvPr>
+            <p:ph type="ftr" sz="quarter" idx="3"/>
+          </p:nvPr>
+        </p:nvSpPr>
+        <p:spPr/>
+        <p:txBody>
+          <a:bodyPr/>
+          <a:lstStyle/>
+          <a:p>
+            <a:r>
+              <a:rPr lang="de-DE" smtClean="0"/>
+              <a:t>1. Einleitung</a:t>
+            </a:r>
+            <a:endParaRPr lang="de-DE"/>
+          </a:p>
+        </p:txBody>
+      </p:sp>
+      <p:pic>
+        <p:nvPicPr>
+          <p:cNvPr id="4" name="Grafik 3"/>
+          <p:cNvPicPr>
+            <a:picLocks noChangeAspect="1"/>
+          </p:cNvPicPr>
+          <p:nvPr/>
+        </p:nvPicPr>
+        <p:blipFill>
+          <a:blip r:embed="rId4" cstate="print">
+            <a:extLst>
+              <a:ext uri="{28A0092B-C50C-407E-A947-70E740481C1C}">
+                <a14:useLocalDpi xmlns:a14="http://schemas.microsoft.com/office/drawing/2010/main" val="0"/>
+              </a:ext>
+            </a:extLst>
+          </a:blip>
+          <a:stretch>
+            <a:fillRect/>
+          </a:stretch>
+        </p:blipFill>
+        <p:spPr>
+          <a:xfrm>
+            <a:off x="4644008" y="1864191"/>
+            <a:ext cx="4088025" cy="4536307"/>
+          </a:xfrm>
+          <a:prstGeom prst="rect">
+            <a:avLst/>
+          </a:prstGeom>
+        </p:spPr>
+      </p:pic>
     </p:spTree>
     <p:extLst>
       <p:ext uri="{BB962C8B-B14F-4D97-AF65-F5344CB8AC3E}">
-        <p14:creationId xmlns:p14="http://schemas.microsoft.com/office/powerpoint/2010/main" val="1459390799"/>
+        <p14:creationId xmlns:p14="http://schemas.microsoft.com/office/powerpoint/2010/main" val="1968063630"/>
       </p:ext>
     </p:extLst>
   </p:cSld>
@@ -5222,7 +5812,7 @@
 </p:sld>
 </file>
 
-<file path=ppt/slides/slide5.xml><?xml version="1.0" encoding="utf-8"?>
+<file path=ppt/slides/slide8.xml><?xml version="1.0" encoding="utf-8"?>
 <p:sld xmlns:a="http://schemas.openxmlformats.org/drawingml/2006/main" xmlns:r="http://schemas.openxmlformats.org/officeDocument/2006/relationships" xmlns:p="http://schemas.openxmlformats.org/presentationml/2006/main">
   <p:cSld>
     <p:spTree>
@@ -5241,7 +5831,26 @@
       </p:grpSpPr>
       <p:sp>
         <p:nvSpPr>
-          <p:cNvPr id="5" name="Foliennummernplatzhalter 4"/>
+          <p:cNvPr id="2" name="Inhaltsplatzhalter 1"/>
+          <p:cNvSpPr>
+            <a:spLocks noGrp="1"/>
+          </p:cNvSpPr>
+          <p:nvPr>
+            <p:ph idx="1"/>
+          </p:nvPr>
+        </p:nvSpPr>
+        <p:spPr/>
+        <p:txBody>
+          <a:bodyPr/>
+          <a:lstStyle/>
+          <a:p>
+            <a:endParaRPr lang="de-DE"/>
+          </a:p>
+        </p:txBody>
+      </p:sp>
+      <p:sp>
+        <p:nvSpPr>
+          <p:cNvPr id="3" name="Foliennummernplatzhalter 2"/>
           <p:cNvSpPr>
             <a:spLocks noGrp="1"/>
           </p:cNvSpPr>
@@ -5257,7 +5866,7 @@
             <a:fld id="{1A73E011-4CD9-4D05-A24A-32BCD9CDCEE7}" type="slidenum">
               <a:rPr lang="de-DE" smtClean="0"/>
               <a:pPr/>
-              <a:t>5</a:t>
+              <a:t>8</a:t>
             </a:fld>
             <a:endParaRPr lang="de-DE"/>
           </a:p>
@@ -5265,289 +5874,60 @@
       </p:sp>
       <p:sp>
         <p:nvSpPr>
-          <p:cNvPr id="11" name="Inhaltsplatzhalter 1"/>
-          <p:cNvSpPr txBox="1">
-            <a:spLocks/>
+          <p:cNvPr id="4" name="Textplatzhalter 3"/>
+          <p:cNvSpPr>
+            <a:spLocks noGrp="1"/>
           </p:cNvSpPr>
-          <p:nvPr/>
-        </p:nvSpPr>
-        <p:spPr>
-          <a:xfrm>
-            <a:off x="609600" y="1133128"/>
-            <a:ext cx="8229600" cy="5145435"/>
-          </a:xfrm>
-          <a:prstGeom prst="rect">
-            <a:avLst/>
-          </a:prstGeom>
-        </p:spPr>
+          <p:nvPr>
+            <p:ph type="body" sz="quarter" idx="13"/>
+          </p:nvPr>
+        </p:nvSpPr>
+        <p:spPr/>
         <p:txBody>
-          <a:bodyPr vert="horz" lIns="91440" tIns="45720" rIns="91440" bIns="45720" rtlCol="0">
-            <a:normAutofit/>
-          </a:bodyPr>
-          <a:lstStyle>
-            <a:lvl1pPr marL="342900" indent="-342900" algn="l" defTabSz="914400" rtl="0" eaLnBrk="1" latinLnBrk="0" hangingPunct="1">
-              <a:spcBef>
-                <a:spcPct val="20000"/>
-              </a:spcBef>
-              <a:buFont typeface="Arial" pitchFamily="34" charset="0"/>
-              <a:buChar char="•"/>
-              <a:defRPr sz="2800" kern="1200">
-                <a:solidFill>
-                  <a:schemeClr val="tx1"/>
-                </a:solidFill>
-                <a:latin typeface="Adobe Arabic" pitchFamily="18" charset="-78"/>
-                <a:ea typeface="+mn-ea"/>
-                <a:cs typeface="Adobe Arabic" pitchFamily="18" charset="-78"/>
-              </a:defRPr>
-            </a:lvl1pPr>
-            <a:lvl2pPr marL="742950" indent="-285750" algn="l" defTabSz="914400" rtl="0" eaLnBrk="1" latinLnBrk="0" hangingPunct="1">
-              <a:spcBef>
-                <a:spcPct val="20000"/>
-              </a:spcBef>
-              <a:buFont typeface="Courier New" pitchFamily="49" charset="0"/>
-              <a:buChar char="o"/>
-              <a:defRPr sz="2400" kern="1200">
-                <a:solidFill>
-                  <a:schemeClr val="tx1"/>
-                </a:solidFill>
-                <a:latin typeface="Adobe Arabic" pitchFamily="18" charset="-78"/>
-                <a:ea typeface="+mn-ea"/>
-                <a:cs typeface="Adobe Arabic" pitchFamily="18" charset="-78"/>
-              </a:defRPr>
-            </a:lvl2pPr>
-            <a:lvl3pPr marL="1143000" indent="-228600" algn="l" defTabSz="914400" rtl="0" eaLnBrk="1" latinLnBrk="0" hangingPunct="1">
-              <a:spcBef>
-                <a:spcPct val="20000"/>
-              </a:spcBef>
-              <a:buFont typeface="Arial" pitchFamily="34" charset="0"/>
-              <a:buChar char="•"/>
-              <a:defRPr sz="2000" kern="1200">
-                <a:solidFill>
-                  <a:schemeClr val="tx1"/>
-                </a:solidFill>
-                <a:latin typeface="Adobe Arabic" pitchFamily="18" charset="-78"/>
-                <a:ea typeface="+mn-ea"/>
-                <a:cs typeface="Adobe Arabic" pitchFamily="18" charset="-78"/>
-              </a:defRPr>
-            </a:lvl3pPr>
-            <a:lvl4pPr marL="1600200" indent="-228600" algn="l" defTabSz="914400" rtl="0" eaLnBrk="1" latinLnBrk="0" hangingPunct="1">
-              <a:spcBef>
-                <a:spcPct val="20000"/>
-              </a:spcBef>
-              <a:buFont typeface="Arial" pitchFamily="34" charset="0"/>
-              <a:buChar char="–"/>
-              <a:defRPr sz="1800" kern="1200">
-                <a:solidFill>
-                  <a:schemeClr val="tx1"/>
-                </a:solidFill>
-                <a:latin typeface="Adobe Arabic" pitchFamily="18" charset="-78"/>
-                <a:ea typeface="+mn-ea"/>
-                <a:cs typeface="Adobe Arabic" pitchFamily="18" charset="-78"/>
-              </a:defRPr>
-            </a:lvl4pPr>
-            <a:lvl5pPr marL="2057400" indent="-228600" algn="l" defTabSz="914400" rtl="0" eaLnBrk="1" latinLnBrk="0" hangingPunct="1">
-              <a:spcBef>
-                <a:spcPct val="20000"/>
-              </a:spcBef>
-              <a:buFont typeface="Arial" pitchFamily="34" charset="0"/>
-              <a:buChar char="»"/>
-              <a:defRPr sz="1800" kern="1200">
-                <a:solidFill>
-                  <a:schemeClr val="tx1"/>
-                </a:solidFill>
-                <a:latin typeface="Adobe Arabic" pitchFamily="18" charset="-78"/>
-                <a:ea typeface="+mn-ea"/>
-                <a:cs typeface="Adobe Arabic" pitchFamily="18" charset="-78"/>
-              </a:defRPr>
-            </a:lvl5pPr>
-            <a:lvl6pPr marL="2514600" indent="-228600" algn="l" defTabSz="914400" rtl="0" eaLnBrk="1" latinLnBrk="0" hangingPunct="1">
-              <a:spcBef>
-                <a:spcPct val="20000"/>
-              </a:spcBef>
-              <a:buFont typeface="Arial" pitchFamily="34" charset="0"/>
-              <a:buChar char="•"/>
-              <a:defRPr sz="2000" kern="1200">
-                <a:solidFill>
-                  <a:schemeClr val="tx1"/>
-                </a:solidFill>
-                <a:latin typeface="+mn-lt"/>
-                <a:ea typeface="+mn-ea"/>
-                <a:cs typeface="+mn-cs"/>
-              </a:defRPr>
-            </a:lvl6pPr>
-            <a:lvl7pPr marL="2971800" indent="-228600" algn="l" defTabSz="914400" rtl="0" eaLnBrk="1" latinLnBrk="0" hangingPunct="1">
-              <a:spcBef>
-                <a:spcPct val="20000"/>
-              </a:spcBef>
-              <a:buFont typeface="Arial" pitchFamily="34" charset="0"/>
-              <a:buChar char="•"/>
-              <a:defRPr sz="2000" kern="1200">
-                <a:solidFill>
-                  <a:schemeClr val="tx1"/>
-                </a:solidFill>
-                <a:latin typeface="+mn-lt"/>
-                <a:ea typeface="+mn-ea"/>
-                <a:cs typeface="+mn-cs"/>
-              </a:defRPr>
-            </a:lvl7pPr>
-            <a:lvl8pPr marL="3429000" indent="-228600" algn="l" defTabSz="914400" rtl="0" eaLnBrk="1" latinLnBrk="0" hangingPunct="1">
-              <a:spcBef>
-                <a:spcPct val="20000"/>
-              </a:spcBef>
-              <a:buFont typeface="Arial" pitchFamily="34" charset="0"/>
-              <a:buChar char="•"/>
-              <a:defRPr sz="2000" kern="1200">
-                <a:solidFill>
-                  <a:schemeClr val="tx1"/>
-                </a:solidFill>
-                <a:latin typeface="+mn-lt"/>
-                <a:ea typeface="+mn-ea"/>
-                <a:cs typeface="+mn-cs"/>
-              </a:defRPr>
-            </a:lvl8pPr>
-            <a:lvl9pPr marL="3886200" indent="-228600" algn="l" defTabSz="914400" rtl="0" eaLnBrk="1" latinLnBrk="0" hangingPunct="1">
-              <a:spcBef>
-                <a:spcPct val="20000"/>
-              </a:spcBef>
-              <a:buFont typeface="Arial" pitchFamily="34" charset="0"/>
-              <a:buChar char="•"/>
-              <a:defRPr sz="2000" kern="1200">
-                <a:solidFill>
-                  <a:schemeClr val="tx1"/>
-                </a:solidFill>
-                <a:latin typeface="+mn-lt"/>
-                <a:ea typeface="+mn-ea"/>
-                <a:cs typeface="+mn-cs"/>
-              </a:defRPr>
-            </a:lvl9pPr>
-          </a:lstStyle>
-          <a:p>
-            <a:pPr>
-              <a:buClr>
-                <a:srgbClr val="52C000"/>
-              </a:buClr>
-            </a:pPr>
+          <a:bodyPr/>
+          <a:lstStyle/>
+          <a:p>
+            <a:endParaRPr lang="de-DE"/>
+          </a:p>
+        </p:txBody>
+      </p:sp>
+      <p:sp>
+        <p:nvSpPr>
+          <p:cNvPr id="5" name="Fußzeilenplatzhalter 4"/>
+          <p:cNvSpPr>
+            <a:spLocks noGrp="1"/>
+          </p:cNvSpPr>
+          <p:nvPr>
+            <p:ph type="ftr" sz="quarter" idx="3"/>
+          </p:nvPr>
+        </p:nvSpPr>
+        <p:spPr/>
+        <p:txBody>
+          <a:bodyPr/>
+          <a:lstStyle/>
+          <a:p>
             <a:r>
               <a:rPr lang="de-DE" smtClean="0"/>
-              <a:t>Flexible Diskretisierung (</a:t>
-            </a:r>
-            <a:r>
-              <a:rPr lang="de-DE" sz="2000" i="1" smtClean="0">
-                <a:latin typeface="Latin Modern Math" pitchFamily="50" charset="0"/>
-                <a:ea typeface="Latin Modern Math" pitchFamily="50" charset="0"/>
-              </a:rPr>
-              <a:t>hp</a:t>
-            </a:r>
-            <a:r>
-              <a:rPr lang="de-DE" smtClean="0"/>
-              <a:t>-Adaptivität)</a:t>
-            </a:r>
-          </a:p>
-          <a:p>
-            <a:pPr lvl="1">
-              <a:buClr>
-                <a:srgbClr val="52C000"/>
-              </a:buClr>
-            </a:pPr>
-            <a:r>
-              <a:rPr lang="de-DE" smtClean="0"/>
-              <a:t>komplexe Geometrien möglich</a:t>
-            </a:r>
-          </a:p>
-          <a:p>
-            <a:pPr lvl="1">
-              <a:buClr>
-                <a:srgbClr val="52C000"/>
-              </a:buClr>
-            </a:pPr>
-            <a:r>
-              <a:rPr lang="de-DE" smtClean="0"/>
-              <a:t>vorteilhaft vor Allem im Mehrdimensionalen</a:t>
-            </a:r>
-          </a:p>
-          <a:p>
-            <a:pPr>
-              <a:buClr>
-                <a:srgbClr val="52C000"/>
-              </a:buClr>
-            </a:pPr>
-            <a:r>
-              <a:rPr lang="de-DE" smtClean="0"/>
-              <a:t>Lokale Erhaltungseigenschaft kann durch numerischen Fluss sichgergestellt werden</a:t>
-            </a:r>
-          </a:p>
-          <a:p>
-            <a:pPr>
-              <a:buClr>
-                <a:srgbClr val="52C000"/>
-              </a:buClr>
-            </a:pPr>
-            <a:r>
-              <a:rPr lang="de-DE" smtClean="0"/>
-              <a:t>Flexibilität durch Wahl des numerischen Flusses</a:t>
-            </a:r>
-          </a:p>
-          <a:p>
-            <a:pPr>
-              <a:buClr>
-                <a:srgbClr val="52C000"/>
-              </a:buClr>
-            </a:pPr>
-            <a:r>
-              <a:rPr lang="de-DE" smtClean="0"/>
-              <a:t>Zeitschritt-Verfahren gibt es quasi gratis</a:t>
-            </a:r>
-          </a:p>
-          <a:p>
-            <a:pPr>
-              <a:buClr>
-                <a:srgbClr val="52C000"/>
-              </a:buClr>
-            </a:pPr>
-            <a:r>
-              <a:rPr lang="de-DE" smtClean="0"/>
-              <a:t>Bislang keine Veröffentlichungen</a:t>
-            </a:r>
-          </a:p>
-          <a:p>
-            <a:pPr>
-              <a:buClr>
-                <a:srgbClr val="52C000"/>
-              </a:buClr>
-            </a:pPr>
-            <a:endParaRPr lang="de-DE" smtClean="0"/>
+              <a:t>1. Einleitung</a:t>
+            </a:r>
+            <a:endParaRPr lang="de-DE"/>
           </a:p>
         </p:txBody>
       </p:sp>
     </p:spTree>
     <p:extLst>
       <p:ext uri="{BB962C8B-B14F-4D97-AF65-F5344CB8AC3E}">
-        <p14:creationId xmlns:p14="http://schemas.microsoft.com/office/powerpoint/2010/main" val="2220552194"/>
+        <p14:creationId xmlns:p14="http://schemas.microsoft.com/office/powerpoint/2010/main" val="644568670"/>
       </p:ext>
     </p:extLst>
   </p:cSld>
   <p:clrMapOvr>
     <a:masterClrMapping/>
   </p:clrMapOvr>
-  <mc:AlternateContent xmlns:mc="http://schemas.openxmlformats.org/markup-compatibility/2006" xmlns:p14="http://schemas.microsoft.com/office/powerpoint/2010/main">
-    <mc:Choice Requires="p14">
-      <p:transition spd="slow" p14:dur="2000"/>
-    </mc:Choice>
-    <mc:Fallback xmlns="">
-      <p:transition spd="slow"/>
-    </mc:Fallback>
-  </mc:AlternateContent>
-  <p:timing>
-    <p:tnLst>
-      <p:par>
-        <p:cTn id="1" dur="indefinite" restart="never" nodeType="tmRoot"/>
-      </p:par>
-    </p:tnLst>
-  </p:timing>
 </p:sld>
 </file>
 
-<file path=ppt/slides/slide6.xml><?xml version="1.0" encoding="utf-8"?>
+<file path=ppt/slides/slide9.xml><?xml version="1.0" encoding="utf-8"?>
 <p:sld xmlns:a="http://schemas.openxmlformats.org/drawingml/2006/main" xmlns:r="http://schemas.openxmlformats.org/officeDocument/2006/relationships" xmlns:p="http://schemas.openxmlformats.org/presentationml/2006/main">
   <p:cSld>
     <p:spTree>
@@ -5748,7 +6128,7 @@
             <a:fld id="{1A73E011-4CD9-4D05-A24A-32BCD9CDCEE7}" type="slidenum">
               <a:rPr lang="de-DE" smtClean="0"/>
               <a:pPr/>
-              <a:t>6</a:t>
+              <a:t>9</a:t>
             </a:fld>
             <a:endParaRPr lang="de-DE"/>
           </a:p>
@@ -5823,6 +6203,29 @@
               <a:ea typeface="+mj-ea"/>
               <a:cs typeface="Adobe Arabic" pitchFamily="18" charset="-78"/>
             </a:endParaRPr>
+          </a:p>
+        </p:txBody>
+      </p:sp>
+      <p:sp>
+        <p:nvSpPr>
+          <p:cNvPr id="3" name="Fußzeilenplatzhalter 2"/>
+          <p:cNvSpPr>
+            <a:spLocks noGrp="1"/>
+          </p:cNvSpPr>
+          <p:nvPr>
+            <p:ph type="ftr" sz="quarter" idx="3"/>
+          </p:nvPr>
+        </p:nvSpPr>
+        <p:spPr/>
+        <p:txBody>
+          <a:bodyPr/>
+          <a:lstStyle/>
+          <a:p>
+            <a:r>
+              <a:rPr lang="de-DE" smtClean="0"/>
+              <a:t>1. Einleitung</a:t>
+            </a:r>
+            <a:endParaRPr lang="de-DE"/>
           </a:p>
         </p:txBody>
       </p:sp>

--- a/Abschlussvortrag/Präsentation.pptx
+++ b/Abschlussvortrag/Präsentation.pptx
@@ -5,18 +5,22 @@
     <p:sldMasterId id="2147483661" r:id="rId1"/>
   </p:sldMasterIdLst>
   <p:notesMasterIdLst>
-    <p:notesMasterId r:id="rId11"/>
+    <p:notesMasterId r:id="rId15"/>
   </p:notesMasterIdLst>
   <p:sldIdLst>
     <p:sldId id="256" r:id="rId2"/>
     <p:sldId id="338" r:id="rId3"/>
     <p:sldId id="334" r:id="rId4"/>
     <p:sldId id="341" r:id="rId5"/>
-    <p:sldId id="340" r:id="rId6"/>
-    <p:sldId id="342" r:id="rId7"/>
-    <p:sldId id="339" r:id="rId8"/>
-    <p:sldId id="343" r:id="rId9"/>
-    <p:sldId id="287" r:id="rId10"/>
+    <p:sldId id="347" r:id="rId6"/>
+    <p:sldId id="340" r:id="rId7"/>
+    <p:sldId id="342" r:id="rId8"/>
+    <p:sldId id="339" r:id="rId9"/>
+    <p:sldId id="344" r:id="rId10"/>
+    <p:sldId id="345" r:id="rId11"/>
+    <p:sldId id="346" r:id="rId12"/>
+    <p:sldId id="343" r:id="rId13"/>
+    <p:sldId id="287" r:id="rId14"/>
   </p:sldIdLst>
   <p:sldSz cx="9144000" cy="6858000" type="screen4x3"/>
   <p:notesSz cx="6858000" cy="9144000"/>
@@ -132,6 +136,7 @@
         <p14:section name="Modell" id="{3AEE0721-8128-435C-9036-14C4B5218F3B}">
           <p14:sldIdLst>
             <p14:sldId id="341"/>
+            <p14:sldId id="347"/>
           </p14:sldIdLst>
         </p14:section>
         <p14:section name="Motivation" id="{5D28263D-C5B8-4F7D-86F5-0C81543C8A39}">
@@ -147,6 +152,9 @@
         <p14:section name="Ergebnisse" id="{7538180C-030A-4BF1-B138-5E76CD73FC71}">
           <p14:sldIdLst>
             <p14:sldId id="339"/>
+            <p14:sldId id="344"/>
+            <p14:sldId id="345"/>
+            <p14:sldId id="346"/>
           </p14:sldIdLst>
         </p14:section>
         <p14:section name="Fazit" id="{E429475E-FBA5-4DEE-AC7D-19BAE2A3EF80}">
@@ -248,7 +256,7 @@
             <a:fld id="{4171A3E4-08F7-470B-B28A-F7F44AD1D267}" type="datetimeFigureOut">
               <a:rPr lang="de-DE" smtClean="0"/>
               <a:pPr/>
-              <a:t>28.01.2020</a:t>
+              <a:t>31.01.2020</a:t>
             </a:fld>
             <a:endParaRPr lang="de-DE"/>
           </a:p>
@@ -724,12 +732,66 @@
         </p:nvSpPr>
         <p:spPr/>
         <p:txBody>
-          <a:bodyPr>
-            <a:normAutofit/>
-          </a:bodyPr>
+          <a:bodyPr/>
           <a:lstStyle/>
           <a:p>
-            <a:endParaRPr lang="de-DE"/>
+            <a:r>
+              <a:rPr lang="de-DE" smtClean="0"/>
+              <a:t>Annahmen:</a:t>
+            </a:r>
+            <a:br>
+              <a:rPr lang="de-DE" smtClean="0"/>
+            </a:br>
+            <a:r>
+              <a:rPr lang="de-DE" smtClean="0"/>
+              <a:t>1. Teilchenerhaltung innerhalb der Struktur</a:t>
+            </a:r>
+            <a:br>
+              <a:rPr lang="de-DE" smtClean="0"/>
+            </a:br>
+            <a:r>
+              <a:rPr lang="de-DE" smtClean="0"/>
+              <a:t>2. Ausschließlich elastische Streuprozesse (kohörenter</a:t>
+            </a:r>
+            <a:r>
+              <a:rPr lang="de-DE" baseline="0" smtClean="0"/>
+              <a:t> Grenzfall)</a:t>
+            </a:r>
+            <a:br>
+              <a:rPr lang="de-DE" baseline="0" smtClean="0"/>
+            </a:br>
+            <a:r>
+              <a:rPr lang="de-DE" baseline="0" smtClean="0"/>
+              <a:t>3. Reservoire verhalten sich wie schwarze Strahler, </a:t>
+            </a:r>
+            <a:r>
+              <a:rPr lang="de-DE" smtClean="0"/>
+              <a:t>Elektronen werden hier erzeugt / absorbiert</a:t>
+            </a:r>
+          </a:p>
+          <a:p>
+            <a:r>
+              <a:rPr lang="de-DE" smtClean="0"/>
+              <a:t>4. Halbleiterschichten sind unendlich ausgedehnt</a:t>
+            </a:r>
+            <a:br>
+              <a:rPr lang="de-DE" smtClean="0"/>
+            </a:br>
+            <a:r>
+              <a:rPr lang="de-DE" smtClean="0"/>
+              <a:t>5. zugrundeliegendes Kristallgitter</a:t>
+            </a:r>
+            <a:r>
+              <a:rPr lang="de-DE" baseline="0" smtClean="0"/>
+              <a:t> wird durch konstante effektive Masse beschrieben</a:t>
+            </a:r>
+          </a:p>
+          <a:p>
+            <a:r>
+              <a:rPr lang="de-DE" baseline="0" smtClean="0"/>
+              <a:t>6. Mean-Field-Näherung</a:t>
+            </a:r>
+            <a:endParaRPr lang="de-DE" smtClean="0"/>
           </a:p>
         </p:txBody>
       </p:sp>
@@ -751,7 +813,98 @@
             <a:fld id="{31DC6EB7-B8C5-4A13-A184-8A045D6E94E6}" type="slidenum">
               <a:rPr lang="de-DE" smtClean="0"/>
               <a:pPr/>
-              <a:t>7</a:t>
+              <a:t>4</a:t>
+            </a:fld>
+            <a:endParaRPr lang="de-DE"/>
+          </a:p>
+        </p:txBody>
+      </p:sp>
+    </p:spTree>
+    <p:extLst>
+      <p:ext uri="{BB962C8B-B14F-4D97-AF65-F5344CB8AC3E}">
+        <p14:creationId xmlns:p14="http://schemas.microsoft.com/office/powerpoint/2010/main" val="2240113812"/>
+      </p:ext>
+    </p:extLst>
+  </p:cSld>
+  <p:clrMapOvr>
+    <a:masterClrMapping/>
+  </p:clrMapOvr>
+</p:notes>
+</file>
+
+<file path=ppt/notesSlides/notesSlide4.xml><?xml version="1.0" encoding="utf-8"?>
+<p:notes xmlns:a="http://schemas.openxmlformats.org/drawingml/2006/main" xmlns:r="http://schemas.openxmlformats.org/officeDocument/2006/relationships" xmlns:p="http://schemas.openxmlformats.org/presentationml/2006/main">
+  <p:cSld>
+    <p:spTree>
+      <p:nvGrpSpPr>
+        <p:cNvPr id="1" name=""/>
+        <p:cNvGrpSpPr/>
+        <p:nvPr/>
+      </p:nvGrpSpPr>
+      <p:grpSpPr>
+        <a:xfrm>
+          <a:off x="0" y="0"/>
+          <a:ext cx="0" cy="0"/>
+          <a:chOff x="0" y="0"/>
+          <a:chExt cx="0" cy="0"/>
+        </a:xfrm>
+      </p:grpSpPr>
+      <p:sp>
+        <p:nvSpPr>
+          <p:cNvPr id="2" name="Folienbildplatzhalter 1"/>
+          <p:cNvSpPr>
+            <a:spLocks noGrp="1" noRot="1" noChangeAspect="1"/>
+          </p:cNvSpPr>
+          <p:nvPr>
+            <p:ph type="sldImg"/>
+          </p:nvPr>
+        </p:nvSpPr>
+        <p:spPr/>
+      </p:sp>
+      <p:sp>
+        <p:nvSpPr>
+          <p:cNvPr id="3" name="Notizenplatzhalter 2"/>
+          <p:cNvSpPr>
+            <a:spLocks noGrp="1"/>
+          </p:cNvSpPr>
+          <p:nvPr>
+            <p:ph type="body" idx="1"/>
+          </p:nvPr>
+        </p:nvSpPr>
+        <p:spPr/>
+        <p:txBody>
+          <a:bodyPr>
+            <a:normAutofit/>
+          </a:bodyPr>
+          <a:lstStyle/>
+          <a:p>
+            <a:r>
+              <a:rPr lang="de-DE" smtClean="0"/>
+              <a:t>0,1 V</a:t>
+            </a:r>
+            <a:endParaRPr lang="de-DE"/>
+          </a:p>
+        </p:txBody>
+      </p:sp>
+      <p:sp>
+        <p:nvSpPr>
+          <p:cNvPr id="4" name="Foliennummernplatzhalter 3"/>
+          <p:cNvSpPr>
+            <a:spLocks noGrp="1"/>
+          </p:cNvSpPr>
+          <p:nvPr>
+            <p:ph type="sldNum" sz="quarter" idx="10"/>
+          </p:nvPr>
+        </p:nvSpPr>
+        <p:spPr/>
+        <p:txBody>
+          <a:bodyPr/>
+          <a:lstStyle/>
+          <a:p>
+            <a:fld id="{31DC6EB7-B8C5-4A13-A184-8A045D6E94E6}" type="slidenum">
+              <a:rPr lang="de-DE" smtClean="0"/>
+              <a:pPr/>
+              <a:t>8</a:t>
             </a:fld>
             <a:endParaRPr lang="de-DE"/>
           </a:p>
@@ -2703,6 +2856,689 @@
 </p:sld>
 </file>
 
+<file path=ppt/slides/slide10.xml><?xml version="1.0" encoding="utf-8"?>
+<p:sld xmlns:a="http://schemas.openxmlformats.org/drawingml/2006/main" xmlns:r="http://schemas.openxmlformats.org/officeDocument/2006/relationships" xmlns:p="http://schemas.openxmlformats.org/presentationml/2006/main">
+  <p:cSld>
+    <p:spTree>
+      <p:nvGrpSpPr>
+        <p:cNvPr id="1" name=""/>
+        <p:cNvGrpSpPr/>
+        <p:nvPr/>
+      </p:nvGrpSpPr>
+      <p:grpSpPr>
+        <a:xfrm>
+          <a:off x="0" y="0"/>
+          <a:ext cx="0" cy="0"/>
+          <a:chOff x="0" y="0"/>
+          <a:chExt cx="0" cy="0"/>
+        </a:xfrm>
+      </p:grpSpPr>
+      <p:sp>
+        <p:nvSpPr>
+          <p:cNvPr id="2" name="Inhaltsplatzhalter 1"/>
+          <p:cNvSpPr>
+            <a:spLocks noGrp="1"/>
+          </p:cNvSpPr>
+          <p:nvPr>
+            <p:ph idx="1"/>
+          </p:nvPr>
+        </p:nvSpPr>
+        <p:spPr/>
+        <p:txBody>
+          <a:bodyPr/>
+          <a:lstStyle/>
+          <a:p>
+            <a:endParaRPr lang="de-DE"/>
+          </a:p>
+        </p:txBody>
+      </p:sp>
+      <p:sp>
+        <p:nvSpPr>
+          <p:cNvPr id="3" name="Foliennummernplatzhalter 2"/>
+          <p:cNvSpPr>
+            <a:spLocks noGrp="1"/>
+          </p:cNvSpPr>
+          <p:nvPr>
+            <p:ph type="sldNum" sz="quarter" idx="12"/>
+          </p:nvPr>
+        </p:nvSpPr>
+        <p:spPr/>
+        <p:txBody>
+          <a:bodyPr/>
+          <a:lstStyle/>
+          <a:p>
+            <a:fld id="{1A73E011-4CD9-4D05-A24A-32BCD9CDCEE7}" type="slidenum">
+              <a:rPr lang="de-DE" smtClean="0"/>
+              <a:pPr/>
+              <a:t>10</a:t>
+            </a:fld>
+            <a:endParaRPr lang="de-DE"/>
+          </a:p>
+        </p:txBody>
+      </p:sp>
+      <p:sp>
+        <p:nvSpPr>
+          <p:cNvPr id="4" name="Textplatzhalter 3"/>
+          <p:cNvSpPr>
+            <a:spLocks noGrp="1"/>
+          </p:cNvSpPr>
+          <p:nvPr>
+            <p:ph type="body" sz="quarter" idx="13"/>
+          </p:nvPr>
+        </p:nvSpPr>
+        <p:spPr/>
+        <p:txBody>
+          <a:bodyPr/>
+          <a:lstStyle/>
+          <a:p>
+            <a:endParaRPr lang="de-DE"/>
+          </a:p>
+        </p:txBody>
+      </p:sp>
+      <p:sp>
+        <p:nvSpPr>
+          <p:cNvPr id="5" name="Fußzeilenplatzhalter 4"/>
+          <p:cNvSpPr>
+            <a:spLocks noGrp="1"/>
+          </p:cNvSpPr>
+          <p:nvPr>
+            <p:ph type="ftr" sz="quarter" idx="3"/>
+          </p:nvPr>
+        </p:nvSpPr>
+        <p:spPr/>
+        <p:txBody>
+          <a:bodyPr/>
+          <a:lstStyle/>
+          <a:p>
+            <a:r>
+              <a:rPr lang="de-DE" smtClean="0"/>
+              <a:t>1. Einleitung</a:t>
+            </a:r>
+            <a:endParaRPr lang="de-DE"/>
+          </a:p>
+        </p:txBody>
+      </p:sp>
+    </p:spTree>
+    <p:extLst>
+      <p:ext uri="{BB962C8B-B14F-4D97-AF65-F5344CB8AC3E}">
+        <p14:creationId xmlns:p14="http://schemas.microsoft.com/office/powerpoint/2010/main" val="653351432"/>
+      </p:ext>
+    </p:extLst>
+  </p:cSld>
+  <p:clrMapOvr>
+    <a:masterClrMapping/>
+  </p:clrMapOvr>
+  <p:timing>
+    <p:tnLst>
+      <p:par>
+        <p:cTn id="1" dur="indefinite" restart="never" nodeType="tmRoot"/>
+      </p:par>
+    </p:tnLst>
+  </p:timing>
+</p:sld>
+</file>
+
+<file path=ppt/slides/slide11.xml><?xml version="1.0" encoding="utf-8"?>
+<p:sld xmlns:a="http://schemas.openxmlformats.org/drawingml/2006/main" xmlns:r="http://schemas.openxmlformats.org/officeDocument/2006/relationships" xmlns:p="http://schemas.openxmlformats.org/presentationml/2006/main">
+  <p:cSld>
+    <p:spTree>
+      <p:nvGrpSpPr>
+        <p:cNvPr id="1" name=""/>
+        <p:cNvGrpSpPr/>
+        <p:nvPr/>
+      </p:nvGrpSpPr>
+      <p:grpSpPr>
+        <a:xfrm>
+          <a:off x="0" y="0"/>
+          <a:ext cx="0" cy="0"/>
+          <a:chOff x="0" y="0"/>
+          <a:chExt cx="0" cy="0"/>
+        </a:xfrm>
+      </p:grpSpPr>
+      <p:sp>
+        <p:nvSpPr>
+          <p:cNvPr id="2" name="Inhaltsplatzhalter 1"/>
+          <p:cNvSpPr>
+            <a:spLocks noGrp="1"/>
+          </p:cNvSpPr>
+          <p:nvPr>
+            <p:ph idx="1"/>
+          </p:nvPr>
+        </p:nvSpPr>
+        <p:spPr/>
+        <p:txBody>
+          <a:bodyPr/>
+          <a:lstStyle/>
+          <a:p>
+            <a:endParaRPr lang="de-DE"/>
+          </a:p>
+        </p:txBody>
+      </p:sp>
+      <p:sp>
+        <p:nvSpPr>
+          <p:cNvPr id="3" name="Foliennummernplatzhalter 2"/>
+          <p:cNvSpPr>
+            <a:spLocks noGrp="1"/>
+          </p:cNvSpPr>
+          <p:nvPr>
+            <p:ph type="sldNum" sz="quarter" idx="12"/>
+          </p:nvPr>
+        </p:nvSpPr>
+        <p:spPr/>
+        <p:txBody>
+          <a:bodyPr/>
+          <a:lstStyle/>
+          <a:p>
+            <a:fld id="{1A73E011-4CD9-4D05-A24A-32BCD9CDCEE7}" type="slidenum">
+              <a:rPr lang="de-DE" smtClean="0"/>
+              <a:pPr/>
+              <a:t>11</a:t>
+            </a:fld>
+            <a:endParaRPr lang="de-DE"/>
+          </a:p>
+        </p:txBody>
+      </p:sp>
+      <p:sp>
+        <p:nvSpPr>
+          <p:cNvPr id="4" name="Textplatzhalter 3"/>
+          <p:cNvSpPr>
+            <a:spLocks noGrp="1"/>
+          </p:cNvSpPr>
+          <p:nvPr>
+            <p:ph type="body" sz="quarter" idx="13"/>
+          </p:nvPr>
+        </p:nvSpPr>
+        <p:spPr/>
+        <p:txBody>
+          <a:bodyPr/>
+          <a:lstStyle/>
+          <a:p>
+            <a:endParaRPr lang="de-DE"/>
+          </a:p>
+        </p:txBody>
+      </p:sp>
+      <p:sp>
+        <p:nvSpPr>
+          <p:cNvPr id="5" name="Fußzeilenplatzhalter 4"/>
+          <p:cNvSpPr>
+            <a:spLocks noGrp="1"/>
+          </p:cNvSpPr>
+          <p:nvPr>
+            <p:ph type="ftr" sz="quarter" idx="3"/>
+          </p:nvPr>
+        </p:nvSpPr>
+        <p:spPr/>
+        <p:txBody>
+          <a:bodyPr/>
+          <a:lstStyle/>
+          <a:p>
+            <a:r>
+              <a:rPr lang="de-DE" smtClean="0"/>
+              <a:t>1. Einleitung</a:t>
+            </a:r>
+            <a:endParaRPr lang="de-DE"/>
+          </a:p>
+        </p:txBody>
+      </p:sp>
+    </p:spTree>
+    <p:extLst>
+      <p:ext uri="{BB962C8B-B14F-4D97-AF65-F5344CB8AC3E}">
+        <p14:creationId xmlns:p14="http://schemas.microsoft.com/office/powerpoint/2010/main" val="524671156"/>
+      </p:ext>
+    </p:extLst>
+  </p:cSld>
+  <p:clrMapOvr>
+    <a:masterClrMapping/>
+  </p:clrMapOvr>
+  <p:timing>
+    <p:tnLst>
+      <p:par>
+        <p:cTn id="1" dur="indefinite" restart="never" nodeType="tmRoot"/>
+      </p:par>
+    </p:tnLst>
+  </p:timing>
+</p:sld>
+</file>
+
+<file path=ppt/slides/slide12.xml><?xml version="1.0" encoding="utf-8"?>
+<p:sld xmlns:a="http://schemas.openxmlformats.org/drawingml/2006/main" xmlns:r="http://schemas.openxmlformats.org/officeDocument/2006/relationships" xmlns:p="http://schemas.openxmlformats.org/presentationml/2006/main">
+  <p:cSld>
+    <p:spTree>
+      <p:nvGrpSpPr>
+        <p:cNvPr id="1" name=""/>
+        <p:cNvGrpSpPr/>
+        <p:nvPr/>
+      </p:nvGrpSpPr>
+      <p:grpSpPr>
+        <a:xfrm>
+          <a:off x="0" y="0"/>
+          <a:ext cx="0" cy="0"/>
+          <a:chOff x="0" y="0"/>
+          <a:chExt cx="0" cy="0"/>
+        </a:xfrm>
+      </p:grpSpPr>
+      <p:sp>
+        <p:nvSpPr>
+          <p:cNvPr id="2" name="Inhaltsplatzhalter 1"/>
+          <p:cNvSpPr>
+            <a:spLocks noGrp="1"/>
+          </p:cNvSpPr>
+          <p:nvPr>
+            <p:ph idx="1"/>
+          </p:nvPr>
+        </p:nvSpPr>
+        <p:spPr/>
+        <p:txBody>
+          <a:bodyPr/>
+          <a:lstStyle/>
+          <a:p>
+            <a:endParaRPr lang="de-DE"/>
+          </a:p>
+        </p:txBody>
+      </p:sp>
+      <p:sp>
+        <p:nvSpPr>
+          <p:cNvPr id="3" name="Foliennummernplatzhalter 2"/>
+          <p:cNvSpPr>
+            <a:spLocks noGrp="1"/>
+          </p:cNvSpPr>
+          <p:nvPr>
+            <p:ph type="sldNum" sz="quarter" idx="12"/>
+          </p:nvPr>
+        </p:nvSpPr>
+        <p:spPr/>
+        <p:txBody>
+          <a:bodyPr/>
+          <a:lstStyle/>
+          <a:p>
+            <a:fld id="{1A73E011-4CD9-4D05-A24A-32BCD9CDCEE7}" type="slidenum">
+              <a:rPr lang="de-DE" smtClean="0"/>
+              <a:pPr/>
+              <a:t>12</a:t>
+            </a:fld>
+            <a:endParaRPr lang="de-DE"/>
+          </a:p>
+        </p:txBody>
+      </p:sp>
+      <p:sp>
+        <p:nvSpPr>
+          <p:cNvPr id="4" name="Textplatzhalter 3"/>
+          <p:cNvSpPr>
+            <a:spLocks noGrp="1"/>
+          </p:cNvSpPr>
+          <p:nvPr>
+            <p:ph type="body" sz="quarter" idx="13"/>
+          </p:nvPr>
+        </p:nvSpPr>
+        <p:spPr/>
+        <p:txBody>
+          <a:bodyPr/>
+          <a:lstStyle/>
+          <a:p>
+            <a:endParaRPr lang="de-DE"/>
+          </a:p>
+        </p:txBody>
+      </p:sp>
+      <p:sp>
+        <p:nvSpPr>
+          <p:cNvPr id="5" name="Fußzeilenplatzhalter 4"/>
+          <p:cNvSpPr>
+            <a:spLocks noGrp="1"/>
+          </p:cNvSpPr>
+          <p:nvPr>
+            <p:ph type="ftr" sz="quarter" idx="3"/>
+          </p:nvPr>
+        </p:nvSpPr>
+        <p:spPr/>
+        <p:txBody>
+          <a:bodyPr/>
+          <a:lstStyle/>
+          <a:p>
+            <a:r>
+              <a:rPr lang="de-DE" smtClean="0"/>
+              <a:t>1. Einleitung</a:t>
+            </a:r>
+            <a:endParaRPr lang="de-DE"/>
+          </a:p>
+        </p:txBody>
+      </p:sp>
+    </p:spTree>
+    <p:extLst>
+      <p:ext uri="{BB962C8B-B14F-4D97-AF65-F5344CB8AC3E}">
+        <p14:creationId xmlns:p14="http://schemas.microsoft.com/office/powerpoint/2010/main" val="644568670"/>
+      </p:ext>
+    </p:extLst>
+  </p:cSld>
+  <p:clrMapOvr>
+    <a:masterClrMapping/>
+  </p:clrMapOvr>
+  <p:timing>
+    <p:tnLst>
+      <p:par>
+        <p:cTn id="1" dur="indefinite" restart="never" nodeType="tmRoot"/>
+      </p:par>
+    </p:tnLst>
+  </p:timing>
+</p:sld>
+</file>
+
+<file path=ppt/slides/slide13.xml><?xml version="1.0" encoding="utf-8"?>
+<p:sld xmlns:a="http://schemas.openxmlformats.org/drawingml/2006/main" xmlns:r="http://schemas.openxmlformats.org/officeDocument/2006/relationships" xmlns:p="http://schemas.openxmlformats.org/presentationml/2006/main">
+  <p:cSld>
+    <p:spTree>
+      <p:nvGrpSpPr>
+        <p:cNvPr id="1" name=""/>
+        <p:cNvGrpSpPr/>
+        <p:nvPr/>
+      </p:nvGrpSpPr>
+      <p:grpSpPr>
+        <a:xfrm>
+          <a:off x="0" y="0"/>
+          <a:ext cx="0" cy="0"/>
+          <a:chOff x="0" y="0"/>
+          <a:chExt cx="0" cy="0"/>
+        </a:xfrm>
+      </p:grpSpPr>
+      <p:sp>
+        <p:nvSpPr>
+          <p:cNvPr id="2" name="Inhaltsplatzhalter 1"/>
+          <p:cNvSpPr>
+            <a:spLocks noGrp="1"/>
+          </p:cNvSpPr>
+          <p:nvPr>
+            <p:ph idx="1"/>
+          </p:nvPr>
+        </p:nvSpPr>
+        <p:spPr>
+          <a:xfrm>
+            <a:off x="251520" y="1379909"/>
+            <a:ext cx="8496944" cy="5145435"/>
+          </a:xfrm>
+        </p:spPr>
+        <p:txBody>
+          <a:bodyPr>
+            <a:noAutofit/>
+          </a:bodyPr>
+          <a:lstStyle/>
+          <a:p>
+            <a:pPr marL="0" indent="0">
+              <a:buNone/>
+            </a:pPr>
+            <a:r>
+              <a:rPr lang="de-DE" sz="1800" smtClean="0"/>
+              <a:t>[1] </a:t>
+            </a:r>
+            <a:r>
+              <a:rPr lang="en-US" sz="1800"/>
+              <a:t>William R Frensley. </a:t>
+            </a:r>
+            <a:r>
+              <a:rPr lang="en-US" sz="1800" i="1" smtClean="0"/>
+              <a:t>Wigner-function </a:t>
+            </a:r>
+            <a:r>
+              <a:rPr lang="en-US" sz="1800" i="1"/>
+              <a:t>model of a resonant-tunneling </a:t>
+            </a:r>
+            <a:r>
+              <a:rPr lang="en-US" sz="1800" i="1" smtClean="0"/>
+              <a:t>semiconductor device</a:t>
+            </a:r>
+            <a:r>
+              <a:rPr lang="en-US" sz="1800" smtClean="0"/>
+              <a:t>. </a:t>
+            </a:r>
+            <a:r>
+              <a:rPr lang="en-US" sz="1800"/>
+              <a:t>In: </a:t>
+            </a:r>
+            <a:r>
+              <a:rPr lang="en-US" sz="1800" i="1"/>
+              <a:t>Physical Review </a:t>
+            </a:r>
+            <a:r>
+              <a:rPr lang="en-US" sz="1800" i="1" smtClean="0"/>
+              <a:t>B</a:t>
+            </a:r>
+          </a:p>
+          <a:p>
+            <a:pPr marL="342000" indent="0">
+              <a:buNone/>
+            </a:pPr>
+            <a:r>
+              <a:rPr lang="en-US" sz="1800" smtClean="0"/>
+              <a:t>36.3 </a:t>
+            </a:r>
+            <a:r>
+              <a:rPr lang="en-US" sz="1800"/>
+              <a:t>(1987), S. 1570</a:t>
+            </a:r>
+            <a:r>
+              <a:rPr lang="en-US" sz="1800" smtClean="0"/>
+              <a:t>.</a:t>
+            </a:r>
+            <a:endParaRPr lang="de-DE" sz="1800" smtClean="0"/>
+          </a:p>
+          <a:p>
+            <a:pPr>
+              <a:buNone/>
+            </a:pPr>
+            <a:r>
+              <a:rPr lang="de-DE" sz="1800"/>
+              <a:t>[2] Kreuzer, C</a:t>
+            </a:r>
+            <a:r>
+              <a:rPr lang="de-DE" sz="1800" smtClean="0"/>
+              <a:t>. </a:t>
+            </a:r>
+            <a:r>
+              <a:rPr lang="de-DE" sz="1800"/>
+              <a:t>Vorlesungsskript </a:t>
+            </a:r>
+            <a:r>
+              <a:rPr lang="de-DE" sz="1800" i="1" smtClean="0"/>
+              <a:t>Finite </a:t>
+            </a:r>
+            <a:r>
+              <a:rPr lang="de-DE" sz="1800" i="1"/>
+              <a:t>Elemente </a:t>
+            </a:r>
+            <a:r>
+              <a:rPr lang="de-DE" sz="1800" i="1" smtClean="0"/>
+              <a:t>Methoden</a:t>
+            </a:r>
+            <a:r>
+              <a:rPr lang="de-DE" sz="1800" smtClean="0"/>
+              <a:t>. </a:t>
+            </a:r>
+            <a:r>
+              <a:rPr lang="de-DE" sz="1800"/>
+              <a:t>TU Dortmund, 2019.</a:t>
+            </a:r>
+            <a:endParaRPr lang="de-DE" sz="1800" smtClean="0"/>
+          </a:p>
+          <a:p>
+            <a:pPr>
+              <a:buNone/>
+            </a:pPr>
+            <a:r>
+              <a:rPr lang="de-DE" sz="1800" smtClean="0"/>
+              <a:t>[3] Verfürth, R. Vorlesungsskript </a:t>
+            </a:r>
+            <a:r>
+              <a:rPr lang="de-DE" sz="1800" i="1" smtClean="0"/>
+              <a:t>Numerik II, Finite Elemente</a:t>
+            </a:r>
+            <a:r>
+              <a:rPr lang="de-DE" sz="1800" smtClean="0"/>
+              <a:t>. Ruhr-Universität Bochum, 2016. </a:t>
+            </a:r>
+          </a:p>
+          <a:p>
+            <a:pPr>
+              <a:buNone/>
+            </a:pPr>
+            <a:r>
+              <a:rPr lang="de-DE" sz="1800" smtClean="0"/>
+              <a:t>[4] </a:t>
+            </a:r>
+            <a:r>
+              <a:rPr lang="de-DE" sz="1800"/>
+              <a:t>Hesthaven, J. S., &amp; Warburton, T</a:t>
+            </a:r>
+            <a:r>
+              <a:rPr lang="de-DE" sz="1800" smtClean="0"/>
+              <a:t>. </a:t>
+            </a:r>
+            <a:r>
+              <a:rPr lang="de-DE" sz="1800" i="1"/>
+              <a:t>Nodal discontinuous Galerkin methods: algorithms, analysis, and applications</a:t>
+            </a:r>
+            <a:r>
+              <a:rPr lang="de-DE" sz="1800"/>
+              <a:t>. Springer Science &amp; Business </a:t>
+            </a:r>
+            <a:r>
+              <a:rPr lang="de-DE" sz="1800" smtClean="0"/>
+              <a:t>Media, 2007. </a:t>
+            </a:r>
+          </a:p>
+        </p:txBody>
+      </p:sp>
+      <p:sp>
+        <p:nvSpPr>
+          <p:cNvPr id="5" name="Foliennummernplatzhalter 4"/>
+          <p:cNvSpPr>
+            <a:spLocks noGrp="1"/>
+          </p:cNvSpPr>
+          <p:nvPr>
+            <p:ph type="sldNum" sz="quarter" idx="12"/>
+          </p:nvPr>
+        </p:nvSpPr>
+        <p:spPr/>
+        <p:txBody>
+          <a:bodyPr/>
+          <a:lstStyle/>
+          <a:p>
+            <a:fld id="{1A73E011-4CD9-4D05-A24A-32BCD9CDCEE7}" type="slidenum">
+              <a:rPr lang="de-DE" smtClean="0"/>
+              <a:pPr/>
+              <a:t>13</a:t>
+            </a:fld>
+            <a:endParaRPr lang="de-DE"/>
+          </a:p>
+        </p:txBody>
+      </p:sp>
+      <p:sp>
+        <p:nvSpPr>
+          <p:cNvPr id="7" name="Titel 1"/>
+          <p:cNvSpPr txBox="1">
+            <a:spLocks/>
+          </p:cNvSpPr>
+          <p:nvPr/>
+        </p:nvSpPr>
+        <p:spPr>
+          <a:xfrm>
+            <a:off x="467544" y="620688"/>
+            <a:ext cx="8229600" cy="1143000"/>
+          </a:xfrm>
+          <a:prstGeom prst="rect">
+            <a:avLst/>
+          </a:prstGeom>
+        </p:spPr>
+        <p:txBody>
+          <a:bodyPr/>
+          <a:lstStyle/>
+          <a:p>
+            <a:pPr marL="0" marR="0" lvl="0" indent="0" algn="ctr" defTabSz="914400" rtl="0" eaLnBrk="1" fontAlgn="auto" latinLnBrk="0" hangingPunct="1">
+              <a:lnSpc>
+                <a:spcPct val="100000"/>
+              </a:lnSpc>
+              <a:spcBef>
+                <a:spcPct val="0"/>
+              </a:spcBef>
+              <a:spcAft>
+                <a:spcPts val="0"/>
+              </a:spcAft>
+              <a:buClrTx/>
+              <a:buSzTx/>
+              <a:buFontTx/>
+              <a:buNone/>
+              <a:tabLst/>
+              <a:defRPr/>
+            </a:pPr>
+            <a:r>
+              <a:rPr kumimoji="0" lang="de-DE" sz="4400" b="0" i="0" u="none" strike="noStrike" kern="1200" cap="none" spc="0" normalizeH="0" baseline="0" noProof="0" smtClean="0">
+                <a:ln>
+                  <a:noFill/>
+                </a:ln>
+                <a:solidFill>
+                  <a:schemeClr val="tx1"/>
+                </a:solidFill>
+                <a:effectLst/>
+                <a:uLnTx/>
+                <a:uFillTx/>
+                <a:latin typeface="Adobe Arabic" pitchFamily="18" charset="-78"/>
+                <a:ea typeface="+mj-ea"/>
+                <a:cs typeface="Adobe Arabic" pitchFamily="18" charset="-78"/>
+              </a:rPr>
+              <a:t>Quellen</a:t>
+            </a:r>
+            <a:endParaRPr kumimoji="0" lang="de-DE" sz="4400" b="0" i="0" u="none" strike="noStrike" kern="1200" cap="none" spc="0" normalizeH="0" baseline="0" noProof="0">
+              <a:ln>
+                <a:noFill/>
+              </a:ln>
+              <a:solidFill>
+                <a:schemeClr val="tx1"/>
+              </a:solidFill>
+              <a:effectLst/>
+              <a:uLnTx/>
+              <a:uFillTx/>
+              <a:latin typeface="Adobe Arabic" pitchFamily="18" charset="-78"/>
+              <a:ea typeface="+mj-ea"/>
+              <a:cs typeface="Adobe Arabic" pitchFamily="18" charset="-78"/>
+            </a:endParaRPr>
+          </a:p>
+        </p:txBody>
+      </p:sp>
+      <p:sp>
+        <p:nvSpPr>
+          <p:cNvPr id="3" name="Fußzeilenplatzhalter 2"/>
+          <p:cNvSpPr>
+            <a:spLocks noGrp="1"/>
+          </p:cNvSpPr>
+          <p:nvPr>
+            <p:ph type="ftr" sz="quarter" idx="3"/>
+          </p:nvPr>
+        </p:nvSpPr>
+        <p:spPr/>
+        <p:txBody>
+          <a:bodyPr/>
+          <a:lstStyle/>
+          <a:p>
+            <a:r>
+              <a:rPr lang="de-DE" smtClean="0"/>
+              <a:t>1. Einleitung</a:t>
+            </a:r>
+            <a:endParaRPr lang="de-DE"/>
+          </a:p>
+        </p:txBody>
+      </p:sp>
+    </p:spTree>
+  </p:cSld>
+  <p:clrMapOvr>
+    <a:masterClrMapping/>
+  </p:clrMapOvr>
+  <p:timing>
+    <p:tnLst>
+      <p:par>
+        <p:cTn id="1" dur="indefinite" restart="never" nodeType="tmRoot"/>
+      </p:par>
+    </p:tnLst>
+  </p:timing>
+</p:sld>
+</file>
+
 <file path=ppt/slides/slide2.xml><?xml version="1.0" encoding="utf-8"?>
 <p:sld xmlns:a="http://schemas.openxmlformats.org/drawingml/2006/main" xmlns:r="http://schemas.openxmlformats.org/officeDocument/2006/relationships" xmlns:p="http://schemas.openxmlformats.org/presentationml/2006/main">
   <p:cSld>
@@ -3386,6 +4222,13 @@
   <p:clrMapOvr>
     <a:overrideClrMapping bg1="dk1" tx1="lt1" bg2="dk2" tx2="lt2" accent1="accent1" accent2="accent2" accent3="accent3" accent4="accent4" accent5="accent5" accent6="accent6" hlink="hlink" folHlink="folHlink"/>
   </p:clrMapOvr>
+  <p:timing>
+    <p:tnLst>
+      <p:par>
+        <p:cTn id="1" dur="indefinite" restart="never" nodeType="tmRoot"/>
+      </p:par>
+    </p:tnLst>
+  </p:timing>
 </p:sld>
 </file>
 
@@ -5228,6 +6071,51 @@
       </p:grpSpPr>
       <p:sp>
         <p:nvSpPr>
+          <p:cNvPr id="6" name="Abgerundetes Rechteck 5"/>
+          <p:cNvSpPr/>
+          <p:nvPr/>
+        </p:nvSpPr>
+        <p:spPr>
+          <a:xfrm>
+            <a:off x="3563888" y="3501008"/>
+            <a:ext cx="5400600" cy="3312368"/>
+          </a:xfrm>
+          <a:prstGeom prst="roundRect">
+            <a:avLst/>
+          </a:prstGeom>
+          <a:solidFill>
+            <a:srgbClr val="FFFFFF">
+              <a:alpha val="43922"/>
+            </a:srgbClr>
+          </a:solidFill>
+        </p:spPr>
+        <p:style>
+          <a:lnRef idx="2">
+            <a:schemeClr val="accent1">
+              <a:shade val="50000"/>
+            </a:schemeClr>
+          </a:lnRef>
+          <a:fillRef idx="1">
+            <a:schemeClr val="accent1"/>
+          </a:fillRef>
+          <a:effectRef idx="0">
+            <a:schemeClr val="accent1"/>
+          </a:effectRef>
+          <a:fontRef idx="minor">
+            <a:schemeClr val="lt1"/>
+          </a:fontRef>
+        </p:style>
+        <p:txBody>
+          <a:bodyPr rtlCol="0" anchor="ctr"/>
+          <a:lstStyle/>
+          <a:p>
+            <a:pPr algn="ctr"/>
+            <a:endParaRPr lang="de-DE"/>
+          </a:p>
+        </p:txBody>
+      </p:sp>
+      <p:sp>
+        <p:nvSpPr>
           <p:cNvPr id="2" name="Inhaltsplatzhalter 1"/>
           <p:cNvSpPr>
             <a:spLocks noGrp="1"/>
@@ -5236,12 +6124,65 @@
             <p:ph idx="1"/>
           </p:nvPr>
         </p:nvSpPr>
-        <p:spPr/>
+        <p:spPr>
+          <a:xfrm>
+            <a:off x="323528" y="659829"/>
+            <a:ext cx="8229600" cy="5145435"/>
+          </a:xfrm>
+        </p:spPr>
         <p:txBody>
-          <a:bodyPr/>
+          <a:bodyPr>
+            <a:normAutofit/>
+          </a:bodyPr>
           <a:lstStyle/>
           <a:p>
-            <a:endParaRPr lang="de-DE"/>
+            <a:r>
+              <a:rPr lang="de-DE" sz="2800" smtClean="0"/>
+              <a:t>Annahmen</a:t>
+            </a:r>
+          </a:p>
+          <a:p>
+            <a:pPr lvl="1"/>
+            <a:r>
+              <a:rPr lang="de-DE" sz="2400" smtClean="0"/>
+              <a:t>Teilchenerhaltung innerhalb der Struktur</a:t>
+            </a:r>
+          </a:p>
+          <a:p>
+            <a:pPr lvl="1"/>
+            <a:r>
+              <a:rPr lang="de-DE" sz="2400" smtClean="0"/>
+              <a:t>Kohärenter Grenzfall</a:t>
+            </a:r>
+          </a:p>
+          <a:p>
+            <a:pPr lvl="1"/>
+            <a:r>
+              <a:rPr lang="de-DE" sz="2400" smtClean="0"/>
+              <a:t>Reservoire wie schwarze Strahler</a:t>
+            </a:r>
+          </a:p>
+          <a:p>
+            <a:pPr lvl="1"/>
+            <a:r>
+              <a:rPr lang="de-DE" sz="2400" smtClean="0"/>
+              <a:t>Schichten unendlich ausgedehnt</a:t>
+            </a:r>
+          </a:p>
+          <a:p>
+            <a:pPr lvl="1"/>
+            <a:r>
+              <a:rPr lang="de-DE" sz="2400" smtClean="0"/>
+              <a:t>Kristallgitter durch effektive Masse beschrieben</a:t>
+            </a:r>
+          </a:p>
+          <a:p>
+            <a:pPr lvl="1"/>
+            <a:r>
+              <a:rPr lang="de-DE" sz="2400" smtClean="0"/>
+              <a:t>Mean-Field-Näherung</a:t>
+            </a:r>
+            <a:endParaRPr lang="de-DE" sz="2400"/>
           </a:p>
         </p:txBody>
       </p:sp>
@@ -5311,6 +6252,47 @@
           </a:p>
         </p:txBody>
       </p:sp>
+      <p:pic>
+        <p:nvPicPr>
+          <p:cNvPr id="2050" name="Picture 2" descr="C:\Users\jaeger\Documents\Repos\Masterarbeit\Abschlussvortrag\RTD_reservoire_300px.png"/>
+          <p:cNvPicPr>
+            <a:picLocks noChangeAspect="1" noChangeArrowheads="1"/>
+          </p:cNvPicPr>
+          <p:nvPr/>
+        </p:nvPicPr>
+        <p:blipFill>
+          <a:blip r:embed="rId3" cstate="print">
+            <a:extLst>
+              <a:ext uri="{28A0092B-C50C-407E-A947-70E740481C1C}">
+                <a14:useLocalDpi xmlns:a14="http://schemas.microsoft.com/office/drawing/2010/main" val="0"/>
+              </a:ext>
+            </a:extLst>
+          </a:blip>
+          <a:srcRect/>
+          <a:stretch>
+            <a:fillRect/>
+          </a:stretch>
+        </p:blipFill>
+        <p:spPr bwMode="auto">
+          <a:xfrm>
+            <a:off x="4283968" y="4012873"/>
+            <a:ext cx="4104456" cy="2288638"/>
+          </a:xfrm>
+          <a:prstGeom prst="rect">
+            <a:avLst/>
+          </a:prstGeom>
+          <a:noFill/>
+          <a:extLst>
+            <a:ext uri="{909E8E84-426E-40DD-AFC4-6F175D3DCCD1}">
+              <a14:hiddenFill xmlns:a14="http://schemas.microsoft.com/office/drawing/2010/main">
+                <a:solidFill>
+                  <a:srgbClr val="FFFFFF"/>
+                </a:solidFill>
+              </a14:hiddenFill>
+            </a:ext>
+          </a:extLst>
+        </p:spPr>
+      </p:pic>
     </p:spTree>
     <p:extLst>
       <p:ext uri="{BB962C8B-B14F-4D97-AF65-F5344CB8AC3E}">
@@ -5321,6 +6303,13 @@
   <p:clrMapOvr>
     <a:masterClrMapping/>
   </p:clrMapOvr>
+  <p:timing>
+    <p:tnLst>
+      <p:par>
+        <p:cTn id="1" dur="indefinite" restart="never" nodeType="tmRoot"/>
+      </p:par>
+    </p:tnLst>
+  </p:timing>
 </p:sld>
 </file>
 
@@ -5341,83 +6330,293 @@
           <a:chExt cx="0" cy="0"/>
         </a:xfrm>
       </p:grpSpPr>
-      <p:sp>
-        <p:nvSpPr>
-          <p:cNvPr id="2" name="Inhaltsplatzhalter 1"/>
-          <p:cNvSpPr>
-            <a:spLocks noGrp="1"/>
-          </p:cNvSpPr>
-          <p:nvPr>
-            <p:ph idx="1"/>
-          </p:nvPr>
-        </p:nvSpPr>
-        <p:spPr/>
-        <p:txBody>
-          <a:bodyPr/>
-          <a:lstStyle/>
-          <a:p>
-            <a:r>
-              <a:rPr lang="de-DE"/>
-              <a:t>Flexible Diskretisierung (</a:t>
-            </a:r>
-            <a:r>
-              <a:rPr lang="de-DE" sz="2000" i="1">
-                <a:latin typeface="Latin Modern Math" pitchFamily="50" charset="0"/>
-                <a:ea typeface="Latin Modern Math" pitchFamily="50" charset="0"/>
-              </a:rPr>
-              <a:t>hp</a:t>
-            </a:r>
-            <a:r>
-              <a:rPr lang="de-DE"/>
-              <a:t>-Adaptivität)</a:t>
-            </a:r>
-          </a:p>
-          <a:p>
-            <a:pPr lvl="1"/>
-            <a:r>
-              <a:rPr lang="de-DE"/>
-              <a:t>komplexe Geometrien möglich</a:t>
-            </a:r>
-          </a:p>
-          <a:p>
-            <a:pPr lvl="1"/>
-            <a:r>
-              <a:rPr lang="de-DE"/>
-              <a:t>vorteilhaft vor Allem im Mehrdimensionalen</a:t>
-            </a:r>
-          </a:p>
-          <a:p>
-            <a:r>
-              <a:rPr lang="de-DE"/>
-              <a:t>Lokale Erhaltungseigenschaft kann durch numerischen Fluss sichgergestellt werden</a:t>
-            </a:r>
-          </a:p>
-          <a:p>
-            <a:r>
-              <a:rPr lang="de-DE"/>
-              <a:t>Flexibilität durch Wahl des numerischen Flusses</a:t>
-            </a:r>
-          </a:p>
-          <a:p>
-            <a:r>
-              <a:rPr lang="de-DE"/>
-              <a:t>Zeitschritt-Verfahren gibt es quasi gratis</a:t>
-            </a:r>
-          </a:p>
-          <a:p>
-            <a:r>
-              <a:rPr lang="de-DE"/>
-              <a:t>Bislang keine Veröffentlichungen</a:t>
-            </a:r>
-          </a:p>
-          <a:p>
-            <a:endParaRPr lang="de-DE"/>
-          </a:p>
-          <a:p>
-            <a:endParaRPr lang="de-DE"/>
-          </a:p>
-        </p:txBody>
-      </p:sp>
+      <mc:AlternateContent xmlns:mc="http://schemas.openxmlformats.org/markup-compatibility/2006">
+        <mc:Choice xmlns:a14="http://schemas.microsoft.com/office/drawing/2010/main" Requires="a14">
+          <p:sp>
+            <p:nvSpPr>
+              <p:cNvPr id="2" name="Inhaltsplatzhalter 1"/>
+              <p:cNvSpPr>
+                <a:spLocks noGrp="1"/>
+              </p:cNvSpPr>
+              <p:nvPr>
+                <p:ph idx="1"/>
+              </p:nvPr>
+            </p:nvSpPr>
+            <p:spPr/>
+            <p:txBody>
+              <a:bodyPr/>
+              <a:lstStyle/>
+              <a:p>
+                <a:r>
+                  <a:rPr lang="de-DE" smtClean="0"/>
+                  <a:t>Reduzierte Dichtematrix   </a:t>
+                </a:r>
+                <a14:m>
+                  <m:oMath xmlns:m="http://schemas.openxmlformats.org/officeDocument/2006/math">
+                    <m:sSub>
+                      <m:sSubPr>
+                        <m:ctrlPr>
+                          <a:rPr lang="de-DE" sz="2400" i="1" smtClean="0">
+                            <a:latin typeface="Cambria Math"/>
+                            <a:ea typeface="Cambria Math"/>
+                          </a:rPr>
+                        </m:ctrlPr>
+                      </m:sSubPr>
+                      <m:e>
+                        <m:r>
+                          <a:rPr lang="de-DE" sz="2400" i="1">
+                            <a:latin typeface="Cambria Math"/>
+                            <a:ea typeface="Cambria Math"/>
+                          </a:rPr>
+                          <m:t>𝜌</m:t>
+                        </m:r>
+                      </m:e>
+                      <m:sub>
+                        <m:d>
+                          <m:dPr>
+                            <m:ctrlPr>
+                              <a:rPr lang="de-DE" sz="2400" i="1">
+                                <a:latin typeface="Cambria Math"/>
+                                <a:ea typeface="Cambria Math"/>
+                              </a:rPr>
+                            </m:ctrlPr>
+                          </m:dPr>
+                          <m:e>
+                            <m:r>
+                              <a:rPr lang="de-DE" sz="2400" i="1">
+                                <a:latin typeface="Cambria Math"/>
+                                <a:ea typeface="Cambria Math"/>
+                              </a:rPr>
+                              <m:t>1</m:t>
+                            </m:r>
+                          </m:e>
+                        </m:d>
+                      </m:sub>
+                    </m:sSub>
+                    <m:d>
+                      <m:dPr>
+                        <m:ctrlPr>
+                          <a:rPr lang="de-DE" sz="2400" b="0" i="1" smtClean="0">
+                            <a:latin typeface="Cambria Math"/>
+                            <a:ea typeface="Cambria Math"/>
+                          </a:rPr>
+                        </m:ctrlPr>
+                      </m:dPr>
+                      <m:e>
+                        <m:r>
+                          <a:rPr lang="de-DE" sz="2400" b="0" i="1" smtClean="0">
+                            <a:latin typeface="Cambria Math"/>
+                            <a:ea typeface="Cambria Math"/>
+                          </a:rPr>
+                          <m:t>𝑥</m:t>
+                        </m:r>
+                        <m:r>
+                          <a:rPr lang="de-DE" sz="2400" b="0" i="1" smtClean="0">
+                            <a:latin typeface="Cambria Math"/>
+                            <a:ea typeface="Cambria Math"/>
+                          </a:rPr>
+                          <m:t>,</m:t>
+                        </m:r>
+                        <m:r>
+                          <a:rPr lang="de-DE" sz="2400" b="0" i="1" smtClean="0">
+                            <a:latin typeface="Cambria Math"/>
+                            <a:ea typeface="Cambria Math"/>
+                          </a:rPr>
+                          <m:t>𝑦</m:t>
+                        </m:r>
+                        <m:r>
+                          <a:rPr lang="de-DE" sz="2400" b="0" i="1" smtClean="0">
+                            <a:latin typeface="Cambria Math"/>
+                            <a:ea typeface="Cambria Math"/>
+                          </a:rPr>
+                          <m:t>,</m:t>
+                        </m:r>
+                        <m:r>
+                          <a:rPr lang="de-DE" sz="2400" b="0" i="1" smtClean="0">
+                            <a:latin typeface="Cambria Math"/>
+                            <a:ea typeface="Cambria Math"/>
+                          </a:rPr>
+                          <m:t>𝑡</m:t>
+                        </m:r>
+                      </m:e>
+                    </m:d>
+                  </m:oMath>
+                </a14:m>
+                <a:endParaRPr lang="de-DE" sz="2400" b="0" smtClean="0">
+                  <a:ea typeface="Cambria Math"/>
+                </a:endParaRPr>
+              </a:p>
+              <a:p>
+                <a:r>
+                  <a:rPr lang="de-DE" smtClean="0"/>
+                  <a:t>Liouville-von-Neumann-Gleichung</a:t>
+                </a:r>
+              </a:p>
+              <a:p>
+                <a:endParaRPr lang="de-DE"/>
+              </a:p>
+              <a:p>
+                <a:endParaRPr lang="de-DE" smtClean="0"/>
+              </a:p>
+              <a:p>
+                <a:r>
+                  <a:rPr lang="de-DE"/>
+                  <a:t> </a:t>
+                </a:r>
+                <a:r>
+                  <a:rPr lang="de-DE" smtClean="0"/>
+                  <a:t>Offenes System 	</a:t>
+                </a:r>
+                <a14:m>
+                  <m:oMath xmlns:m="http://schemas.openxmlformats.org/officeDocument/2006/math">
+                    <m:r>
+                      <a:rPr lang="de-DE" sz="2800" i="1" smtClean="0">
+                        <a:latin typeface="Cambria Math"/>
+                        <a:ea typeface="Cambria Math"/>
+                      </a:rPr>
+                      <m:t>⇒</m:t>
+                    </m:r>
+                    <m:r>
+                      <a:rPr lang="de-DE" sz="2800" b="0" i="1" smtClean="0">
+                        <a:latin typeface="Cambria Math"/>
+                        <a:ea typeface="Cambria Math"/>
+                      </a:rPr>
+                      <m:t>      </m:t>
+                    </m:r>
+                    <m:r>
+                      <a:rPr lang="de-DE" sz="2800" i="1" smtClean="0">
+                        <a:latin typeface="Cambria Math"/>
+                        <a:ea typeface="Cambria Math"/>
+                      </a:rPr>
+                      <m:t>ℒ</m:t>
+                    </m:r>
+                  </m:oMath>
+                </a14:m>
+                <a:r>
+                  <a:rPr lang="de-DE" smtClean="0"/>
+                  <a:t> nicht hermitesch</a:t>
+                </a:r>
+                <a:br>
+                  <a:rPr lang="de-DE" smtClean="0"/>
+                </a:br>
+                <a:r>
+                  <a:rPr lang="de-DE" smtClean="0"/>
+                  <a:t>			</a:t>
+                </a:r>
+                <a14:m>
+                  <m:oMath xmlns:m="http://schemas.openxmlformats.org/officeDocument/2006/math">
+                    <m:r>
+                      <a:rPr lang="de-DE" sz="2800" i="1" smtClean="0">
+                        <a:latin typeface="Cambria Math"/>
+                        <a:ea typeface="Cambria Math"/>
+                      </a:rPr>
+                      <m:t>⇒</m:t>
+                    </m:r>
+                    <m:r>
+                      <a:rPr lang="de-DE" sz="2800" i="1">
+                        <a:latin typeface="Cambria Math"/>
+                        <a:ea typeface="Cambria Math"/>
+                      </a:rPr>
+                      <m:t>     </m:t>
+                    </m:r>
+                    <m:r>
+                      <a:rPr lang="de-DE" sz="2800" b="0" i="1" smtClean="0">
+                        <a:latin typeface="Cambria Math"/>
+                        <a:ea typeface="Cambria Math"/>
+                      </a:rPr>
+                      <m:t> </m:t>
+                    </m:r>
+                    <m:r>
+                      <a:rPr lang="de-DE" sz="2800" i="1" smtClean="0">
+                        <a:latin typeface="Cambria Math"/>
+                        <a:ea typeface="Cambria Math"/>
+                      </a:rPr>
+                      <m:t>∃</m:t>
+                    </m:r>
+                  </m:oMath>
+                </a14:m>
+                <a:r>
+                  <a:rPr lang="de-DE"/>
+                  <a:t> </a:t>
+                </a:r>
+                <a:r>
+                  <a:rPr lang="de-DE" smtClean="0"/>
+                  <a:t>mind. ein komplexer EW</a:t>
+                </a:r>
+              </a:p>
+              <a:p>
+                <a:r>
+                  <a:rPr lang="de-DE" smtClean="0"/>
+                  <a:t>Zeitreversible RB 	</a:t>
+                </a:r>
+                <a14:m>
+                  <m:oMath xmlns:m="http://schemas.openxmlformats.org/officeDocument/2006/math">
+                    <m:r>
+                      <a:rPr lang="de-DE" sz="2800" i="1" smtClean="0">
+                        <a:latin typeface="Cambria Math"/>
+                        <a:ea typeface="Cambria Math"/>
+                      </a:rPr>
+                      <m:t>⇒</m:t>
+                    </m:r>
+                  </m:oMath>
+                </a14:m>
+                <a:r>
+                  <a:rPr lang="de-DE" smtClean="0"/>
+                  <a:t>	symmetrische Ewe</a:t>
+                </a:r>
+              </a:p>
+              <a:p>
+                <a:r>
+                  <a:rPr lang="de-DE" smtClean="0"/>
+                  <a:t>Lösung : zeitirreversible </a:t>
+                </a:r>
+                <a:r>
+                  <a:rPr lang="de-DE" i="1" smtClean="0"/>
+                  <a:t>Inflow-</a:t>
+                </a:r>
+                <a:r>
+                  <a:rPr lang="de-DE" smtClean="0"/>
+                  <a:t>Randbedingungen</a:t>
+                </a:r>
+                <a:endParaRPr lang="de-DE" i="1"/>
+              </a:p>
+            </p:txBody>
+          </p:sp>
+        </mc:Choice>
+        <mc:Fallback>
+          <p:sp>
+            <p:nvSpPr>
+              <p:cNvPr id="2" name="Inhaltsplatzhalter 1"/>
+              <p:cNvSpPr>
+                <a:spLocks noGrp="1" noRot="1" noChangeAspect="1" noMove="1" noResize="1" noEditPoints="1" noAdjustHandles="1" noChangeArrowheads="1" noChangeShapeType="1" noTextEdit="1"/>
+              </p:cNvSpPr>
+              <p:nvPr>
+                <p:ph idx="1"/>
+              </p:nvPr>
+            </p:nvSpPr>
+            <p:spPr>
+              <a:blipFill rotWithShape="1">
+                <a:blip r:embed="rId2"/>
+                <a:stretch>
+                  <a:fillRect l="-1630" t="-2014"/>
+                </a:stretch>
+              </a:blipFill>
+            </p:spPr>
+            <p:txBody>
+              <a:bodyPr/>
+              <a:lstStyle/>
+              <a:p>
+                <a:r>
+                  <a:rPr lang="de-DE">
+                    <a:noFill/>
+                  </a:rPr>
+                  <a:t> </a:t>
+                </a:r>
+              </a:p>
+            </p:txBody>
+          </p:sp>
+        </mc:Fallback>
+      </mc:AlternateContent>
       <p:sp>
         <p:nvSpPr>
           <p:cNvPr id="3" name="Foliennummernplatzhalter 2"/>
@@ -5452,12 +6651,23 @@
             <p:ph type="body" sz="quarter" idx="13"/>
           </p:nvPr>
         </p:nvSpPr>
-        <p:spPr/>
+        <p:spPr>
+          <a:xfrm>
+            <a:off x="7200032" y="5085184"/>
+            <a:ext cx="1944687" cy="358775"/>
+          </a:xfrm>
+        </p:spPr>
         <p:txBody>
-          <a:bodyPr/>
+          <a:bodyPr>
+            <a:noAutofit/>
+          </a:bodyPr>
           <a:lstStyle/>
           <a:p>
-            <a:endParaRPr lang="de-DE"/>
+            <a:r>
+              <a:rPr lang="de-DE" sz="2000" smtClean="0"/>
+              <a:t>[Fren87]</a:t>
+            </a:r>
+            <a:endParaRPr lang="de-DE" sz="2000"/>
           </a:p>
         </p:txBody>
       </p:sp>
@@ -5484,16 +6694,525 @@
           </a:p>
         </p:txBody>
       </p:sp>
+      <mc:AlternateContent xmlns:mc="http://schemas.openxmlformats.org/markup-compatibility/2006">
+        <mc:Choice xmlns:a14="http://schemas.microsoft.com/office/drawing/2010/main" Requires="a14">
+          <p:sp>
+            <p:nvSpPr>
+              <p:cNvPr id="6" name="Textfeld 5"/>
+              <p:cNvSpPr txBox="1"/>
+              <p:nvPr/>
+            </p:nvSpPr>
+            <p:spPr>
+              <a:xfrm>
+                <a:off x="1043608" y="2204864"/>
+                <a:ext cx="6984776" cy="1037400"/>
+              </a:xfrm>
+              <a:prstGeom prst="rect">
+                <a:avLst/>
+              </a:prstGeom>
+              <a:noFill/>
+              <a:ln>
+                <a:solidFill>
+                  <a:schemeClr val="tx1"/>
+                </a:solidFill>
+              </a:ln>
+            </p:spPr>
+            <p:txBody>
+              <a:bodyPr wrap="square" rtlCol="0">
+                <a:spAutoFit/>
+              </a:bodyPr>
+              <a:lstStyle/>
+              <a:p>
+                <a14:m>
+                  <m:oMathPara xmlns:m="http://schemas.openxmlformats.org/officeDocument/2006/math">
+                    <m:oMathParaPr>
+                      <m:jc m:val="centerGroup"/>
+                    </m:oMathParaPr>
+                    <m:oMath xmlns:m="http://schemas.openxmlformats.org/officeDocument/2006/math">
+                      <m:sSub>
+                        <m:sSubPr>
+                          <m:ctrlPr>
+                            <a:rPr lang="de-DE" sz="2400" i="1" smtClean="0">
+                              <a:latin typeface="Cambria Math"/>
+                              <a:ea typeface="Cambria Math"/>
+                            </a:rPr>
+                          </m:ctrlPr>
+                        </m:sSubPr>
+                        <m:e>
+                          <m:r>
+                            <a:rPr lang="de-DE" sz="2400" i="1" smtClean="0">
+                              <a:latin typeface="Cambria Math"/>
+                              <a:ea typeface="Cambria Math"/>
+                            </a:rPr>
+                            <m:t>𝜕</m:t>
+                          </m:r>
+                        </m:e>
+                        <m:sub>
+                          <m:r>
+                            <a:rPr lang="de-DE" sz="2400" b="0" i="1" smtClean="0">
+                              <a:latin typeface="Cambria Math"/>
+                              <a:ea typeface="Cambria Math"/>
+                            </a:rPr>
+                            <m:t>𝑡</m:t>
+                          </m:r>
+                        </m:sub>
+                      </m:sSub>
+                      <m:r>
+                        <a:rPr lang="de-DE" sz="2400" b="0" i="1" smtClean="0">
+                          <a:latin typeface="Cambria Math"/>
+                          <a:ea typeface="Cambria Math"/>
+                        </a:rPr>
+                        <m:t> </m:t>
+                      </m:r>
+                      <m:r>
+                        <a:rPr lang="de-DE" sz="2400" i="1">
+                          <a:latin typeface="Cambria Math"/>
+                          <a:ea typeface="Cambria Math"/>
+                        </a:rPr>
+                        <m:t>𝜌</m:t>
+                      </m:r>
+                      <m:d>
+                        <m:dPr>
+                          <m:ctrlPr>
+                            <a:rPr lang="de-DE" sz="2400" i="1">
+                              <a:latin typeface="Cambria Math"/>
+                              <a:ea typeface="Cambria Math"/>
+                            </a:rPr>
+                          </m:ctrlPr>
+                        </m:dPr>
+                        <m:e>
+                          <m:r>
+                            <a:rPr lang="de-DE" sz="2400" i="1">
+                              <a:latin typeface="Cambria Math"/>
+                              <a:ea typeface="Cambria Math"/>
+                            </a:rPr>
+                            <m:t>𝑥</m:t>
+                          </m:r>
+                          <m:r>
+                            <a:rPr lang="de-DE" sz="2400" i="1">
+                              <a:latin typeface="Cambria Math"/>
+                              <a:ea typeface="Cambria Math"/>
+                            </a:rPr>
+                            <m:t>,</m:t>
+                          </m:r>
+                          <m:r>
+                            <a:rPr lang="de-DE" sz="2400" i="1">
+                              <a:latin typeface="Cambria Math"/>
+                              <a:ea typeface="Cambria Math"/>
+                            </a:rPr>
+                            <m:t>𝑦</m:t>
+                          </m:r>
+                          <m:r>
+                            <a:rPr lang="de-DE" sz="2400" i="1">
+                              <a:latin typeface="Cambria Math"/>
+                              <a:ea typeface="Cambria Math"/>
+                            </a:rPr>
+                            <m:t>,</m:t>
+                          </m:r>
+                          <m:r>
+                            <a:rPr lang="de-DE" sz="2400" i="1">
+                              <a:latin typeface="Cambria Math"/>
+                              <a:ea typeface="Cambria Math"/>
+                            </a:rPr>
+                            <m:t>𝑡</m:t>
+                          </m:r>
+                        </m:e>
+                      </m:d>
+                      <m:r>
+                        <a:rPr lang="de-DE" sz="2400" b="0" i="1" smtClean="0">
+                          <a:latin typeface="Cambria Math"/>
+                          <a:ea typeface="Cambria Math"/>
+                        </a:rPr>
+                        <m:t>=</m:t>
+                      </m:r>
+                      <m:f>
+                        <m:fPr>
+                          <m:ctrlPr>
+                            <a:rPr lang="de-DE" sz="2400" b="0" i="1" smtClean="0">
+                              <a:latin typeface="Cambria Math"/>
+                              <a:ea typeface="Cambria Math"/>
+                            </a:rPr>
+                          </m:ctrlPr>
+                        </m:fPr>
+                        <m:num>
+                          <m:r>
+                            <a:rPr lang="de-DE" sz="2400" b="0" i="1" smtClean="0">
+                              <a:latin typeface="Cambria Math"/>
+                              <a:ea typeface="Cambria Math"/>
+                            </a:rPr>
+                            <m:t>1</m:t>
+                          </m:r>
+                        </m:num>
+                        <m:den>
+                          <m:r>
+                            <a:rPr lang="de-DE" sz="2400" b="0" i="1" smtClean="0">
+                              <a:latin typeface="Cambria Math"/>
+                              <a:ea typeface="Cambria Math"/>
+                            </a:rPr>
+                            <m:t>𝑖</m:t>
+                          </m:r>
+                        </m:den>
+                      </m:f>
+                      <m:limLow>
+                        <m:limLowPr>
+                          <m:ctrlPr>
+                            <a:rPr lang="de-DE" sz="2400" b="0" i="1" smtClean="0">
+                              <a:latin typeface="Cambria Math"/>
+                              <a:ea typeface="Cambria Math"/>
+                            </a:rPr>
+                          </m:ctrlPr>
+                        </m:limLowPr>
+                        <m:e>
+                          <m:groupChr>
+                            <m:groupChrPr>
+                              <m:chr m:val="⏟"/>
+                              <m:ctrlPr>
+                                <a:rPr lang="de-DE" sz="2400" b="0" i="1" smtClean="0">
+                                  <a:latin typeface="Cambria Math"/>
+                                  <a:ea typeface="Cambria Math"/>
+                                </a:rPr>
+                              </m:ctrlPr>
+                            </m:groupChrPr>
+                            <m:e>
+                              <m:sSub>
+                                <m:sSubPr>
+                                  <m:ctrlPr>
+                                    <a:rPr lang="de-DE" sz="2400" i="1">
+                                      <a:latin typeface="Cambria Math"/>
+                                      <a:ea typeface="Cambria Math"/>
+                                    </a:rPr>
+                                  </m:ctrlPr>
+                                </m:sSubPr>
+                                <m:e>
+                                  <m:r>
+                                    <a:rPr lang="de-DE" sz="2400" i="1">
+                                      <a:latin typeface="Cambria Math"/>
+                                      <a:ea typeface="Cambria Math"/>
+                                    </a:rPr>
+                                    <m:t>(−</m:t>
+                                  </m:r>
+                                  <m:r>
+                                    <a:rPr lang="de-DE" sz="2400" i="1">
+                                      <a:latin typeface="Cambria Math"/>
+                                      <a:ea typeface="Cambria Math"/>
+                                    </a:rPr>
+                                    <m:t>𝜕</m:t>
+                                  </m:r>
+                                </m:e>
+                                <m:sub>
+                                  <m:r>
+                                    <a:rPr lang="de-DE" sz="2400" i="1">
+                                      <a:latin typeface="Cambria Math"/>
+                                      <a:ea typeface="Cambria Math"/>
+                                    </a:rPr>
+                                    <m:t>𝑥</m:t>
+                                  </m:r>
+                                </m:sub>
+                              </m:sSub>
+                              <m:r>
+                                <m:rPr>
+                                  <m:nor/>
+                                </m:rPr>
+                                <a:rPr lang="de-DE" sz="2400">
+                                  <a:ea typeface="Cambria Math"/>
+                                </a:rPr>
+                                <m:t> </m:t>
+                              </m:r>
+                              <m:sSub>
+                                <m:sSubPr>
+                                  <m:ctrlPr>
+                                    <a:rPr lang="de-DE" sz="2400" i="1">
+                                      <a:latin typeface="Cambria Math"/>
+                                      <a:ea typeface="Cambria Math"/>
+                                    </a:rPr>
+                                  </m:ctrlPr>
+                                </m:sSubPr>
+                                <m:e>
+                                  <m:r>
+                                    <a:rPr lang="de-DE" sz="2400" i="1">
+                                      <a:latin typeface="Cambria Math"/>
+                                      <a:ea typeface="Cambria Math"/>
+                                    </a:rPr>
+                                    <m:t>𝜕</m:t>
+                                  </m:r>
+                                </m:e>
+                                <m:sub>
+                                  <m:r>
+                                    <a:rPr lang="de-DE" sz="2400" i="1">
+                                      <a:latin typeface="Cambria Math"/>
+                                      <a:ea typeface="Cambria Math"/>
+                                    </a:rPr>
+                                    <m:t>𝑦</m:t>
+                                  </m:r>
+                                </m:sub>
+                              </m:sSub>
+                              <m:r>
+                                <a:rPr lang="de-DE" sz="2400">
+                                  <a:latin typeface="Cambria Math"/>
+                                  <a:ea typeface="Cambria Math"/>
+                                </a:rPr>
+                                <m:t>+</m:t>
+                              </m:r>
+                              <m:r>
+                                <m:rPr>
+                                  <m:sty m:val="p"/>
+                                </m:rPr>
+                                <a:rPr lang="de-DE" sz="2400">
+                                  <a:latin typeface="Cambria Math"/>
+                                  <a:ea typeface="Cambria Math"/>
+                                </a:rPr>
+                                <m:t>B</m:t>
+                              </m:r>
+                              <m:r>
+                                <a:rPr lang="de-DE" sz="2400">
+                                  <a:latin typeface="Cambria Math"/>
+                                  <a:ea typeface="Cambria Math"/>
+                                </a:rPr>
+                                <m:t>(</m:t>
+                              </m:r>
+                              <m:r>
+                                <m:rPr>
+                                  <m:sty m:val="p"/>
+                                </m:rPr>
+                                <a:rPr lang="de-DE" sz="2400">
+                                  <a:latin typeface="Cambria Math"/>
+                                  <a:ea typeface="Cambria Math"/>
+                                </a:rPr>
+                                <m:t>x</m:t>
+                              </m:r>
+                              <m:r>
+                                <a:rPr lang="de-DE" sz="2400">
+                                  <a:latin typeface="Cambria Math"/>
+                                  <a:ea typeface="Cambria Math"/>
+                                </a:rPr>
+                                <m:t>,</m:t>
+                              </m:r>
+                              <m:r>
+                                <m:rPr>
+                                  <m:sty m:val="p"/>
+                                </m:rPr>
+                                <a:rPr lang="de-DE" sz="2400">
+                                  <a:latin typeface="Cambria Math"/>
+                                  <a:ea typeface="Cambria Math"/>
+                                </a:rPr>
+                                <m:t>y</m:t>
+                              </m:r>
+                              <m:r>
+                                <a:rPr lang="de-DE" sz="2400">
+                                  <a:latin typeface="Cambria Math"/>
+                                  <a:ea typeface="Cambria Math"/>
+                                </a:rPr>
+                                <m:t>,</m:t>
+                              </m:r>
+                              <m:r>
+                                <m:rPr>
+                                  <m:sty m:val="p"/>
+                                </m:rPr>
+                                <a:rPr lang="de-DE" sz="2400">
+                                  <a:latin typeface="Cambria Math"/>
+                                  <a:ea typeface="Cambria Math"/>
+                                </a:rPr>
+                                <m:t>t</m:t>
+                              </m:r>
+                              <m:r>
+                                <a:rPr lang="de-DE" sz="2400">
+                                  <a:latin typeface="Cambria Math"/>
+                                  <a:ea typeface="Cambria Math"/>
+                                </a:rPr>
+                                <m:t>)</m:t>
+                              </m:r>
+                              <m:r>
+                                <m:rPr>
+                                  <m:nor/>
+                                </m:rPr>
+                                <a:rPr lang="de-DE" sz="2400"/>
+                                <m:t>)</m:t>
+                              </m:r>
+                            </m:e>
+                          </m:groupChr>
+                        </m:e>
+                        <m:lim>
+                          <m:r>
+                            <a:rPr lang="de-DE" sz="2400" b="0" i="1" smtClean="0">
+                              <a:latin typeface="Cambria Math"/>
+                              <a:ea typeface="Cambria Math"/>
+                            </a:rPr>
+                            <m:t>ℒ</m:t>
+                          </m:r>
+                          <m:r>
+                            <a:rPr lang="de-DE" sz="2400" b="0" i="1" smtClean="0">
+                              <a:latin typeface="Cambria Math"/>
+                              <a:ea typeface="Cambria Math"/>
+                            </a:rPr>
+                            <m:t>(</m:t>
+                          </m:r>
+                          <m:r>
+                            <a:rPr lang="de-DE" sz="2400" b="0" i="1" smtClean="0">
+                              <a:latin typeface="Cambria Math"/>
+                              <a:ea typeface="Cambria Math"/>
+                            </a:rPr>
+                            <m:t>𝑥</m:t>
+                          </m:r>
+                          <m:r>
+                            <a:rPr lang="de-DE" sz="2400" b="0" i="1" smtClean="0">
+                              <a:latin typeface="Cambria Math"/>
+                              <a:ea typeface="Cambria Math"/>
+                            </a:rPr>
+                            <m:t>,</m:t>
+                          </m:r>
+                          <m:r>
+                            <a:rPr lang="de-DE" sz="2400" b="0" i="1" smtClean="0">
+                              <a:latin typeface="Cambria Math"/>
+                              <a:ea typeface="Cambria Math"/>
+                            </a:rPr>
+                            <m:t>𝑦</m:t>
+                          </m:r>
+                          <m:r>
+                            <a:rPr lang="de-DE" sz="2400" b="0" i="1" smtClean="0">
+                              <a:latin typeface="Cambria Math"/>
+                              <a:ea typeface="Cambria Math"/>
+                            </a:rPr>
+                            <m:t>,</m:t>
+                          </m:r>
+                          <m:r>
+                            <a:rPr lang="de-DE" sz="2400" b="0" i="1" smtClean="0">
+                              <a:latin typeface="Cambria Math"/>
+                              <a:ea typeface="Cambria Math"/>
+                            </a:rPr>
+                            <m:t>𝑡</m:t>
+                          </m:r>
+                          <m:r>
+                            <a:rPr lang="de-DE" sz="2400" b="0" i="1" smtClean="0">
+                              <a:latin typeface="Cambria Math"/>
+                              <a:ea typeface="Cambria Math"/>
+                            </a:rPr>
+                            <m:t>)</m:t>
+                          </m:r>
+                        </m:lim>
+                      </m:limLow>
+                      <m:r>
+                        <a:rPr lang="de-DE" sz="2400" i="1">
+                          <a:latin typeface="Cambria Math"/>
+                          <a:ea typeface="Cambria Math"/>
+                        </a:rPr>
+                        <m:t>𝜌</m:t>
+                      </m:r>
+                      <m:d>
+                        <m:dPr>
+                          <m:ctrlPr>
+                            <a:rPr lang="de-DE" sz="2400" i="1">
+                              <a:latin typeface="Cambria Math"/>
+                              <a:ea typeface="Cambria Math"/>
+                            </a:rPr>
+                          </m:ctrlPr>
+                        </m:dPr>
+                        <m:e>
+                          <m:r>
+                            <a:rPr lang="de-DE" sz="2400" i="1">
+                              <a:latin typeface="Cambria Math"/>
+                              <a:ea typeface="Cambria Math"/>
+                            </a:rPr>
+                            <m:t>𝑥</m:t>
+                          </m:r>
+                          <m:r>
+                            <a:rPr lang="de-DE" sz="2400" i="1">
+                              <a:latin typeface="Cambria Math"/>
+                              <a:ea typeface="Cambria Math"/>
+                            </a:rPr>
+                            <m:t>,</m:t>
+                          </m:r>
+                          <m:r>
+                            <a:rPr lang="de-DE" sz="2400" i="1">
+                              <a:latin typeface="Cambria Math"/>
+                              <a:ea typeface="Cambria Math"/>
+                            </a:rPr>
+                            <m:t>𝑦</m:t>
+                          </m:r>
+                          <m:r>
+                            <a:rPr lang="de-DE" sz="2400" i="1">
+                              <a:latin typeface="Cambria Math"/>
+                              <a:ea typeface="Cambria Math"/>
+                            </a:rPr>
+                            <m:t>,</m:t>
+                          </m:r>
+                          <m:r>
+                            <a:rPr lang="de-DE" sz="2400" i="1">
+                              <a:latin typeface="Cambria Math"/>
+                              <a:ea typeface="Cambria Math"/>
+                            </a:rPr>
+                            <m:t>𝑡</m:t>
+                          </m:r>
+                        </m:e>
+                      </m:d>
+                    </m:oMath>
+                  </m:oMathPara>
+                </a14:m>
+                <a:endParaRPr lang="de-DE" sz="2400"/>
+              </a:p>
+            </p:txBody>
+          </p:sp>
+        </mc:Choice>
+        <mc:Fallback>
+          <p:sp>
+            <p:nvSpPr>
+              <p:cNvPr id="6" name="Textfeld 5"/>
+              <p:cNvSpPr txBox="1">
+                <a:spLocks noRot="1" noChangeAspect="1" noMove="1" noResize="1" noEditPoints="1" noAdjustHandles="1" noChangeArrowheads="1" noChangeShapeType="1" noTextEdit="1"/>
+              </p:cNvSpPr>
+              <p:nvPr/>
+            </p:nvSpPr>
+            <p:spPr>
+              <a:xfrm>
+                <a:off x="1043608" y="2204864"/>
+                <a:ext cx="6984776" cy="1037400"/>
+              </a:xfrm>
+              <a:prstGeom prst="rect">
+                <a:avLst/>
+              </a:prstGeom>
+              <a:blipFill rotWithShape="1">
+                <a:blip r:embed="rId3"/>
+                <a:stretch>
+                  <a:fillRect/>
+                </a:stretch>
+              </a:blipFill>
+              <a:ln>
+                <a:solidFill>
+                  <a:schemeClr val="tx1"/>
+                </a:solidFill>
+              </a:ln>
+            </p:spPr>
+            <p:txBody>
+              <a:bodyPr/>
+              <a:lstStyle/>
+              <a:p>
+                <a:r>
+                  <a:rPr lang="de-DE">
+                    <a:noFill/>
+                  </a:rPr>
+                  <a:t> </a:t>
+                </a:r>
+              </a:p>
+            </p:txBody>
+          </p:sp>
+        </mc:Fallback>
+      </mc:AlternateContent>
     </p:spTree>
     <p:extLst>
       <p:ext uri="{BB962C8B-B14F-4D97-AF65-F5344CB8AC3E}">
-        <p14:creationId xmlns:p14="http://schemas.microsoft.com/office/powerpoint/2010/main" val="2482665905"/>
+        <p14:creationId xmlns:p14="http://schemas.microsoft.com/office/powerpoint/2010/main" val="3584043120"/>
       </p:ext>
     </p:extLst>
   </p:cSld>
   <p:clrMapOvr>
     <a:masterClrMapping/>
   </p:clrMapOvr>
+  <p:timing>
+    <p:tnLst>
+      <p:par>
+        <p:cTn id="1" dur="indefinite" restart="never" nodeType="tmRoot"/>
+      </p:par>
+    </p:tnLst>
+  </p:timing>
 </p:sld>
 </file>
 
@@ -5529,6 +7248,86 @@
           <a:bodyPr/>
           <a:lstStyle/>
           <a:p>
+            <a:pPr marL="0" indent="0">
+              <a:buNone/>
+            </a:pPr>
+            <a:r>
+              <a:rPr lang="de-DE" smtClean="0">
+                <a:solidFill>
+                  <a:schemeClr val="tx2"/>
+                </a:solidFill>
+              </a:rPr>
+              <a:t>Motivation für DG</a:t>
+            </a:r>
+          </a:p>
+          <a:p>
+            <a:r>
+              <a:rPr lang="de-DE" smtClean="0"/>
+              <a:t>Flexible </a:t>
+            </a:r>
+            <a:r>
+              <a:rPr lang="de-DE"/>
+              <a:t>Diskretisierung (</a:t>
+            </a:r>
+            <a:r>
+              <a:rPr lang="de-DE" sz="2000" i="1">
+                <a:latin typeface="Latin Modern Math" pitchFamily="50" charset="0"/>
+                <a:ea typeface="Latin Modern Math" pitchFamily="50" charset="0"/>
+              </a:rPr>
+              <a:t>hp</a:t>
+            </a:r>
+            <a:r>
+              <a:rPr lang="de-DE"/>
+              <a:t>-Adaptivität)</a:t>
+            </a:r>
+          </a:p>
+          <a:p>
+            <a:pPr lvl="1"/>
+            <a:r>
+              <a:rPr lang="de-DE"/>
+              <a:t>komplexe Geometrien möglich</a:t>
+            </a:r>
+          </a:p>
+          <a:p>
+            <a:pPr lvl="1"/>
+            <a:r>
+              <a:rPr lang="de-DE"/>
+              <a:t>vorteilhaft vor Allem im Mehrdimensionalen</a:t>
+            </a:r>
+          </a:p>
+          <a:p>
+            <a:r>
+              <a:rPr lang="de-DE"/>
+              <a:t>Lokale Erhaltungseigenschaft kann durch numerischen Fluss sichgergestellt werden</a:t>
+            </a:r>
+          </a:p>
+          <a:p>
+            <a:r>
+              <a:rPr lang="de-DE"/>
+              <a:t>Flexibilität durch Wahl des numerischen Flusses</a:t>
+            </a:r>
+          </a:p>
+          <a:p>
+            <a:r>
+              <a:rPr lang="de-DE"/>
+              <a:t>Zeitschritt-Verfahren </a:t>
+            </a:r>
+            <a:r>
+              <a:rPr lang="de-DE" smtClean="0"/>
+              <a:t>gratis dabei</a:t>
+            </a:r>
+            <a:endParaRPr lang="de-DE"/>
+          </a:p>
+          <a:p>
+            <a:r>
+              <a:rPr lang="de-DE"/>
+              <a:t>Bislang keine Veröffentlichungen</a:t>
+            </a:r>
+          </a:p>
+          <a:p>
+            <a:endParaRPr lang="de-DE"/>
+          </a:p>
+          <a:p>
             <a:endParaRPr lang="de-DE"/>
           </a:p>
         </p:txBody>
@@ -5602,6 +7401,128 @@
     </p:spTree>
     <p:extLst>
       <p:ext uri="{BB962C8B-B14F-4D97-AF65-F5344CB8AC3E}">
+        <p14:creationId xmlns:p14="http://schemas.microsoft.com/office/powerpoint/2010/main" val="2482665905"/>
+      </p:ext>
+    </p:extLst>
+  </p:cSld>
+  <p:clrMapOvr>
+    <a:masterClrMapping/>
+  </p:clrMapOvr>
+  <p:timing>
+    <p:tnLst>
+      <p:par>
+        <p:cTn id="1" dur="indefinite" restart="never" nodeType="tmRoot"/>
+      </p:par>
+    </p:tnLst>
+  </p:timing>
+</p:sld>
+</file>
+
+<file path=ppt/slides/slide7.xml><?xml version="1.0" encoding="utf-8"?>
+<p:sld xmlns:a="http://schemas.openxmlformats.org/drawingml/2006/main" xmlns:r="http://schemas.openxmlformats.org/officeDocument/2006/relationships" xmlns:p="http://schemas.openxmlformats.org/presentationml/2006/main">
+  <p:cSld>
+    <p:spTree>
+      <p:nvGrpSpPr>
+        <p:cNvPr id="1" name=""/>
+        <p:cNvGrpSpPr/>
+        <p:nvPr/>
+      </p:nvGrpSpPr>
+      <p:grpSpPr>
+        <a:xfrm>
+          <a:off x="0" y="0"/>
+          <a:ext cx="0" cy="0"/>
+          <a:chOff x="0" y="0"/>
+          <a:chExt cx="0" cy="0"/>
+        </a:xfrm>
+      </p:grpSpPr>
+      <p:sp>
+        <p:nvSpPr>
+          <p:cNvPr id="2" name="Inhaltsplatzhalter 1"/>
+          <p:cNvSpPr>
+            <a:spLocks noGrp="1"/>
+          </p:cNvSpPr>
+          <p:nvPr>
+            <p:ph idx="1"/>
+          </p:nvPr>
+        </p:nvSpPr>
+        <p:spPr/>
+        <p:txBody>
+          <a:bodyPr/>
+          <a:lstStyle/>
+          <a:p>
+            <a:endParaRPr lang="de-DE"/>
+          </a:p>
+        </p:txBody>
+      </p:sp>
+      <p:sp>
+        <p:nvSpPr>
+          <p:cNvPr id="3" name="Foliennummernplatzhalter 2"/>
+          <p:cNvSpPr>
+            <a:spLocks noGrp="1"/>
+          </p:cNvSpPr>
+          <p:nvPr>
+            <p:ph type="sldNum" sz="quarter" idx="12"/>
+          </p:nvPr>
+        </p:nvSpPr>
+        <p:spPr/>
+        <p:txBody>
+          <a:bodyPr/>
+          <a:lstStyle/>
+          <a:p>
+            <a:fld id="{1A73E011-4CD9-4D05-A24A-32BCD9CDCEE7}" type="slidenum">
+              <a:rPr lang="de-DE" smtClean="0"/>
+              <a:pPr/>
+              <a:t>7</a:t>
+            </a:fld>
+            <a:endParaRPr lang="de-DE"/>
+          </a:p>
+        </p:txBody>
+      </p:sp>
+      <p:sp>
+        <p:nvSpPr>
+          <p:cNvPr id="4" name="Textplatzhalter 3"/>
+          <p:cNvSpPr>
+            <a:spLocks noGrp="1"/>
+          </p:cNvSpPr>
+          <p:nvPr>
+            <p:ph type="body" sz="quarter" idx="13"/>
+          </p:nvPr>
+        </p:nvSpPr>
+        <p:spPr/>
+        <p:txBody>
+          <a:bodyPr/>
+          <a:lstStyle/>
+          <a:p>
+            <a:endParaRPr lang="de-DE"/>
+          </a:p>
+        </p:txBody>
+      </p:sp>
+      <p:sp>
+        <p:nvSpPr>
+          <p:cNvPr id="5" name="Fußzeilenplatzhalter 4"/>
+          <p:cNvSpPr>
+            <a:spLocks noGrp="1"/>
+          </p:cNvSpPr>
+          <p:nvPr>
+            <p:ph type="ftr" sz="quarter" idx="3"/>
+          </p:nvPr>
+        </p:nvSpPr>
+        <p:spPr/>
+        <p:txBody>
+          <a:bodyPr/>
+          <a:lstStyle/>
+          <a:p>
+            <a:r>
+              <a:rPr lang="de-DE" smtClean="0"/>
+              <a:t>1. Einleitung</a:t>
+            </a:r>
+            <a:endParaRPr lang="de-DE"/>
+          </a:p>
+        </p:txBody>
+      </p:sp>
+    </p:spTree>
+    <p:extLst>
+      <p:ext uri="{BB962C8B-B14F-4D97-AF65-F5344CB8AC3E}">
         <p14:creationId xmlns:p14="http://schemas.microsoft.com/office/powerpoint/2010/main" val="3478175579"/>
       </p:ext>
     </p:extLst>
@@ -5609,10 +7530,17 @@
   <p:clrMapOvr>
     <a:masterClrMapping/>
   </p:clrMapOvr>
+  <p:timing>
+    <p:tnLst>
+      <p:par>
+        <p:cTn id="1" dur="indefinite" restart="never" nodeType="tmRoot"/>
+      </p:par>
+    </p:tnLst>
+  </p:timing>
 </p:sld>
 </file>
 
-<file path=ppt/slides/slide7.xml><?xml version="1.0" encoding="utf-8"?>
+<file path=ppt/slides/slide8.xml><?xml version="1.0" encoding="utf-8"?>
 <p:sld xmlns:a="http://schemas.openxmlformats.org/drawingml/2006/main" xmlns:r="http://schemas.openxmlformats.org/officeDocument/2006/relationships" xmlns:p="http://schemas.openxmlformats.org/presentationml/2006/main">
   <p:cSld>
     <p:spTree>
@@ -5695,42 +7623,12 @@
             <a:fld id="{1A73E011-4CD9-4D05-A24A-32BCD9CDCEE7}" type="slidenum">
               <a:rPr lang="de-DE" smtClean="0"/>
               <a:pPr/>
-              <a:t>7</a:t>
+              <a:t>8</a:t>
             </a:fld>
             <a:endParaRPr lang="de-DE"/>
           </a:p>
         </p:txBody>
       </p:sp>
-      <p:pic>
-        <p:nvPicPr>
-          <p:cNvPr id="16" name="Grafik 15"/>
-          <p:cNvPicPr>
-            <a:picLocks noChangeAspect="1"/>
-          </p:cNvPicPr>
-          <p:nvPr/>
-        </p:nvPicPr>
-        <p:blipFill>
-          <a:blip r:embed="rId3" cstate="print">
-            <a:extLst>
-              <a:ext uri="{28A0092B-C50C-407E-A947-70E740481C1C}">
-                <a14:useLocalDpi xmlns:a14="http://schemas.microsoft.com/office/drawing/2010/main" val="0"/>
-              </a:ext>
-            </a:extLst>
-          </a:blip>
-          <a:stretch>
-            <a:fillRect/>
-          </a:stretch>
-        </p:blipFill>
-        <p:spPr>
-          <a:xfrm>
-            <a:off x="599272" y="823070"/>
-            <a:ext cx="3960440" cy="2749946"/>
-          </a:xfrm>
-          <a:prstGeom prst="rect">
-            <a:avLst/>
-          </a:prstGeom>
-        </p:spPr>
-      </p:pic>
       <p:sp>
         <p:nvSpPr>
           <p:cNvPr id="3" name="Fußzeilenplatzhalter 2"/>
@@ -5756,9 +7654,50 @@
       </p:sp>
       <p:pic>
         <p:nvPicPr>
-          <p:cNvPr id="4" name="Grafik 3"/>
+          <p:cNvPr id="1028" name="Picture 4" descr="C:\Users\jaeger\Documents\Repos\Masterarbeit\Abschlussvortrag\potential_0.1V.emf"/>
           <p:cNvPicPr>
-            <a:picLocks noChangeAspect="1"/>
+            <a:picLocks noChangeAspect="1" noChangeArrowheads="1"/>
+          </p:cNvPicPr>
+          <p:nvPr/>
+        </p:nvPicPr>
+        <p:blipFill>
+          <a:blip r:embed="rId3">
+            <a:extLst>
+              <a:ext uri="{28A0092B-C50C-407E-A947-70E740481C1C}">
+                <a14:useLocalDpi xmlns:a14="http://schemas.microsoft.com/office/drawing/2010/main" val="0"/>
+              </a:ext>
+            </a:extLst>
+          </a:blip>
+          <a:srcRect/>
+          <a:stretch>
+            <a:fillRect/>
+          </a:stretch>
+        </p:blipFill>
+        <p:spPr bwMode="auto">
+          <a:xfrm>
+            <a:off x="576459" y="4005064"/>
+            <a:ext cx="2964616" cy="2222136"/>
+          </a:xfrm>
+          <a:prstGeom prst="rect">
+            <a:avLst/>
+          </a:prstGeom>
+          <a:noFill/>
+          <a:extLst>
+            <a:ext uri="{909E8E84-426E-40DD-AFC4-6F175D3DCCD1}">
+              <a14:hiddenFill xmlns:a14="http://schemas.microsoft.com/office/drawing/2010/main">
+                <a:solidFill>
+                  <a:srgbClr val="FFFFFF"/>
+                </a:solidFill>
+              </a14:hiddenFill>
+            </a:ext>
+          </a:extLst>
+        </p:spPr>
+      </p:pic>
+      <p:pic>
+        <p:nvPicPr>
+          <p:cNvPr id="1029" name="Picture 5" descr="C:\Users\jaeger\Documents\Repos\Masterarbeit\Abschlussvortrag\imag_0.1V_2.png"/>
+          <p:cNvPicPr>
+            <a:picLocks noChangeAspect="1" noChangeArrowheads="1"/>
           </p:cNvPicPr>
           <p:nvPr/>
         </p:nvPicPr>
@@ -5770,18 +7709,70 @@
               </a:ext>
             </a:extLst>
           </a:blip>
+          <a:srcRect/>
           <a:stretch>
             <a:fillRect/>
           </a:stretch>
         </p:blipFill>
-        <p:spPr>
+        <p:spPr bwMode="auto">
           <a:xfrm>
-            <a:off x="4644008" y="1864191"/>
-            <a:ext cx="4088025" cy="4536307"/>
+            <a:off x="4061800" y="3835451"/>
+            <a:ext cx="4677269" cy="2561362"/>
           </a:xfrm>
           <a:prstGeom prst="rect">
             <a:avLst/>
           </a:prstGeom>
+          <a:noFill/>
+          <a:extLst>
+            <a:ext uri="{909E8E84-426E-40DD-AFC4-6F175D3DCCD1}">
+              <a14:hiddenFill xmlns:a14="http://schemas.microsoft.com/office/drawing/2010/main">
+                <a:solidFill>
+                  <a:srgbClr val="FFFFFF"/>
+                </a:solidFill>
+              </a14:hiddenFill>
+            </a:ext>
+          </a:extLst>
+        </p:spPr>
+      </p:pic>
+      <p:pic>
+        <p:nvPicPr>
+          <p:cNvPr id="1030" name="Picture 6" descr="C:\Users\jaeger\Documents\Repos\Masterarbeit\Abschlussvortrag\real_0.1V_2.png"/>
+          <p:cNvPicPr>
+            <a:picLocks noChangeAspect="1" noChangeArrowheads="1"/>
+          </p:cNvPicPr>
+          <p:nvPr/>
+        </p:nvPicPr>
+        <p:blipFill>
+          <a:blip r:embed="rId5" cstate="print">
+            <a:extLst>
+              <a:ext uri="{28A0092B-C50C-407E-A947-70E740481C1C}">
+                <a14:useLocalDpi xmlns:a14="http://schemas.microsoft.com/office/drawing/2010/main" val="0"/>
+              </a:ext>
+            </a:extLst>
+          </a:blip>
+          <a:srcRect/>
+          <a:stretch>
+            <a:fillRect/>
+          </a:stretch>
+        </p:blipFill>
+        <p:spPr bwMode="auto">
+          <a:xfrm>
+            <a:off x="594219" y="764704"/>
+            <a:ext cx="4699542" cy="2570908"/>
+          </a:xfrm>
+          <a:prstGeom prst="rect">
+            <a:avLst/>
+          </a:prstGeom>
+          <a:noFill/>
+          <a:extLst>
+            <a:ext uri="{909E8E84-426E-40DD-AFC4-6F175D3DCCD1}">
+              <a14:hiddenFill xmlns:a14="http://schemas.microsoft.com/office/drawing/2010/main">
+                <a:solidFill>
+                  <a:srgbClr val="FFFFFF"/>
+                </a:solidFill>
+              </a14:hiddenFill>
+            </a:ext>
+          </a:extLst>
         </p:spPr>
       </p:pic>
     </p:spTree>
@@ -5812,121 +7803,6 @@
 </p:sld>
 </file>
 
-<file path=ppt/slides/slide8.xml><?xml version="1.0" encoding="utf-8"?>
-<p:sld xmlns:a="http://schemas.openxmlformats.org/drawingml/2006/main" xmlns:r="http://schemas.openxmlformats.org/officeDocument/2006/relationships" xmlns:p="http://schemas.openxmlformats.org/presentationml/2006/main">
-  <p:cSld>
-    <p:spTree>
-      <p:nvGrpSpPr>
-        <p:cNvPr id="1" name=""/>
-        <p:cNvGrpSpPr/>
-        <p:nvPr/>
-      </p:nvGrpSpPr>
-      <p:grpSpPr>
-        <a:xfrm>
-          <a:off x="0" y="0"/>
-          <a:ext cx="0" cy="0"/>
-          <a:chOff x="0" y="0"/>
-          <a:chExt cx="0" cy="0"/>
-        </a:xfrm>
-      </p:grpSpPr>
-      <p:sp>
-        <p:nvSpPr>
-          <p:cNvPr id="2" name="Inhaltsplatzhalter 1"/>
-          <p:cNvSpPr>
-            <a:spLocks noGrp="1"/>
-          </p:cNvSpPr>
-          <p:nvPr>
-            <p:ph idx="1"/>
-          </p:nvPr>
-        </p:nvSpPr>
-        <p:spPr/>
-        <p:txBody>
-          <a:bodyPr/>
-          <a:lstStyle/>
-          <a:p>
-            <a:endParaRPr lang="de-DE"/>
-          </a:p>
-        </p:txBody>
-      </p:sp>
-      <p:sp>
-        <p:nvSpPr>
-          <p:cNvPr id="3" name="Foliennummernplatzhalter 2"/>
-          <p:cNvSpPr>
-            <a:spLocks noGrp="1"/>
-          </p:cNvSpPr>
-          <p:nvPr>
-            <p:ph type="sldNum" sz="quarter" idx="12"/>
-          </p:nvPr>
-        </p:nvSpPr>
-        <p:spPr/>
-        <p:txBody>
-          <a:bodyPr/>
-          <a:lstStyle/>
-          <a:p>
-            <a:fld id="{1A73E011-4CD9-4D05-A24A-32BCD9CDCEE7}" type="slidenum">
-              <a:rPr lang="de-DE" smtClean="0"/>
-              <a:pPr/>
-              <a:t>8</a:t>
-            </a:fld>
-            <a:endParaRPr lang="de-DE"/>
-          </a:p>
-        </p:txBody>
-      </p:sp>
-      <p:sp>
-        <p:nvSpPr>
-          <p:cNvPr id="4" name="Textplatzhalter 3"/>
-          <p:cNvSpPr>
-            <a:spLocks noGrp="1"/>
-          </p:cNvSpPr>
-          <p:nvPr>
-            <p:ph type="body" sz="quarter" idx="13"/>
-          </p:nvPr>
-        </p:nvSpPr>
-        <p:spPr/>
-        <p:txBody>
-          <a:bodyPr/>
-          <a:lstStyle/>
-          <a:p>
-            <a:endParaRPr lang="de-DE"/>
-          </a:p>
-        </p:txBody>
-      </p:sp>
-      <p:sp>
-        <p:nvSpPr>
-          <p:cNvPr id="5" name="Fußzeilenplatzhalter 4"/>
-          <p:cNvSpPr>
-            <a:spLocks noGrp="1"/>
-          </p:cNvSpPr>
-          <p:nvPr>
-            <p:ph type="ftr" sz="quarter" idx="3"/>
-          </p:nvPr>
-        </p:nvSpPr>
-        <p:spPr/>
-        <p:txBody>
-          <a:bodyPr/>
-          <a:lstStyle/>
-          <a:p>
-            <a:r>
-              <a:rPr lang="de-DE" smtClean="0"/>
-              <a:t>1. Einleitung</a:t>
-            </a:r>
-            <a:endParaRPr lang="de-DE"/>
-          </a:p>
-        </p:txBody>
-      </p:sp>
-    </p:spTree>
-    <p:extLst>
-      <p:ext uri="{BB962C8B-B14F-4D97-AF65-F5344CB8AC3E}">
-        <p14:creationId xmlns:p14="http://schemas.microsoft.com/office/powerpoint/2010/main" val="644568670"/>
-      </p:ext>
-    </p:extLst>
-  </p:cSld>
-  <p:clrMapOvr>
-    <a:masterClrMapping/>
-  </p:clrMapOvr>
-</p:sld>
-</file>
-
 <file path=ppt/slides/slide9.xml><?xml version="1.0" encoding="utf-8"?>
 <p:sld xmlns:a="http://schemas.openxmlformats.org/drawingml/2006/main" xmlns:r="http://schemas.openxmlformats.org/officeDocument/2006/relationships" xmlns:p="http://schemas.openxmlformats.org/presentationml/2006/main">
   <p:cSld>
@@ -5946,173 +7822,7 @@
       </p:grpSpPr>
       <p:sp>
         <p:nvSpPr>
-          <p:cNvPr id="2" name="Inhaltsplatzhalter 1"/>
-          <p:cNvSpPr>
-            <a:spLocks noGrp="1"/>
-          </p:cNvSpPr>
-          <p:nvPr>
-            <p:ph idx="1"/>
-          </p:nvPr>
-        </p:nvSpPr>
-        <p:spPr>
-          <a:xfrm>
-            <a:off x="251520" y="1379909"/>
-            <a:ext cx="8496944" cy="5145435"/>
-          </a:xfrm>
-        </p:spPr>
-        <p:txBody>
-          <a:bodyPr>
-            <a:noAutofit/>
-          </a:bodyPr>
-          <a:lstStyle/>
-          <a:p>
-            <a:pPr marL="0" indent="0">
-              <a:buNone/>
-            </a:pPr>
-            <a:r>
-              <a:rPr lang="de-DE" sz="1800" smtClean="0"/>
-              <a:t>[1] </a:t>
-            </a:r>
-            <a:r>
-              <a:rPr lang="en-US" sz="1800"/>
-              <a:t>William R Frensley. </a:t>
-            </a:r>
-            <a:r>
-              <a:rPr lang="en-US" sz="1800" i="1" smtClean="0"/>
-              <a:t>Wigner-function </a:t>
-            </a:r>
-            <a:r>
-              <a:rPr lang="en-US" sz="1800" i="1"/>
-              <a:t>model of a resonant-tunneling </a:t>
-            </a:r>
-            <a:r>
-              <a:rPr lang="en-US" sz="1800" i="1" smtClean="0"/>
-              <a:t>semiconductor device</a:t>
-            </a:r>
-            <a:r>
-              <a:rPr lang="en-US" sz="1800" smtClean="0"/>
-              <a:t>. </a:t>
-            </a:r>
-            <a:r>
-              <a:rPr lang="en-US" sz="1800"/>
-              <a:t>In: </a:t>
-            </a:r>
-            <a:r>
-              <a:rPr lang="en-US" sz="1800" i="1"/>
-              <a:t>Physical Review </a:t>
-            </a:r>
-            <a:r>
-              <a:rPr lang="en-US" sz="1800" i="1" smtClean="0"/>
-              <a:t>B</a:t>
-            </a:r>
-          </a:p>
-          <a:p>
-            <a:pPr marL="342000" indent="0">
-              <a:buNone/>
-            </a:pPr>
-            <a:r>
-              <a:rPr lang="en-US" sz="1800" smtClean="0"/>
-              <a:t>36.3 </a:t>
-            </a:r>
-            <a:r>
-              <a:rPr lang="en-US" sz="1800"/>
-              <a:t>(1987), S. 1570</a:t>
-            </a:r>
-            <a:r>
-              <a:rPr lang="en-US" sz="1800" smtClean="0"/>
-              <a:t>.</a:t>
-            </a:r>
-            <a:endParaRPr lang="de-DE" sz="1800" smtClean="0"/>
-          </a:p>
-          <a:p>
-            <a:pPr>
-              <a:buNone/>
-            </a:pPr>
-            <a:r>
-              <a:rPr lang="de-DE" sz="1800"/>
-              <a:t>[2] Kreuzer, C</a:t>
-            </a:r>
-            <a:r>
-              <a:rPr lang="de-DE" sz="1800" smtClean="0"/>
-              <a:t>. </a:t>
-            </a:r>
-            <a:r>
-              <a:rPr lang="de-DE" sz="1800"/>
-              <a:t>Vorlesungsskript </a:t>
-            </a:r>
-            <a:r>
-              <a:rPr lang="de-DE" sz="1800" i="1" smtClean="0"/>
-              <a:t>Finite </a:t>
-            </a:r>
-            <a:r>
-              <a:rPr lang="de-DE" sz="1800" i="1"/>
-              <a:t>Elemente </a:t>
-            </a:r>
-            <a:r>
-              <a:rPr lang="de-DE" sz="1800" i="1" smtClean="0"/>
-              <a:t>Methoden</a:t>
-            </a:r>
-            <a:r>
-              <a:rPr lang="de-DE" sz="1800" smtClean="0"/>
-              <a:t>. </a:t>
-            </a:r>
-            <a:r>
-              <a:rPr lang="de-DE" sz="1800"/>
-              <a:t>TU Dortmund, 2019.</a:t>
-            </a:r>
-            <a:endParaRPr lang="de-DE" sz="1800" smtClean="0"/>
-          </a:p>
-          <a:p>
-            <a:pPr>
-              <a:buNone/>
-            </a:pPr>
-            <a:r>
-              <a:rPr lang="de-DE" sz="1800" smtClean="0"/>
-              <a:t>[3] Verfürth, R. Vorlesungsskript </a:t>
-            </a:r>
-            <a:r>
-              <a:rPr lang="de-DE" sz="1800" i="1" smtClean="0"/>
-              <a:t>Numerik II, Finite Elemente</a:t>
-            </a:r>
-            <a:r>
-              <a:rPr lang="de-DE" sz="1800" smtClean="0"/>
-              <a:t>. Ruhr-Universität Bochum, 2016. </a:t>
-            </a:r>
-          </a:p>
-          <a:p>
-            <a:pPr>
-              <a:buNone/>
-            </a:pPr>
-            <a:r>
-              <a:rPr lang="de-DE" sz="1800" smtClean="0"/>
-              <a:t>[4] </a:t>
-            </a:r>
-            <a:r>
-              <a:rPr lang="de-DE" sz="1800"/>
-              <a:t>Hesthaven, J. S., &amp; Warburton, T</a:t>
-            </a:r>
-            <a:r>
-              <a:rPr lang="de-DE" sz="1800" smtClean="0"/>
-              <a:t>. </a:t>
-            </a:r>
-            <a:r>
-              <a:rPr lang="de-DE" sz="1800" i="1"/>
-              <a:t>Nodal discontinuous Galerkin methods: algorithms, analysis, and applications</a:t>
-            </a:r>
-            <a:r>
-              <a:rPr lang="de-DE" sz="1800"/>
-              <a:t>. Springer Science &amp; Business </a:t>
-            </a:r>
-            <a:r>
-              <a:rPr lang="de-DE" sz="1800" smtClean="0"/>
-              <a:t>Media, 2007. </a:t>
-            </a:r>
-          </a:p>
-        </p:txBody>
-      </p:sp>
-      <p:sp>
-        <p:nvSpPr>
-          <p:cNvPr id="5" name="Foliennummernplatzhalter 4"/>
+          <p:cNvPr id="3" name="Foliennummernplatzhalter 2"/>
           <p:cNvSpPr>
             <a:spLocks noGrp="1"/>
           </p:cNvSpPr>
@@ -6136,79 +7846,7 @@
       </p:sp>
       <p:sp>
         <p:nvSpPr>
-          <p:cNvPr id="7" name="Titel 1"/>
-          <p:cNvSpPr txBox="1">
-            <a:spLocks/>
-          </p:cNvSpPr>
-          <p:nvPr/>
-        </p:nvSpPr>
-        <p:spPr>
-          <a:xfrm>
-            <a:off x="467544" y="620688"/>
-            <a:ext cx="8229600" cy="1143000"/>
-          </a:xfrm>
-          <a:prstGeom prst="rect">
-            <a:avLst/>
-          </a:prstGeom>
-        </p:spPr>
-        <p:txBody>
-          <a:bodyPr/>
-          <a:lstStyle/>
-          <a:p>
-            <a:pPr marL="0" marR="0" lvl="0" indent="0" algn="ctr" defTabSz="914400" rtl="0" eaLnBrk="1" fontAlgn="auto" latinLnBrk="0" hangingPunct="1">
-              <a:lnSpc>
-                <a:spcPct val="100000"/>
-              </a:lnSpc>
-              <a:spcBef>
-                <a:spcPct val="0"/>
-              </a:spcBef>
-              <a:spcAft>
-                <a:spcPts val="0"/>
-              </a:spcAft>
-              <a:buClrTx/>
-              <a:buSzTx/>
-              <a:buFontTx/>
-              <a:buNone/>
-              <a:tabLst/>
-              <a:defRPr/>
-            </a:pPr>
-            <a:r>
-              <a:rPr kumimoji="0" lang="de-DE" sz="4400" b="0" i="0" u="none" strike="noStrike" kern="1200" cap="none" spc="0" normalizeH="0" baseline="0" noProof="0" smtClean="0">
-                <a:ln>
-                  <a:noFill/>
-                </a:ln>
-                <a:solidFill>
-                  <a:schemeClr val="tx1"/>
-                </a:solidFill>
-                <a:effectLst/>
-                <a:uLnTx/>
-                <a:uFillTx/>
-                <a:latin typeface="Adobe Arabic" pitchFamily="18" charset="-78"/>
-                <a:ea typeface="+mj-ea"/>
-                <a:cs typeface="Adobe Arabic" pitchFamily="18" charset="-78"/>
-              </a:rPr>
-              <a:t>Quellen</a:t>
-            </a:r>
-            <a:endParaRPr kumimoji="0" lang="de-DE" sz="4400" b="0" i="0" u="none" strike="noStrike" kern="1200" cap="none" spc="0" normalizeH="0" baseline="0" noProof="0">
-              <a:ln>
-                <a:noFill/>
-              </a:ln>
-              <a:solidFill>
-                <a:schemeClr val="tx1"/>
-              </a:solidFill>
-              <a:effectLst/>
-              <a:uLnTx/>
-              <a:uFillTx/>
-              <a:latin typeface="Adobe Arabic" pitchFamily="18" charset="-78"/>
-              <a:ea typeface="+mj-ea"/>
-              <a:cs typeface="Adobe Arabic" pitchFamily="18" charset="-78"/>
-            </a:endParaRPr>
-          </a:p>
-        </p:txBody>
-      </p:sp>
-      <p:sp>
-        <p:nvSpPr>
-          <p:cNvPr id="3" name="Fußzeilenplatzhalter 2"/>
+          <p:cNvPr id="5" name="Fußzeilenplatzhalter 4"/>
           <p:cNvSpPr>
             <a:spLocks noGrp="1"/>
           </p:cNvSpPr>
@@ -6229,7 +7867,203 @@
           </a:p>
         </p:txBody>
       </p:sp>
+      <p:pic>
+        <p:nvPicPr>
+          <p:cNvPr id="12" name="Grafik 11"/>
+          <p:cNvPicPr>
+            <a:picLocks noChangeAspect="1"/>
+          </p:cNvPicPr>
+          <p:nvPr/>
+        </p:nvPicPr>
+        <p:blipFill>
+          <a:blip r:embed="rId2">
+            <a:extLst>
+              <a:ext uri="{28A0092B-C50C-407E-A947-70E740481C1C}">
+                <a14:useLocalDpi xmlns:a14="http://schemas.microsoft.com/office/drawing/2010/main" val="0"/>
+              </a:ext>
+            </a:extLst>
+          </a:blip>
+          <a:stretch>
+            <a:fillRect/>
+          </a:stretch>
+        </p:blipFill>
+        <p:spPr>
+          <a:xfrm>
+            <a:off x="1805249" y="1357000"/>
+            <a:ext cx="5533501" cy="4144000"/>
+          </a:xfrm>
+          <a:prstGeom prst="rect">
+            <a:avLst/>
+          </a:prstGeom>
+        </p:spPr>
+      </p:pic>
+      <p:pic>
+        <p:nvPicPr>
+          <p:cNvPr id="13" name="Grafik 12"/>
+          <p:cNvPicPr>
+            <a:picLocks noChangeAspect="1"/>
+          </p:cNvPicPr>
+          <p:nvPr/>
+        </p:nvPicPr>
+        <p:blipFill>
+          <a:blip r:embed="rId3">
+            <a:extLst>
+              <a:ext uri="{28A0092B-C50C-407E-A947-70E740481C1C}">
+                <a14:useLocalDpi xmlns:a14="http://schemas.microsoft.com/office/drawing/2010/main" val="0"/>
+              </a:ext>
+            </a:extLst>
+          </a:blip>
+          <a:stretch>
+            <a:fillRect/>
+          </a:stretch>
+        </p:blipFill>
+        <p:spPr>
+          <a:xfrm>
+            <a:off x="1811748" y="1357000"/>
+            <a:ext cx="5533501" cy="4144000"/>
+          </a:xfrm>
+          <a:prstGeom prst="rect">
+            <a:avLst/>
+          </a:prstGeom>
+        </p:spPr>
+      </p:pic>
+      <p:pic>
+        <p:nvPicPr>
+          <p:cNvPr id="14" name="Grafik 13"/>
+          <p:cNvPicPr>
+            <a:picLocks noChangeAspect="1"/>
+          </p:cNvPicPr>
+          <p:nvPr/>
+        </p:nvPicPr>
+        <p:blipFill>
+          <a:blip r:embed="rId4">
+            <a:extLst>
+              <a:ext uri="{28A0092B-C50C-407E-A947-70E740481C1C}">
+                <a14:useLocalDpi xmlns:a14="http://schemas.microsoft.com/office/drawing/2010/main" val="0"/>
+              </a:ext>
+            </a:extLst>
+          </a:blip>
+          <a:stretch>
+            <a:fillRect/>
+          </a:stretch>
+        </p:blipFill>
+        <p:spPr>
+          <a:xfrm>
+            <a:off x="1811748" y="1357000"/>
+            <a:ext cx="5533501" cy="4144000"/>
+          </a:xfrm>
+          <a:prstGeom prst="rect">
+            <a:avLst/>
+          </a:prstGeom>
+        </p:spPr>
+      </p:pic>
+      <p:pic>
+        <p:nvPicPr>
+          <p:cNvPr id="15" name="Grafik 14"/>
+          <p:cNvPicPr>
+            <a:picLocks noChangeAspect="1"/>
+          </p:cNvPicPr>
+          <p:nvPr/>
+        </p:nvPicPr>
+        <p:blipFill>
+          <a:blip r:embed="rId5">
+            <a:extLst>
+              <a:ext uri="{28A0092B-C50C-407E-A947-70E740481C1C}">
+                <a14:useLocalDpi xmlns:a14="http://schemas.microsoft.com/office/drawing/2010/main" val="0"/>
+              </a:ext>
+            </a:extLst>
+          </a:blip>
+          <a:stretch>
+            <a:fillRect/>
+          </a:stretch>
+        </p:blipFill>
+        <p:spPr>
+          <a:xfrm>
+            <a:off x="1811748" y="1357000"/>
+            <a:ext cx="5533501" cy="4144000"/>
+          </a:xfrm>
+          <a:prstGeom prst="rect">
+            <a:avLst/>
+          </a:prstGeom>
+        </p:spPr>
+      </p:pic>
+      <p:pic>
+        <p:nvPicPr>
+          <p:cNvPr id="16" name="Grafik 15"/>
+          <p:cNvPicPr>
+            <a:picLocks noChangeAspect="1"/>
+          </p:cNvPicPr>
+          <p:nvPr/>
+        </p:nvPicPr>
+        <p:blipFill>
+          <a:blip r:embed="rId6">
+            <a:extLst>
+              <a:ext uri="{28A0092B-C50C-407E-A947-70E740481C1C}">
+                <a14:useLocalDpi xmlns:a14="http://schemas.microsoft.com/office/drawing/2010/main" val="0"/>
+              </a:ext>
+            </a:extLst>
+          </a:blip>
+          <a:stretch>
+            <a:fillRect/>
+          </a:stretch>
+        </p:blipFill>
+        <p:spPr>
+          <a:xfrm>
+            <a:off x="1811748" y="1357000"/>
+            <a:ext cx="5533501" cy="4144000"/>
+          </a:xfrm>
+          <a:prstGeom prst="rect">
+            <a:avLst/>
+          </a:prstGeom>
+        </p:spPr>
+      </p:pic>
+      <p:pic>
+        <p:nvPicPr>
+          <p:cNvPr id="1027" name="Picture 3" descr="C:\Users\jaeger\Documents\Repos\NL-FEM\Code\DG_hybrid\results\plots\vortrag\Ly_var_all.png"/>
+          <p:cNvPicPr>
+            <a:picLocks noChangeAspect="1" noChangeArrowheads="1"/>
+          </p:cNvPicPr>
+          <p:nvPr/>
+        </p:nvPicPr>
+        <p:blipFill>
+          <a:blip r:embed="rId7">
+            <a:extLst>
+              <a:ext uri="{28A0092B-C50C-407E-A947-70E740481C1C}">
+                <a14:useLocalDpi xmlns:a14="http://schemas.microsoft.com/office/drawing/2010/main" val="0"/>
+              </a:ext>
+            </a:extLst>
+          </a:blip>
+          <a:srcRect/>
+          <a:stretch>
+            <a:fillRect/>
+          </a:stretch>
+        </p:blipFill>
+        <p:spPr bwMode="auto">
+          <a:xfrm>
+            <a:off x="1814749" y="1357000"/>
+            <a:ext cx="5528630" cy="4144000"/>
+          </a:xfrm>
+          <a:prstGeom prst="rect">
+            <a:avLst/>
+          </a:prstGeom>
+          <a:noFill/>
+          <a:extLst>
+            <a:ext uri="{909E8E84-426E-40DD-AFC4-6F175D3DCCD1}">
+              <a14:hiddenFill xmlns:a14="http://schemas.microsoft.com/office/drawing/2010/main">
+                <a:solidFill>
+                  <a:srgbClr val="FFFFFF"/>
+                </a:solidFill>
+              </a14:hiddenFill>
+            </a:ext>
+          </a:extLst>
+        </p:spPr>
+      </p:pic>
     </p:spTree>
+    <p:extLst>
+      <p:ext uri="{BB962C8B-B14F-4D97-AF65-F5344CB8AC3E}">
+        <p14:creationId xmlns:p14="http://schemas.microsoft.com/office/powerpoint/2010/main" val="3046894800"/>
+      </p:ext>
+    </p:extLst>
   </p:cSld>
   <p:clrMapOvr>
     <a:masterClrMapping/>
@@ -6237,7 +8071,435 @@
   <p:timing>
     <p:tnLst>
       <p:par>
-        <p:cTn id="1" dur="indefinite" restart="never" nodeType="tmRoot"/>
+        <p:cTn id="1" dur="indefinite" restart="never" nodeType="tmRoot">
+          <p:childTnLst>
+            <p:seq concurrent="1" nextAc="seek">
+              <p:cTn id="2" dur="indefinite" nodeType="mainSeq">
+                <p:childTnLst>
+                  <p:par>
+                    <p:cTn id="3" fill="hold">
+                      <p:stCondLst>
+                        <p:cond delay="indefinite"/>
+                      </p:stCondLst>
+                      <p:childTnLst>
+                        <p:par>
+                          <p:cTn id="4" fill="hold">
+                            <p:stCondLst>
+                              <p:cond delay="0"/>
+                            </p:stCondLst>
+                            <p:childTnLst>
+                              <p:par>
+                                <p:cTn id="5" presetID="1" presetClass="exit" presetSubtype="0" fill="hold" nodeType="clickEffect">
+                                  <p:stCondLst>
+                                    <p:cond delay="0"/>
+                                  </p:stCondLst>
+                                  <p:childTnLst>
+                                    <p:set>
+                                      <p:cBhvr>
+                                        <p:cTn id="6" dur="1" fill="hold">
+                                          <p:stCondLst>
+                                            <p:cond delay="0"/>
+                                          </p:stCondLst>
+                                        </p:cTn>
+                                        <p:tgtEl>
+                                          <p:spTgt spid="1027"/>
+                                        </p:tgtEl>
+                                        <p:attrNameLst>
+                                          <p:attrName>style.visibility</p:attrName>
+                                        </p:attrNameLst>
+                                      </p:cBhvr>
+                                      <p:to>
+                                        <p:strVal val="hidden"/>
+                                      </p:to>
+                                    </p:set>
+                                  </p:childTnLst>
+                                </p:cTn>
+                              </p:par>
+                              <p:par>
+                                <p:cTn id="7" presetID="1" presetClass="entr" presetSubtype="0" fill="hold" nodeType="withEffect">
+                                  <p:stCondLst>
+                                    <p:cond delay="0"/>
+                                  </p:stCondLst>
+                                  <p:childTnLst>
+                                    <p:set>
+                                      <p:cBhvr>
+                                        <p:cTn id="8" dur="1" fill="hold">
+                                          <p:stCondLst>
+                                            <p:cond delay="0"/>
+                                          </p:stCondLst>
+                                        </p:cTn>
+                                        <p:tgtEl>
+                                          <p:spTgt spid="12"/>
+                                        </p:tgtEl>
+                                        <p:attrNameLst>
+                                          <p:attrName>style.visibility</p:attrName>
+                                        </p:attrNameLst>
+                                      </p:cBhvr>
+                                      <p:to>
+                                        <p:strVal val="visible"/>
+                                      </p:to>
+                                    </p:set>
+                                  </p:childTnLst>
+                                </p:cTn>
+                              </p:par>
+                            </p:childTnLst>
+                          </p:cTn>
+                        </p:par>
+                      </p:childTnLst>
+                    </p:cTn>
+                  </p:par>
+                  <p:par>
+                    <p:cTn id="9" fill="hold">
+                      <p:stCondLst>
+                        <p:cond delay="indefinite"/>
+                      </p:stCondLst>
+                      <p:childTnLst>
+                        <p:par>
+                          <p:cTn id="10" fill="hold">
+                            <p:stCondLst>
+                              <p:cond delay="0"/>
+                            </p:stCondLst>
+                            <p:childTnLst>
+                              <p:par>
+                                <p:cTn id="11" presetID="1" presetClass="exit" presetSubtype="0" fill="hold" nodeType="clickEffect">
+                                  <p:stCondLst>
+                                    <p:cond delay="0"/>
+                                  </p:stCondLst>
+                                  <p:childTnLst>
+                                    <p:set>
+                                      <p:cBhvr>
+                                        <p:cTn id="12" dur="1" fill="hold">
+                                          <p:stCondLst>
+                                            <p:cond delay="0"/>
+                                          </p:stCondLst>
+                                        </p:cTn>
+                                        <p:tgtEl>
+                                          <p:spTgt spid="12"/>
+                                        </p:tgtEl>
+                                        <p:attrNameLst>
+                                          <p:attrName>style.visibility</p:attrName>
+                                        </p:attrNameLst>
+                                      </p:cBhvr>
+                                      <p:to>
+                                        <p:strVal val="hidden"/>
+                                      </p:to>
+                                    </p:set>
+                                  </p:childTnLst>
+                                </p:cTn>
+                              </p:par>
+                              <p:par>
+                                <p:cTn id="13" presetID="1" presetClass="entr" presetSubtype="0" fill="hold" nodeType="withEffect">
+                                  <p:stCondLst>
+                                    <p:cond delay="0"/>
+                                  </p:stCondLst>
+                                  <p:childTnLst>
+                                    <p:set>
+                                      <p:cBhvr>
+                                        <p:cTn id="14" dur="1" fill="hold">
+                                          <p:stCondLst>
+                                            <p:cond delay="0"/>
+                                          </p:stCondLst>
+                                        </p:cTn>
+                                        <p:tgtEl>
+                                          <p:spTgt spid="13"/>
+                                        </p:tgtEl>
+                                        <p:attrNameLst>
+                                          <p:attrName>style.visibility</p:attrName>
+                                        </p:attrNameLst>
+                                      </p:cBhvr>
+                                      <p:to>
+                                        <p:strVal val="visible"/>
+                                      </p:to>
+                                    </p:set>
+                                  </p:childTnLst>
+                                </p:cTn>
+                              </p:par>
+                            </p:childTnLst>
+                          </p:cTn>
+                        </p:par>
+                      </p:childTnLst>
+                    </p:cTn>
+                  </p:par>
+                  <p:par>
+                    <p:cTn id="15" fill="hold">
+                      <p:stCondLst>
+                        <p:cond delay="indefinite"/>
+                      </p:stCondLst>
+                      <p:childTnLst>
+                        <p:par>
+                          <p:cTn id="16" fill="hold">
+                            <p:stCondLst>
+                              <p:cond delay="0"/>
+                            </p:stCondLst>
+                            <p:childTnLst>
+                              <p:par>
+                                <p:cTn id="17" presetID="1" presetClass="exit" presetSubtype="0" fill="hold" nodeType="clickEffect">
+                                  <p:stCondLst>
+                                    <p:cond delay="0"/>
+                                  </p:stCondLst>
+                                  <p:childTnLst>
+                                    <p:set>
+                                      <p:cBhvr>
+                                        <p:cTn id="18" dur="1" fill="hold">
+                                          <p:stCondLst>
+                                            <p:cond delay="0"/>
+                                          </p:stCondLst>
+                                        </p:cTn>
+                                        <p:tgtEl>
+                                          <p:spTgt spid="13"/>
+                                        </p:tgtEl>
+                                        <p:attrNameLst>
+                                          <p:attrName>style.visibility</p:attrName>
+                                        </p:attrNameLst>
+                                      </p:cBhvr>
+                                      <p:to>
+                                        <p:strVal val="hidden"/>
+                                      </p:to>
+                                    </p:set>
+                                  </p:childTnLst>
+                                </p:cTn>
+                              </p:par>
+                              <p:par>
+                                <p:cTn id="19" presetID="1" presetClass="entr" presetSubtype="0" fill="hold" nodeType="withEffect">
+                                  <p:stCondLst>
+                                    <p:cond delay="0"/>
+                                  </p:stCondLst>
+                                  <p:childTnLst>
+                                    <p:set>
+                                      <p:cBhvr>
+                                        <p:cTn id="20" dur="1" fill="hold">
+                                          <p:stCondLst>
+                                            <p:cond delay="0"/>
+                                          </p:stCondLst>
+                                        </p:cTn>
+                                        <p:tgtEl>
+                                          <p:spTgt spid="14"/>
+                                        </p:tgtEl>
+                                        <p:attrNameLst>
+                                          <p:attrName>style.visibility</p:attrName>
+                                        </p:attrNameLst>
+                                      </p:cBhvr>
+                                      <p:to>
+                                        <p:strVal val="visible"/>
+                                      </p:to>
+                                    </p:set>
+                                  </p:childTnLst>
+                                </p:cTn>
+                              </p:par>
+                            </p:childTnLst>
+                          </p:cTn>
+                        </p:par>
+                      </p:childTnLst>
+                    </p:cTn>
+                  </p:par>
+                  <p:par>
+                    <p:cTn id="21" fill="hold">
+                      <p:stCondLst>
+                        <p:cond delay="indefinite"/>
+                      </p:stCondLst>
+                      <p:childTnLst>
+                        <p:par>
+                          <p:cTn id="22" fill="hold">
+                            <p:stCondLst>
+                              <p:cond delay="0"/>
+                            </p:stCondLst>
+                            <p:childTnLst>
+                              <p:par>
+                                <p:cTn id="23" presetID="1" presetClass="exit" presetSubtype="0" fill="hold" nodeType="clickEffect">
+                                  <p:stCondLst>
+                                    <p:cond delay="0"/>
+                                  </p:stCondLst>
+                                  <p:childTnLst>
+                                    <p:set>
+                                      <p:cBhvr>
+                                        <p:cTn id="24" dur="1" fill="hold">
+                                          <p:stCondLst>
+                                            <p:cond delay="0"/>
+                                          </p:stCondLst>
+                                        </p:cTn>
+                                        <p:tgtEl>
+                                          <p:spTgt spid="14"/>
+                                        </p:tgtEl>
+                                        <p:attrNameLst>
+                                          <p:attrName>style.visibility</p:attrName>
+                                        </p:attrNameLst>
+                                      </p:cBhvr>
+                                      <p:to>
+                                        <p:strVal val="hidden"/>
+                                      </p:to>
+                                    </p:set>
+                                  </p:childTnLst>
+                                </p:cTn>
+                              </p:par>
+                              <p:par>
+                                <p:cTn id="25" presetID="1" presetClass="entr" presetSubtype="0" fill="hold" nodeType="withEffect">
+                                  <p:stCondLst>
+                                    <p:cond delay="0"/>
+                                  </p:stCondLst>
+                                  <p:childTnLst>
+                                    <p:set>
+                                      <p:cBhvr>
+                                        <p:cTn id="26" dur="1" fill="hold">
+                                          <p:stCondLst>
+                                            <p:cond delay="0"/>
+                                          </p:stCondLst>
+                                        </p:cTn>
+                                        <p:tgtEl>
+                                          <p:spTgt spid="15"/>
+                                        </p:tgtEl>
+                                        <p:attrNameLst>
+                                          <p:attrName>style.visibility</p:attrName>
+                                        </p:attrNameLst>
+                                      </p:cBhvr>
+                                      <p:to>
+                                        <p:strVal val="visible"/>
+                                      </p:to>
+                                    </p:set>
+                                  </p:childTnLst>
+                                </p:cTn>
+                              </p:par>
+                            </p:childTnLst>
+                          </p:cTn>
+                        </p:par>
+                      </p:childTnLst>
+                    </p:cTn>
+                  </p:par>
+                  <p:par>
+                    <p:cTn id="27" fill="hold">
+                      <p:stCondLst>
+                        <p:cond delay="indefinite"/>
+                      </p:stCondLst>
+                      <p:childTnLst>
+                        <p:par>
+                          <p:cTn id="28" fill="hold">
+                            <p:stCondLst>
+                              <p:cond delay="0"/>
+                            </p:stCondLst>
+                            <p:childTnLst>
+                              <p:par>
+                                <p:cTn id="29" presetID="1" presetClass="exit" presetSubtype="0" fill="hold" nodeType="clickEffect">
+                                  <p:stCondLst>
+                                    <p:cond delay="0"/>
+                                  </p:stCondLst>
+                                  <p:childTnLst>
+                                    <p:set>
+                                      <p:cBhvr>
+                                        <p:cTn id="30" dur="1" fill="hold">
+                                          <p:stCondLst>
+                                            <p:cond delay="0"/>
+                                          </p:stCondLst>
+                                        </p:cTn>
+                                        <p:tgtEl>
+                                          <p:spTgt spid="15"/>
+                                        </p:tgtEl>
+                                        <p:attrNameLst>
+                                          <p:attrName>style.visibility</p:attrName>
+                                        </p:attrNameLst>
+                                      </p:cBhvr>
+                                      <p:to>
+                                        <p:strVal val="hidden"/>
+                                      </p:to>
+                                    </p:set>
+                                  </p:childTnLst>
+                                </p:cTn>
+                              </p:par>
+                              <p:par>
+                                <p:cTn id="31" presetID="1" presetClass="entr" presetSubtype="0" fill="hold" nodeType="withEffect">
+                                  <p:stCondLst>
+                                    <p:cond delay="0"/>
+                                  </p:stCondLst>
+                                  <p:childTnLst>
+                                    <p:set>
+                                      <p:cBhvr>
+                                        <p:cTn id="32" dur="1" fill="hold">
+                                          <p:stCondLst>
+                                            <p:cond delay="0"/>
+                                          </p:stCondLst>
+                                        </p:cTn>
+                                        <p:tgtEl>
+                                          <p:spTgt spid="16"/>
+                                        </p:tgtEl>
+                                        <p:attrNameLst>
+                                          <p:attrName>style.visibility</p:attrName>
+                                        </p:attrNameLst>
+                                      </p:cBhvr>
+                                      <p:to>
+                                        <p:strVal val="visible"/>
+                                      </p:to>
+                                    </p:set>
+                                  </p:childTnLst>
+                                </p:cTn>
+                              </p:par>
+                            </p:childTnLst>
+                          </p:cTn>
+                        </p:par>
+                      </p:childTnLst>
+                    </p:cTn>
+                  </p:par>
+                  <p:par>
+                    <p:cTn id="33" fill="hold">
+                      <p:stCondLst>
+                        <p:cond delay="indefinite"/>
+                      </p:stCondLst>
+                      <p:childTnLst>
+                        <p:par>
+                          <p:cTn id="34" fill="hold">
+                            <p:stCondLst>
+                              <p:cond delay="0"/>
+                            </p:stCondLst>
+                            <p:childTnLst>
+                              <p:par>
+                                <p:cTn id="35" presetID="1" presetClass="exit" presetSubtype="0" fill="hold" nodeType="clickEffect">
+                                  <p:stCondLst>
+                                    <p:cond delay="0"/>
+                                  </p:stCondLst>
+                                  <p:childTnLst>
+                                    <p:set>
+                                      <p:cBhvr>
+                                        <p:cTn id="36" dur="1" fill="hold">
+                                          <p:stCondLst>
+                                            <p:cond delay="0"/>
+                                          </p:stCondLst>
+                                        </p:cTn>
+                                        <p:tgtEl>
+                                          <p:spTgt spid="16"/>
+                                        </p:tgtEl>
+                                        <p:attrNameLst>
+                                          <p:attrName>style.visibility</p:attrName>
+                                        </p:attrNameLst>
+                                      </p:cBhvr>
+                                      <p:to>
+                                        <p:strVal val="hidden"/>
+                                      </p:to>
+                                    </p:set>
+                                  </p:childTnLst>
+                                </p:cTn>
+                              </p:par>
+                            </p:childTnLst>
+                          </p:cTn>
+                        </p:par>
+                      </p:childTnLst>
+                    </p:cTn>
+                  </p:par>
+                </p:childTnLst>
+              </p:cTn>
+              <p:prevCondLst>
+                <p:cond evt="onPrev" delay="0">
+                  <p:tgtEl>
+                    <p:sldTgt/>
+                  </p:tgtEl>
+                </p:cond>
+              </p:prevCondLst>
+              <p:nextCondLst>
+                <p:cond evt="onNext" delay="0">
+                  <p:tgtEl>
+                    <p:sldTgt/>
+                  </p:tgtEl>
+                </p:cond>
+              </p:nextCondLst>
+            </p:seq>
+          </p:childTnLst>
+        </p:cTn>
       </p:par>
     </p:tnLst>
   </p:timing>

--- a/Abschlussvortrag/Präsentation.pptx
+++ b/Abschlussvortrag/Präsentation.pptx
@@ -5,7 +5,7 @@
     <p:sldMasterId id="2147483661" r:id="rId1"/>
   </p:sldMasterIdLst>
   <p:notesMasterIdLst>
-    <p:notesMasterId r:id="rId15"/>
+    <p:notesMasterId r:id="rId16"/>
   </p:notesMasterIdLst>
   <p:sldIdLst>
     <p:sldId id="256" r:id="rId2"/>
@@ -16,11 +16,12 @@
     <p:sldId id="340" r:id="rId7"/>
     <p:sldId id="342" r:id="rId8"/>
     <p:sldId id="339" r:id="rId9"/>
-    <p:sldId id="344" r:id="rId10"/>
-    <p:sldId id="345" r:id="rId11"/>
-    <p:sldId id="346" r:id="rId12"/>
-    <p:sldId id="343" r:id="rId13"/>
-    <p:sldId id="287" r:id="rId14"/>
+    <p:sldId id="348" r:id="rId10"/>
+    <p:sldId id="344" r:id="rId11"/>
+    <p:sldId id="345" r:id="rId12"/>
+    <p:sldId id="346" r:id="rId13"/>
+    <p:sldId id="343" r:id="rId14"/>
+    <p:sldId id="287" r:id="rId15"/>
   </p:sldIdLst>
   <p:sldSz cx="9144000" cy="6858000" type="screen4x3"/>
   <p:notesSz cx="6858000" cy="9144000"/>
@@ -152,6 +153,7 @@
         <p14:section name="Ergebnisse" id="{7538180C-030A-4BF1-B138-5E76CD73FC71}">
           <p14:sldIdLst>
             <p14:sldId id="339"/>
+            <p14:sldId id="348"/>
             <p14:sldId id="344"/>
             <p14:sldId id="345"/>
             <p14:sldId id="346"/>
@@ -168,6 +170,34 @@
           </p14:sldIdLst>
         </p14:section>
       </p14:sectionLst>
+    </p:ext>
+    <p:ext uri="{EFAFB233-063F-42B5-8137-9DF3F51BA10A}">
+      <p15:sldGuideLst xmlns:p15="http://schemas.microsoft.com/office/powerpoint/2012/main">
+        <p15:guide id="1" orient="horz" pos="2160">
+          <p15:clr>
+            <a:srgbClr val="A4A3A4"/>
+          </p15:clr>
+        </p15:guide>
+        <p15:guide id="2" pos="2880">
+          <p15:clr>
+            <a:srgbClr val="A4A3A4"/>
+          </p15:clr>
+        </p15:guide>
+      </p15:sldGuideLst>
+    </p:ext>
+    <p:ext uri="{2D200454-40CA-4A62-9FC3-DE9A4176ACB9}">
+      <p15:notesGuideLst xmlns:p15="http://schemas.microsoft.com/office/powerpoint/2012/main">
+        <p15:guide id="1" orient="horz" pos="2880">
+          <p15:clr>
+            <a:srgbClr val="A4A3A4"/>
+          </p15:clr>
+        </p15:guide>
+        <p15:guide id="2" pos="2160">
+          <p15:clr>
+            <a:srgbClr val="A4A3A4"/>
+          </p15:clr>
+        </p15:guide>
+      </p15:notesGuideLst>
     </p:ext>
   </p:extLst>
 </p:presentation>
@@ -256,7 +286,7 @@
             <a:fld id="{4171A3E4-08F7-470B-B28A-F7F44AD1D267}" type="datetimeFigureOut">
               <a:rPr lang="de-DE" smtClean="0"/>
               <a:pPr/>
-              <a:t>31.01.2020</a:t>
+              <a:t>02.02.2020</a:t>
             </a:fld>
             <a:endParaRPr lang="de-DE"/>
           </a:p>
@@ -322,38 +352,37 @@
           <a:p>
             <a:pPr lvl="0"/>
             <a:r>
-              <a:rPr lang="de-DE" smtClean="0"/>
+              <a:rPr lang="de-DE"/>
               <a:t>Textmasterformate durch Klicken bearbeiten</a:t>
             </a:r>
           </a:p>
           <a:p>
             <a:pPr lvl="1"/>
             <a:r>
-              <a:rPr lang="de-DE" smtClean="0"/>
+              <a:rPr lang="de-DE"/>
               <a:t>Zweite Ebene</a:t>
             </a:r>
           </a:p>
           <a:p>
             <a:pPr lvl="2"/>
             <a:r>
-              <a:rPr lang="de-DE" smtClean="0"/>
+              <a:rPr lang="de-DE"/>
               <a:t>Dritte Ebene</a:t>
             </a:r>
           </a:p>
           <a:p>
             <a:pPr lvl="3"/>
             <a:r>
-              <a:rPr lang="de-DE" smtClean="0"/>
+              <a:rPr lang="de-DE"/>
               <a:t>Vierte Ebene</a:t>
             </a:r>
           </a:p>
           <a:p>
             <a:pPr lvl="4"/>
             <a:r>
-              <a:rPr lang="de-DE" smtClean="0"/>
+              <a:rPr lang="de-DE"/>
               <a:t>Fünfte Ebene</a:t>
             </a:r>
-            <a:endParaRPr lang="de-DE"/>
           </a:p>
         </p:txBody>
       </p:sp>
@@ -736,62 +765,62 @@
           <a:lstStyle/>
           <a:p>
             <a:r>
-              <a:rPr lang="de-DE" smtClean="0"/>
+              <a:rPr lang="de-DE"/>
               <a:t>Annahmen:</a:t>
             </a:r>
             <a:br>
-              <a:rPr lang="de-DE" smtClean="0"/>
+              <a:rPr lang="de-DE"/>
             </a:br>
             <a:r>
-              <a:rPr lang="de-DE" smtClean="0"/>
+              <a:rPr lang="de-DE"/>
               <a:t>1. Teilchenerhaltung innerhalb der Struktur</a:t>
             </a:r>
             <a:br>
-              <a:rPr lang="de-DE" smtClean="0"/>
+              <a:rPr lang="de-DE"/>
             </a:br>
             <a:r>
-              <a:rPr lang="de-DE" smtClean="0"/>
+              <a:rPr lang="de-DE"/>
               <a:t>2. Ausschließlich elastische Streuprozesse (kohörenter</a:t>
             </a:r>
             <a:r>
-              <a:rPr lang="de-DE" baseline="0" smtClean="0"/>
+              <a:rPr lang="de-DE" baseline="0"/>
               <a:t> Grenzfall)</a:t>
             </a:r>
             <a:br>
-              <a:rPr lang="de-DE" baseline="0" smtClean="0"/>
+              <a:rPr lang="de-DE" baseline="0"/>
             </a:br>
             <a:r>
-              <a:rPr lang="de-DE" baseline="0" smtClean="0"/>
+              <a:rPr lang="de-DE" baseline="0"/>
               <a:t>3. Reservoire verhalten sich wie schwarze Strahler, </a:t>
             </a:r>
             <a:r>
-              <a:rPr lang="de-DE" smtClean="0"/>
+              <a:rPr lang="de-DE"/>
               <a:t>Elektronen werden hier erzeugt / absorbiert</a:t>
             </a:r>
           </a:p>
           <a:p>
             <a:r>
-              <a:rPr lang="de-DE" smtClean="0"/>
+              <a:rPr lang="de-DE"/>
               <a:t>4. Halbleiterschichten sind unendlich ausgedehnt</a:t>
             </a:r>
             <a:br>
-              <a:rPr lang="de-DE" smtClean="0"/>
+              <a:rPr lang="de-DE"/>
             </a:br>
             <a:r>
-              <a:rPr lang="de-DE" smtClean="0"/>
+              <a:rPr lang="de-DE"/>
               <a:t>5. zugrundeliegendes Kristallgitter</a:t>
             </a:r>
             <a:r>
-              <a:rPr lang="de-DE" baseline="0" smtClean="0"/>
+              <a:rPr lang="de-DE" baseline="0"/>
               <a:t> wird durch konstante effektive Masse beschrieben</a:t>
             </a:r>
           </a:p>
           <a:p>
             <a:r>
-              <a:rPr lang="de-DE" baseline="0" smtClean="0"/>
+              <a:rPr lang="de-DE" baseline="0"/>
               <a:t>6. Mean-Field-Näherung</a:t>
             </a:r>
-            <a:endParaRPr lang="de-DE" smtClean="0"/>
+            <a:endParaRPr lang="de-DE"/>
           </a:p>
         </p:txBody>
       </p:sp>
@@ -879,10 +908,9 @@
           <a:lstStyle/>
           <a:p>
             <a:r>
-              <a:rPr lang="de-DE" smtClean="0"/>
+              <a:rPr lang="de-DE"/>
               <a:t>0,1 V</a:t>
             </a:r>
-            <a:endParaRPr lang="de-DE"/>
           </a:p>
         </p:txBody>
       </p:sp>
@@ -911,6 +939,100 @@
         </p:txBody>
       </p:sp>
     </p:spTree>
+  </p:cSld>
+  <p:clrMapOvr>
+    <a:masterClrMapping/>
+  </p:clrMapOvr>
+</p:notes>
+</file>
+
+<file path=ppt/notesSlides/notesSlide5.xml><?xml version="1.0" encoding="utf-8"?>
+<p:notes xmlns:a="http://schemas.openxmlformats.org/drawingml/2006/main" xmlns:r="http://schemas.openxmlformats.org/officeDocument/2006/relationships" xmlns:p="http://schemas.openxmlformats.org/presentationml/2006/main">
+  <p:cSld>
+    <p:spTree>
+      <p:nvGrpSpPr>
+        <p:cNvPr id="1" name=""/>
+        <p:cNvGrpSpPr/>
+        <p:nvPr/>
+      </p:nvGrpSpPr>
+      <p:grpSpPr>
+        <a:xfrm>
+          <a:off x="0" y="0"/>
+          <a:ext cx="0" cy="0"/>
+          <a:chOff x="0" y="0"/>
+          <a:chExt cx="0" cy="0"/>
+        </a:xfrm>
+      </p:grpSpPr>
+      <p:sp>
+        <p:nvSpPr>
+          <p:cNvPr id="2" name="Folienbildplatzhalter 1"/>
+          <p:cNvSpPr>
+            <a:spLocks noGrp="1" noRot="1" noChangeAspect="1"/>
+          </p:cNvSpPr>
+          <p:nvPr>
+            <p:ph type="sldImg"/>
+          </p:nvPr>
+        </p:nvSpPr>
+        <p:spPr/>
+      </p:sp>
+      <p:sp>
+        <p:nvSpPr>
+          <p:cNvPr id="3" name="Notizenplatzhalter 2"/>
+          <p:cNvSpPr>
+            <a:spLocks noGrp="1"/>
+          </p:cNvSpPr>
+          <p:nvPr>
+            <p:ph type="body" idx="1"/>
+          </p:nvPr>
+        </p:nvSpPr>
+        <p:spPr/>
+        <p:txBody>
+          <a:bodyPr/>
+          <a:lstStyle/>
+          <a:p>
+            <a:r>
+              <a:rPr lang="de-DE" dirty="0"/>
+              <a:t>Oben 0V</a:t>
+            </a:r>
+          </a:p>
+          <a:p>
+            <a:r>
+              <a:rPr lang="de-DE" dirty="0"/>
+              <a:t>2x Unten 0.1V</a:t>
+            </a:r>
+          </a:p>
+        </p:txBody>
+      </p:sp>
+      <p:sp>
+        <p:nvSpPr>
+          <p:cNvPr id="4" name="Foliennummernplatzhalter 3"/>
+          <p:cNvSpPr>
+            <a:spLocks noGrp="1"/>
+          </p:cNvSpPr>
+          <p:nvPr>
+            <p:ph type="sldNum" sz="quarter" idx="5"/>
+          </p:nvPr>
+        </p:nvSpPr>
+        <p:spPr/>
+        <p:txBody>
+          <a:bodyPr/>
+          <a:lstStyle/>
+          <a:p>
+            <a:fld id="{31DC6EB7-B8C5-4A13-A184-8A045D6E94E6}" type="slidenum">
+              <a:rPr lang="de-DE" smtClean="0"/>
+              <a:pPr/>
+              <a:t>11</a:t>
+            </a:fld>
+            <a:endParaRPr lang="de-DE"/>
+          </a:p>
+        </p:txBody>
+      </p:sp>
+    </p:spTree>
+    <p:extLst>
+      <p:ext uri="{BB962C8B-B14F-4D97-AF65-F5344CB8AC3E}">
+        <p14:creationId xmlns:p14="http://schemas.microsoft.com/office/powerpoint/2010/main" val="3910316591"/>
+      </p:ext>
+    </p:extLst>
   </p:cSld>
   <p:clrMapOvr>
     <a:masterClrMapping/>
@@ -962,7 +1084,7 @@
           </a:lstStyle>
           <a:p>
             <a:r>
-              <a:rPr lang="de-DE" smtClean="0"/>
+              <a:rPr lang="de-DE"/>
               <a:t>Titelmasterformat durch Klicken bearbeiten</a:t>
             </a:r>
             <a:endParaRPr lang="en-US"/>
@@ -1081,7 +1203,7 @@
           </a:lstStyle>
           <a:p>
             <a:r>
-              <a:rPr lang="de-DE" smtClean="0"/>
+              <a:rPr lang="de-DE"/>
               <a:t>Formatvorlage des Untertitelmasters durch Klicken bearbeiten</a:t>
             </a:r>
             <a:endParaRPr lang="en-US" dirty="0"/>
@@ -1203,7 +1325,7 @@
           </a:lstStyle>
           <a:p>
             <a:r>
-              <a:rPr lang="de-DE" smtClean="0"/>
+              <a:rPr lang="de-DE"/>
               <a:t>Titelmasterformat durch Klicken bearbeiten</a:t>
             </a:r>
             <a:endParaRPr lang="en-US"/>
@@ -1265,35 +1387,35 @@
           <a:p>
             <a:pPr lvl="0"/>
             <a:r>
-              <a:rPr lang="de-DE" smtClean="0"/>
+              <a:rPr lang="de-DE"/>
               <a:t>Textmasterformat bearbeiten</a:t>
             </a:r>
           </a:p>
           <a:p>
             <a:pPr lvl="1"/>
             <a:r>
-              <a:rPr lang="de-DE" smtClean="0"/>
+              <a:rPr lang="de-DE"/>
               <a:t>Zweite Ebene</a:t>
             </a:r>
           </a:p>
           <a:p>
             <a:pPr lvl="2"/>
             <a:r>
-              <a:rPr lang="de-DE" smtClean="0"/>
+              <a:rPr lang="de-DE"/>
               <a:t>Dritte Ebene</a:t>
             </a:r>
           </a:p>
           <a:p>
             <a:pPr lvl="3"/>
             <a:r>
-              <a:rPr lang="de-DE" smtClean="0"/>
+              <a:rPr lang="de-DE"/>
               <a:t>Vierte Ebene</a:t>
             </a:r>
           </a:p>
           <a:p>
             <a:pPr lvl="4"/>
             <a:r>
-              <a:rPr lang="de-DE" smtClean="0"/>
+              <a:rPr lang="de-DE"/>
               <a:t>Fünfte Ebene</a:t>
             </a:r>
             <a:endParaRPr lang="en-US"/>
@@ -1355,35 +1477,35 @@
           <a:p>
             <a:pPr lvl="0"/>
             <a:r>
-              <a:rPr lang="de-DE" smtClean="0"/>
+              <a:rPr lang="de-DE"/>
               <a:t>Textmasterformat bearbeiten</a:t>
             </a:r>
           </a:p>
           <a:p>
             <a:pPr lvl="1"/>
             <a:r>
-              <a:rPr lang="de-DE" smtClean="0"/>
+              <a:rPr lang="de-DE"/>
               <a:t>Zweite Ebene</a:t>
             </a:r>
           </a:p>
           <a:p>
             <a:pPr lvl="2"/>
             <a:r>
-              <a:rPr lang="de-DE" smtClean="0"/>
+              <a:rPr lang="de-DE"/>
               <a:t>Dritte Ebene</a:t>
             </a:r>
           </a:p>
           <a:p>
             <a:pPr lvl="3"/>
             <a:r>
-              <a:rPr lang="de-DE" smtClean="0"/>
+              <a:rPr lang="de-DE"/>
               <a:t>Vierte Ebene</a:t>
             </a:r>
           </a:p>
           <a:p>
             <a:pPr lvl="4"/>
             <a:r>
-              <a:rPr lang="de-DE" smtClean="0"/>
+              <a:rPr lang="de-DE"/>
               <a:t>Fünfte Ebene</a:t>
             </a:r>
             <a:endParaRPr lang="en-US"/>
@@ -1553,38 +1675,37 @@
           <a:p>
             <a:pPr lvl="0"/>
             <a:r>
-              <a:rPr lang="de-DE" dirty="0" smtClean="0"/>
+              <a:rPr lang="de-DE" dirty="0"/>
               <a:t>Textmasterformate durch Klicken bearbeiten</a:t>
             </a:r>
           </a:p>
           <a:p>
             <a:pPr lvl="1"/>
             <a:r>
-              <a:rPr lang="de-DE" dirty="0" smtClean="0"/>
+              <a:rPr lang="de-DE" dirty="0"/>
               <a:t>Zweite Ebene</a:t>
             </a:r>
           </a:p>
           <a:p>
             <a:pPr lvl="2"/>
             <a:r>
-              <a:rPr lang="de-DE" dirty="0" smtClean="0"/>
+              <a:rPr lang="de-DE" dirty="0"/>
               <a:t>Dritte Ebene</a:t>
             </a:r>
           </a:p>
           <a:p>
             <a:pPr lvl="3"/>
             <a:r>
-              <a:rPr lang="de-DE" dirty="0" smtClean="0"/>
+              <a:rPr lang="de-DE" dirty="0"/>
               <a:t>Vierte Ebene</a:t>
             </a:r>
           </a:p>
           <a:p>
             <a:pPr lvl="4"/>
             <a:r>
-              <a:rPr lang="de-DE" dirty="0" smtClean="0"/>
+              <a:rPr lang="de-DE" dirty="0"/>
               <a:t>Fünfte Ebene</a:t>
             </a:r>
-            <a:endParaRPr lang="de-DE" dirty="0"/>
           </a:p>
         </p:txBody>
       </p:sp>
@@ -1657,10 +1778,9 @@
           <a:p>
             <a:pPr lvl="0"/>
             <a:r>
-              <a:rPr lang="de-DE" dirty="0" smtClean="0"/>
+              <a:rPr lang="de-DE" dirty="0"/>
               <a:t>Quelle: </a:t>
             </a:r>
-            <a:endParaRPr lang="de-DE" dirty="0"/>
           </a:p>
         </p:txBody>
       </p:sp>
@@ -1790,10 +1910,9 @@
           </a:lstStyle>
           <a:p>
             <a:r>
-              <a:rPr lang="de-DE" smtClean="0"/>
+              <a:rPr lang="de-DE"/>
               <a:t>1. Einleitung</a:t>
             </a:r>
-            <a:endParaRPr lang="de-DE"/>
           </a:p>
         </p:txBody>
       </p:sp>
@@ -1945,7 +2064,7 @@
           <a:lstStyle/>
           <a:p>
             <a:r>
-              <a:rPr lang="de-DE" smtClean="0"/>
+              <a:rPr lang="de-DE"/>
               <a:t>Titelmasterformat durch Klicken bearbeiten</a:t>
             </a:r>
             <a:endParaRPr lang="en-US" dirty="0"/>
@@ -1979,38 +2098,38 @@
           <a:p>
             <a:pPr lvl="0"/>
             <a:r>
-              <a:rPr lang="de-DE" smtClean="0"/>
+              <a:rPr lang="de-DE"/>
               <a:t>Textmasterformat bearbeiten</a:t>
             </a:r>
           </a:p>
           <a:p>
             <a:pPr lvl="1"/>
             <a:r>
-              <a:rPr lang="de-DE" smtClean="0"/>
+              <a:rPr lang="de-DE"/>
               <a:t>Zweite Ebene</a:t>
             </a:r>
           </a:p>
           <a:p>
             <a:pPr lvl="2"/>
             <a:r>
-              <a:rPr lang="de-DE" smtClean="0"/>
+              <a:rPr lang="de-DE"/>
               <a:t>Dritte Ebene</a:t>
             </a:r>
           </a:p>
           <a:p>
             <a:pPr lvl="3"/>
             <a:r>
-              <a:rPr lang="de-DE" smtClean="0"/>
+              <a:rPr lang="de-DE"/>
               <a:t>Vierte Ebene</a:t>
             </a:r>
           </a:p>
           <a:p>
             <a:pPr lvl="4"/>
             <a:r>
-              <a:rPr lang="de-DE" smtClean="0"/>
+              <a:rPr lang="de-DE"/>
               <a:t>Fünfte Ebene</a:t>
             </a:r>
-            <a:endParaRPr lang="en-US" dirty="0" smtClean="0"/>
+            <a:endParaRPr lang="en-US" dirty="0"/>
           </a:p>
         </p:txBody>
       </p:sp>
@@ -2127,10 +2246,9 @@
           </a:lstStyle>
           <a:p>
             <a:r>
-              <a:rPr lang="de-DE" smtClean="0"/>
+              <a:rPr lang="de-DE"/>
               <a:t>1. Einleitung</a:t>
             </a:r>
-            <a:endParaRPr lang="de-DE"/>
           </a:p>
         </p:txBody>
       </p:sp>
@@ -2520,24 +2638,23 @@
           <a:lstStyle/>
           <a:p>
             <a:r>
-              <a:rPr lang="de-DE" sz="4000" smtClean="0"/>
+              <a:rPr lang="de-DE" sz="4000"/>
               <a:t>Diskontinuierlich-Galerkin-Verfahren  </a:t>
             </a:r>
             <a:br>
-              <a:rPr lang="de-DE" sz="4000" smtClean="0"/>
+              <a:rPr lang="de-DE" sz="4000"/>
             </a:br>
             <a:r>
-              <a:rPr lang="de-DE" sz="4000" smtClean="0"/>
+              <a:rPr lang="de-DE" sz="4000"/>
               <a:t>	für die </a:t>
             </a:r>
             <a:br>
-              <a:rPr lang="de-DE" sz="4000" smtClean="0"/>
+              <a:rPr lang="de-DE" sz="4000"/>
             </a:br>
             <a:r>
-              <a:rPr lang="de-DE" sz="4000" smtClean="0"/>
+              <a:rPr lang="de-DE" sz="4000"/>
               <a:t>		Liouville-von-Neumann-Gleichung</a:t>
             </a:r>
-            <a:endParaRPr lang="de-DE" sz="4000"/>
           </a:p>
         </p:txBody>
       </p:sp>
@@ -2700,18 +2817,13 @@
           </a:lstStyle>
           <a:p>
             <a:r>
-              <a:rPr lang="de-DE" sz="1800" smtClean="0">
+              <a:rPr lang="de-DE" sz="1800">
                 <a:solidFill>
                   <a:schemeClr val="tx1"/>
                 </a:solidFill>
               </a:rPr>
               <a:t>03.02.2020</a:t>
             </a:r>
-            <a:endParaRPr lang="de-DE" sz="1800">
-              <a:solidFill>
-                <a:schemeClr val="tx1"/>
-              </a:solidFill>
-            </a:endParaRPr>
           </a:p>
         </p:txBody>
       </p:sp>
@@ -2834,10 +2946,9 @@
           </a:lstStyle>
           <a:p>
             <a:r>
-              <a:rPr lang="de-DE" sz="1800" smtClean="0"/>
+              <a:rPr lang="de-DE" sz="1800"/>
               <a:t>Matthias Jaeger &amp; Asena Oelschläger</a:t>
             </a:r>
-            <a:endParaRPr lang="de-DE" sz="1800"/>
           </a:p>
         </p:txBody>
       </p:sp>
@@ -2846,17 +2957,1063 @@
   <p:clrMapOvr>
     <a:masterClrMapping/>
   </p:clrMapOvr>
+</p:sld>
+</file>
+
+<file path=ppt/slides/slide10.xml><?xml version="1.0" encoding="utf-8"?>
+<p:sld xmlns:a="http://schemas.openxmlformats.org/drawingml/2006/main" xmlns:r="http://schemas.openxmlformats.org/officeDocument/2006/relationships" xmlns:p="http://schemas.openxmlformats.org/presentationml/2006/main">
+  <p:cSld>
+    <p:spTree>
+      <p:nvGrpSpPr>
+        <p:cNvPr id="1" name=""/>
+        <p:cNvGrpSpPr/>
+        <p:nvPr/>
+      </p:nvGrpSpPr>
+      <p:grpSpPr>
+        <a:xfrm>
+          <a:off x="0" y="0"/>
+          <a:ext cx="0" cy="0"/>
+          <a:chOff x="0" y="0"/>
+          <a:chExt cx="0" cy="0"/>
+        </a:xfrm>
+      </p:grpSpPr>
+      <p:sp>
+        <p:nvSpPr>
+          <p:cNvPr id="3" name="Foliennummernplatzhalter 2"/>
+          <p:cNvSpPr>
+            <a:spLocks noGrp="1"/>
+          </p:cNvSpPr>
+          <p:nvPr>
+            <p:ph type="sldNum" sz="quarter" idx="12"/>
+          </p:nvPr>
+        </p:nvSpPr>
+        <p:spPr/>
+        <p:txBody>
+          <a:bodyPr/>
+          <a:lstStyle/>
+          <a:p>
+            <a:fld id="{1A73E011-4CD9-4D05-A24A-32BCD9CDCEE7}" type="slidenum">
+              <a:rPr lang="de-DE" smtClean="0"/>
+              <a:pPr/>
+              <a:t>10</a:t>
+            </a:fld>
+            <a:endParaRPr lang="de-DE"/>
+          </a:p>
+        </p:txBody>
+      </p:sp>
+      <p:sp>
+        <p:nvSpPr>
+          <p:cNvPr id="5" name="Fußzeilenplatzhalter 4"/>
+          <p:cNvSpPr>
+            <a:spLocks noGrp="1"/>
+          </p:cNvSpPr>
+          <p:nvPr>
+            <p:ph type="ftr" sz="quarter" idx="3"/>
+          </p:nvPr>
+        </p:nvSpPr>
+        <p:spPr/>
+        <p:txBody>
+          <a:bodyPr/>
+          <a:lstStyle/>
+          <a:p>
+            <a:r>
+              <a:rPr lang="de-DE"/>
+              <a:t>1. Einleitung</a:t>
+            </a:r>
+          </a:p>
+        </p:txBody>
+      </p:sp>
+      <p:pic>
+        <p:nvPicPr>
+          <p:cNvPr id="12" name="Grafik 11"/>
+          <p:cNvPicPr>
+            <a:picLocks noChangeAspect="1"/>
+          </p:cNvPicPr>
+          <p:nvPr/>
+        </p:nvPicPr>
+        <p:blipFill>
+          <a:blip r:embed="rId2">
+            <a:extLst>
+              <a:ext uri="{28A0092B-C50C-407E-A947-70E740481C1C}">
+                <a14:useLocalDpi xmlns:a14="http://schemas.microsoft.com/office/drawing/2010/main" val="0"/>
+              </a:ext>
+            </a:extLst>
+          </a:blip>
+          <a:stretch>
+            <a:fillRect/>
+          </a:stretch>
+        </p:blipFill>
+        <p:spPr>
+          <a:xfrm>
+            <a:off x="1805249" y="1357000"/>
+            <a:ext cx="5533501" cy="4144000"/>
+          </a:xfrm>
+          <a:prstGeom prst="rect">
+            <a:avLst/>
+          </a:prstGeom>
+        </p:spPr>
+      </p:pic>
+      <p:pic>
+        <p:nvPicPr>
+          <p:cNvPr id="13" name="Grafik 12"/>
+          <p:cNvPicPr>
+            <a:picLocks noChangeAspect="1"/>
+          </p:cNvPicPr>
+          <p:nvPr/>
+        </p:nvPicPr>
+        <p:blipFill>
+          <a:blip r:embed="rId3">
+            <a:extLst>
+              <a:ext uri="{28A0092B-C50C-407E-A947-70E740481C1C}">
+                <a14:useLocalDpi xmlns:a14="http://schemas.microsoft.com/office/drawing/2010/main" val="0"/>
+              </a:ext>
+            </a:extLst>
+          </a:blip>
+          <a:stretch>
+            <a:fillRect/>
+          </a:stretch>
+        </p:blipFill>
+        <p:spPr>
+          <a:xfrm>
+            <a:off x="1811748" y="1357000"/>
+            <a:ext cx="5533501" cy="4144000"/>
+          </a:xfrm>
+          <a:prstGeom prst="rect">
+            <a:avLst/>
+          </a:prstGeom>
+        </p:spPr>
+      </p:pic>
+      <p:pic>
+        <p:nvPicPr>
+          <p:cNvPr id="14" name="Grafik 13"/>
+          <p:cNvPicPr>
+            <a:picLocks noChangeAspect="1"/>
+          </p:cNvPicPr>
+          <p:nvPr/>
+        </p:nvPicPr>
+        <p:blipFill>
+          <a:blip r:embed="rId4">
+            <a:extLst>
+              <a:ext uri="{28A0092B-C50C-407E-A947-70E740481C1C}">
+                <a14:useLocalDpi xmlns:a14="http://schemas.microsoft.com/office/drawing/2010/main" val="0"/>
+              </a:ext>
+            </a:extLst>
+          </a:blip>
+          <a:stretch>
+            <a:fillRect/>
+          </a:stretch>
+        </p:blipFill>
+        <p:spPr>
+          <a:xfrm>
+            <a:off x="1811748" y="1357000"/>
+            <a:ext cx="5533501" cy="4144000"/>
+          </a:xfrm>
+          <a:prstGeom prst="rect">
+            <a:avLst/>
+          </a:prstGeom>
+        </p:spPr>
+      </p:pic>
+      <p:pic>
+        <p:nvPicPr>
+          <p:cNvPr id="15" name="Grafik 14"/>
+          <p:cNvPicPr>
+            <a:picLocks noChangeAspect="1"/>
+          </p:cNvPicPr>
+          <p:nvPr/>
+        </p:nvPicPr>
+        <p:blipFill>
+          <a:blip r:embed="rId5">
+            <a:extLst>
+              <a:ext uri="{28A0092B-C50C-407E-A947-70E740481C1C}">
+                <a14:useLocalDpi xmlns:a14="http://schemas.microsoft.com/office/drawing/2010/main" val="0"/>
+              </a:ext>
+            </a:extLst>
+          </a:blip>
+          <a:stretch>
+            <a:fillRect/>
+          </a:stretch>
+        </p:blipFill>
+        <p:spPr>
+          <a:xfrm>
+            <a:off x="1811748" y="1357000"/>
+            <a:ext cx="5533501" cy="4144000"/>
+          </a:xfrm>
+          <a:prstGeom prst="rect">
+            <a:avLst/>
+          </a:prstGeom>
+        </p:spPr>
+      </p:pic>
+      <p:pic>
+        <p:nvPicPr>
+          <p:cNvPr id="16" name="Grafik 15"/>
+          <p:cNvPicPr>
+            <a:picLocks noChangeAspect="1"/>
+          </p:cNvPicPr>
+          <p:nvPr/>
+        </p:nvPicPr>
+        <p:blipFill>
+          <a:blip r:embed="rId6">
+            <a:extLst>
+              <a:ext uri="{28A0092B-C50C-407E-A947-70E740481C1C}">
+                <a14:useLocalDpi xmlns:a14="http://schemas.microsoft.com/office/drawing/2010/main" val="0"/>
+              </a:ext>
+            </a:extLst>
+          </a:blip>
+          <a:stretch>
+            <a:fillRect/>
+          </a:stretch>
+        </p:blipFill>
+        <p:spPr>
+          <a:xfrm>
+            <a:off x="1811748" y="1357000"/>
+            <a:ext cx="5533501" cy="4144000"/>
+          </a:xfrm>
+          <a:prstGeom prst="rect">
+            <a:avLst/>
+          </a:prstGeom>
+        </p:spPr>
+      </p:pic>
+      <p:pic>
+        <p:nvPicPr>
+          <p:cNvPr id="1027" name="Picture 3" descr="C:\Users\jaeger\Documents\Repos\NL-FEM\Code\DG_hybrid\results\plots\vortrag\Ly_var_all.png"/>
+          <p:cNvPicPr>
+            <a:picLocks noChangeAspect="1" noChangeArrowheads="1"/>
+          </p:cNvPicPr>
+          <p:nvPr/>
+        </p:nvPicPr>
+        <p:blipFill>
+          <a:blip r:embed="rId7">
+            <a:extLst>
+              <a:ext uri="{28A0092B-C50C-407E-A947-70E740481C1C}">
+                <a14:useLocalDpi xmlns:a14="http://schemas.microsoft.com/office/drawing/2010/main" val="0"/>
+              </a:ext>
+            </a:extLst>
+          </a:blip>
+          <a:srcRect/>
+          <a:stretch>
+            <a:fillRect/>
+          </a:stretch>
+        </p:blipFill>
+        <p:spPr bwMode="auto">
+          <a:xfrm>
+            <a:off x="1814749" y="1357000"/>
+            <a:ext cx="5528630" cy="4144000"/>
+          </a:xfrm>
+          <a:prstGeom prst="rect">
+            <a:avLst/>
+          </a:prstGeom>
+          <a:noFill/>
+          <a:extLst>
+            <a:ext uri="{909E8E84-426E-40DD-AFC4-6F175D3DCCD1}">
+              <a14:hiddenFill xmlns:a14="http://schemas.microsoft.com/office/drawing/2010/main">
+                <a:solidFill>
+                  <a:srgbClr val="FFFFFF"/>
+                </a:solidFill>
+              </a14:hiddenFill>
+            </a:ext>
+          </a:extLst>
+        </p:spPr>
+      </p:pic>
+    </p:spTree>
+    <p:extLst>
+      <p:ext uri="{BB962C8B-B14F-4D97-AF65-F5344CB8AC3E}">
+        <p14:creationId xmlns:p14="http://schemas.microsoft.com/office/powerpoint/2010/main" val="3046894800"/>
+      </p:ext>
+    </p:extLst>
+  </p:cSld>
+  <p:clrMapOvr>
+    <a:masterClrMapping/>
+  </p:clrMapOvr>
   <p:timing>
     <p:tnLst>
       <p:par>
-        <p:cTn id="1" dur="indefinite" restart="never" nodeType="tmRoot"/>
+        <p:cTn id="1" dur="indefinite" restart="never" nodeType="tmRoot">
+          <p:childTnLst>
+            <p:seq concurrent="1" nextAc="seek">
+              <p:cTn id="2" dur="indefinite" nodeType="mainSeq">
+                <p:childTnLst>
+                  <p:par>
+                    <p:cTn id="3" fill="hold">
+                      <p:stCondLst>
+                        <p:cond delay="indefinite"/>
+                      </p:stCondLst>
+                      <p:childTnLst>
+                        <p:par>
+                          <p:cTn id="4" fill="hold">
+                            <p:stCondLst>
+                              <p:cond delay="0"/>
+                            </p:stCondLst>
+                            <p:childTnLst>
+                              <p:par>
+                                <p:cTn id="5" presetID="1" presetClass="exit" presetSubtype="0" fill="hold" nodeType="clickEffect">
+                                  <p:stCondLst>
+                                    <p:cond delay="0"/>
+                                  </p:stCondLst>
+                                  <p:childTnLst>
+                                    <p:set>
+                                      <p:cBhvr>
+                                        <p:cTn id="6" dur="1" fill="hold">
+                                          <p:stCondLst>
+                                            <p:cond delay="0"/>
+                                          </p:stCondLst>
+                                        </p:cTn>
+                                        <p:tgtEl>
+                                          <p:spTgt spid="1027"/>
+                                        </p:tgtEl>
+                                        <p:attrNameLst>
+                                          <p:attrName>style.visibility</p:attrName>
+                                        </p:attrNameLst>
+                                      </p:cBhvr>
+                                      <p:to>
+                                        <p:strVal val="hidden"/>
+                                      </p:to>
+                                    </p:set>
+                                  </p:childTnLst>
+                                </p:cTn>
+                              </p:par>
+                              <p:par>
+                                <p:cTn id="7" presetID="1" presetClass="entr" presetSubtype="0" fill="hold" nodeType="withEffect">
+                                  <p:stCondLst>
+                                    <p:cond delay="0"/>
+                                  </p:stCondLst>
+                                  <p:childTnLst>
+                                    <p:set>
+                                      <p:cBhvr>
+                                        <p:cTn id="8" dur="1" fill="hold">
+                                          <p:stCondLst>
+                                            <p:cond delay="0"/>
+                                          </p:stCondLst>
+                                        </p:cTn>
+                                        <p:tgtEl>
+                                          <p:spTgt spid="12"/>
+                                        </p:tgtEl>
+                                        <p:attrNameLst>
+                                          <p:attrName>style.visibility</p:attrName>
+                                        </p:attrNameLst>
+                                      </p:cBhvr>
+                                      <p:to>
+                                        <p:strVal val="visible"/>
+                                      </p:to>
+                                    </p:set>
+                                  </p:childTnLst>
+                                </p:cTn>
+                              </p:par>
+                            </p:childTnLst>
+                          </p:cTn>
+                        </p:par>
+                      </p:childTnLst>
+                    </p:cTn>
+                  </p:par>
+                  <p:par>
+                    <p:cTn id="9" fill="hold">
+                      <p:stCondLst>
+                        <p:cond delay="indefinite"/>
+                      </p:stCondLst>
+                      <p:childTnLst>
+                        <p:par>
+                          <p:cTn id="10" fill="hold">
+                            <p:stCondLst>
+                              <p:cond delay="0"/>
+                            </p:stCondLst>
+                            <p:childTnLst>
+                              <p:par>
+                                <p:cTn id="11" presetID="1" presetClass="exit" presetSubtype="0" fill="hold" nodeType="clickEffect">
+                                  <p:stCondLst>
+                                    <p:cond delay="0"/>
+                                  </p:stCondLst>
+                                  <p:childTnLst>
+                                    <p:set>
+                                      <p:cBhvr>
+                                        <p:cTn id="12" dur="1" fill="hold">
+                                          <p:stCondLst>
+                                            <p:cond delay="0"/>
+                                          </p:stCondLst>
+                                        </p:cTn>
+                                        <p:tgtEl>
+                                          <p:spTgt spid="12"/>
+                                        </p:tgtEl>
+                                        <p:attrNameLst>
+                                          <p:attrName>style.visibility</p:attrName>
+                                        </p:attrNameLst>
+                                      </p:cBhvr>
+                                      <p:to>
+                                        <p:strVal val="hidden"/>
+                                      </p:to>
+                                    </p:set>
+                                  </p:childTnLst>
+                                </p:cTn>
+                              </p:par>
+                              <p:par>
+                                <p:cTn id="13" presetID="1" presetClass="entr" presetSubtype="0" fill="hold" nodeType="withEffect">
+                                  <p:stCondLst>
+                                    <p:cond delay="0"/>
+                                  </p:stCondLst>
+                                  <p:childTnLst>
+                                    <p:set>
+                                      <p:cBhvr>
+                                        <p:cTn id="14" dur="1" fill="hold">
+                                          <p:stCondLst>
+                                            <p:cond delay="0"/>
+                                          </p:stCondLst>
+                                        </p:cTn>
+                                        <p:tgtEl>
+                                          <p:spTgt spid="13"/>
+                                        </p:tgtEl>
+                                        <p:attrNameLst>
+                                          <p:attrName>style.visibility</p:attrName>
+                                        </p:attrNameLst>
+                                      </p:cBhvr>
+                                      <p:to>
+                                        <p:strVal val="visible"/>
+                                      </p:to>
+                                    </p:set>
+                                  </p:childTnLst>
+                                </p:cTn>
+                              </p:par>
+                            </p:childTnLst>
+                          </p:cTn>
+                        </p:par>
+                      </p:childTnLst>
+                    </p:cTn>
+                  </p:par>
+                  <p:par>
+                    <p:cTn id="15" fill="hold">
+                      <p:stCondLst>
+                        <p:cond delay="indefinite"/>
+                      </p:stCondLst>
+                      <p:childTnLst>
+                        <p:par>
+                          <p:cTn id="16" fill="hold">
+                            <p:stCondLst>
+                              <p:cond delay="0"/>
+                            </p:stCondLst>
+                            <p:childTnLst>
+                              <p:par>
+                                <p:cTn id="17" presetID="1" presetClass="exit" presetSubtype="0" fill="hold" nodeType="clickEffect">
+                                  <p:stCondLst>
+                                    <p:cond delay="0"/>
+                                  </p:stCondLst>
+                                  <p:childTnLst>
+                                    <p:set>
+                                      <p:cBhvr>
+                                        <p:cTn id="18" dur="1" fill="hold">
+                                          <p:stCondLst>
+                                            <p:cond delay="0"/>
+                                          </p:stCondLst>
+                                        </p:cTn>
+                                        <p:tgtEl>
+                                          <p:spTgt spid="13"/>
+                                        </p:tgtEl>
+                                        <p:attrNameLst>
+                                          <p:attrName>style.visibility</p:attrName>
+                                        </p:attrNameLst>
+                                      </p:cBhvr>
+                                      <p:to>
+                                        <p:strVal val="hidden"/>
+                                      </p:to>
+                                    </p:set>
+                                  </p:childTnLst>
+                                </p:cTn>
+                              </p:par>
+                              <p:par>
+                                <p:cTn id="19" presetID="1" presetClass="entr" presetSubtype="0" fill="hold" nodeType="withEffect">
+                                  <p:stCondLst>
+                                    <p:cond delay="0"/>
+                                  </p:stCondLst>
+                                  <p:childTnLst>
+                                    <p:set>
+                                      <p:cBhvr>
+                                        <p:cTn id="20" dur="1" fill="hold">
+                                          <p:stCondLst>
+                                            <p:cond delay="0"/>
+                                          </p:stCondLst>
+                                        </p:cTn>
+                                        <p:tgtEl>
+                                          <p:spTgt spid="14"/>
+                                        </p:tgtEl>
+                                        <p:attrNameLst>
+                                          <p:attrName>style.visibility</p:attrName>
+                                        </p:attrNameLst>
+                                      </p:cBhvr>
+                                      <p:to>
+                                        <p:strVal val="visible"/>
+                                      </p:to>
+                                    </p:set>
+                                  </p:childTnLst>
+                                </p:cTn>
+                              </p:par>
+                            </p:childTnLst>
+                          </p:cTn>
+                        </p:par>
+                      </p:childTnLst>
+                    </p:cTn>
+                  </p:par>
+                  <p:par>
+                    <p:cTn id="21" fill="hold">
+                      <p:stCondLst>
+                        <p:cond delay="indefinite"/>
+                      </p:stCondLst>
+                      <p:childTnLst>
+                        <p:par>
+                          <p:cTn id="22" fill="hold">
+                            <p:stCondLst>
+                              <p:cond delay="0"/>
+                            </p:stCondLst>
+                            <p:childTnLst>
+                              <p:par>
+                                <p:cTn id="23" presetID="1" presetClass="exit" presetSubtype="0" fill="hold" nodeType="clickEffect">
+                                  <p:stCondLst>
+                                    <p:cond delay="0"/>
+                                  </p:stCondLst>
+                                  <p:childTnLst>
+                                    <p:set>
+                                      <p:cBhvr>
+                                        <p:cTn id="24" dur="1" fill="hold">
+                                          <p:stCondLst>
+                                            <p:cond delay="0"/>
+                                          </p:stCondLst>
+                                        </p:cTn>
+                                        <p:tgtEl>
+                                          <p:spTgt spid="14"/>
+                                        </p:tgtEl>
+                                        <p:attrNameLst>
+                                          <p:attrName>style.visibility</p:attrName>
+                                        </p:attrNameLst>
+                                      </p:cBhvr>
+                                      <p:to>
+                                        <p:strVal val="hidden"/>
+                                      </p:to>
+                                    </p:set>
+                                  </p:childTnLst>
+                                </p:cTn>
+                              </p:par>
+                              <p:par>
+                                <p:cTn id="25" presetID="1" presetClass="entr" presetSubtype="0" fill="hold" nodeType="withEffect">
+                                  <p:stCondLst>
+                                    <p:cond delay="0"/>
+                                  </p:stCondLst>
+                                  <p:childTnLst>
+                                    <p:set>
+                                      <p:cBhvr>
+                                        <p:cTn id="26" dur="1" fill="hold">
+                                          <p:stCondLst>
+                                            <p:cond delay="0"/>
+                                          </p:stCondLst>
+                                        </p:cTn>
+                                        <p:tgtEl>
+                                          <p:spTgt spid="15"/>
+                                        </p:tgtEl>
+                                        <p:attrNameLst>
+                                          <p:attrName>style.visibility</p:attrName>
+                                        </p:attrNameLst>
+                                      </p:cBhvr>
+                                      <p:to>
+                                        <p:strVal val="visible"/>
+                                      </p:to>
+                                    </p:set>
+                                  </p:childTnLst>
+                                </p:cTn>
+                              </p:par>
+                            </p:childTnLst>
+                          </p:cTn>
+                        </p:par>
+                      </p:childTnLst>
+                    </p:cTn>
+                  </p:par>
+                  <p:par>
+                    <p:cTn id="27" fill="hold">
+                      <p:stCondLst>
+                        <p:cond delay="indefinite"/>
+                      </p:stCondLst>
+                      <p:childTnLst>
+                        <p:par>
+                          <p:cTn id="28" fill="hold">
+                            <p:stCondLst>
+                              <p:cond delay="0"/>
+                            </p:stCondLst>
+                            <p:childTnLst>
+                              <p:par>
+                                <p:cTn id="29" presetID="1" presetClass="exit" presetSubtype="0" fill="hold" nodeType="clickEffect">
+                                  <p:stCondLst>
+                                    <p:cond delay="0"/>
+                                  </p:stCondLst>
+                                  <p:childTnLst>
+                                    <p:set>
+                                      <p:cBhvr>
+                                        <p:cTn id="30" dur="1" fill="hold">
+                                          <p:stCondLst>
+                                            <p:cond delay="0"/>
+                                          </p:stCondLst>
+                                        </p:cTn>
+                                        <p:tgtEl>
+                                          <p:spTgt spid="15"/>
+                                        </p:tgtEl>
+                                        <p:attrNameLst>
+                                          <p:attrName>style.visibility</p:attrName>
+                                        </p:attrNameLst>
+                                      </p:cBhvr>
+                                      <p:to>
+                                        <p:strVal val="hidden"/>
+                                      </p:to>
+                                    </p:set>
+                                  </p:childTnLst>
+                                </p:cTn>
+                              </p:par>
+                              <p:par>
+                                <p:cTn id="31" presetID="1" presetClass="entr" presetSubtype="0" fill="hold" nodeType="withEffect">
+                                  <p:stCondLst>
+                                    <p:cond delay="0"/>
+                                  </p:stCondLst>
+                                  <p:childTnLst>
+                                    <p:set>
+                                      <p:cBhvr>
+                                        <p:cTn id="32" dur="1" fill="hold">
+                                          <p:stCondLst>
+                                            <p:cond delay="0"/>
+                                          </p:stCondLst>
+                                        </p:cTn>
+                                        <p:tgtEl>
+                                          <p:spTgt spid="16"/>
+                                        </p:tgtEl>
+                                        <p:attrNameLst>
+                                          <p:attrName>style.visibility</p:attrName>
+                                        </p:attrNameLst>
+                                      </p:cBhvr>
+                                      <p:to>
+                                        <p:strVal val="visible"/>
+                                      </p:to>
+                                    </p:set>
+                                  </p:childTnLst>
+                                </p:cTn>
+                              </p:par>
+                            </p:childTnLst>
+                          </p:cTn>
+                        </p:par>
+                      </p:childTnLst>
+                    </p:cTn>
+                  </p:par>
+                  <p:par>
+                    <p:cTn id="33" fill="hold">
+                      <p:stCondLst>
+                        <p:cond delay="indefinite"/>
+                      </p:stCondLst>
+                      <p:childTnLst>
+                        <p:par>
+                          <p:cTn id="34" fill="hold">
+                            <p:stCondLst>
+                              <p:cond delay="0"/>
+                            </p:stCondLst>
+                            <p:childTnLst>
+                              <p:par>
+                                <p:cTn id="35" presetID="1" presetClass="exit" presetSubtype="0" fill="hold" nodeType="clickEffect">
+                                  <p:stCondLst>
+                                    <p:cond delay="0"/>
+                                  </p:stCondLst>
+                                  <p:childTnLst>
+                                    <p:set>
+                                      <p:cBhvr>
+                                        <p:cTn id="36" dur="1" fill="hold">
+                                          <p:stCondLst>
+                                            <p:cond delay="0"/>
+                                          </p:stCondLst>
+                                        </p:cTn>
+                                        <p:tgtEl>
+                                          <p:spTgt spid="16"/>
+                                        </p:tgtEl>
+                                        <p:attrNameLst>
+                                          <p:attrName>style.visibility</p:attrName>
+                                        </p:attrNameLst>
+                                      </p:cBhvr>
+                                      <p:to>
+                                        <p:strVal val="hidden"/>
+                                      </p:to>
+                                    </p:set>
+                                  </p:childTnLst>
+                                </p:cTn>
+                              </p:par>
+                            </p:childTnLst>
+                          </p:cTn>
+                        </p:par>
+                      </p:childTnLst>
+                    </p:cTn>
+                  </p:par>
+                </p:childTnLst>
+              </p:cTn>
+              <p:prevCondLst>
+                <p:cond evt="onPrev" delay="0">
+                  <p:tgtEl>
+                    <p:sldTgt/>
+                  </p:tgtEl>
+                </p:cond>
+              </p:prevCondLst>
+              <p:nextCondLst>
+                <p:cond evt="onNext" delay="0">
+                  <p:tgtEl>
+                    <p:sldTgt/>
+                  </p:tgtEl>
+                </p:cond>
+              </p:nextCondLst>
+            </p:seq>
+          </p:childTnLst>
+        </p:cTn>
       </p:par>
     </p:tnLst>
   </p:timing>
 </p:sld>
 </file>
 
-<file path=ppt/slides/slide10.xml><?xml version="1.0" encoding="utf-8"?>
+<file path=ppt/slides/slide11.xml><?xml version="1.0" encoding="utf-8"?>
+<p:sld xmlns:a="http://schemas.openxmlformats.org/drawingml/2006/main" xmlns:r="http://schemas.openxmlformats.org/officeDocument/2006/relationships" xmlns:p="http://schemas.openxmlformats.org/presentationml/2006/main">
+  <p:cSld>
+    <p:spTree>
+      <p:nvGrpSpPr>
+        <p:cNvPr id="1" name=""/>
+        <p:cNvGrpSpPr/>
+        <p:nvPr/>
+      </p:nvGrpSpPr>
+      <p:grpSpPr>
+        <a:xfrm>
+          <a:off x="0" y="0"/>
+          <a:ext cx="0" cy="0"/>
+          <a:chOff x="0" y="0"/>
+          <a:chExt cx="0" cy="0"/>
+        </a:xfrm>
+      </p:grpSpPr>
+      <p:sp>
+        <p:nvSpPr>
+          <p:cNvPr id="3" name="Foliennummernplatzhalter 2"/>
+          <p:cNvSpPr>
+            <a:spLocks noGrp="1"/>
+          </p:cNvSpPr>
+          <p:nvPr>
+            <p:ph type="sldNum" sz="quarter" idx="12"/>
+          </p:nvPr>
+        </p:nvSpPr>
+        <p:spPr/>
+        <p:txBody>
+          <a:bodyPr/>
+          <a:lstStyle/>
+          <a:p>
+            <a:fld id="{1A73E011-4CD9-4D05-A24A-32BCD9CDCEE7}" type="slidenum">
+              <a:rPr lang="de-DE" smtClean="0"/>
+              <a:pPr/>
+              <a:t>11</a:t>
+            </a:fld>
+            <a:endParaRPr lang="de-DE"/>
+          </a:p>
+        </p:txBody>
+      </p:sp>
+      <p:sp>
+        <p:nvSpPr>
+          <p:cNvPr id="5" name="Fußzeilenplatzhalter 4"/>
+          <p:cNvSpPr>
+            <a:spLocks noGrp="1"/>
+          </p:cNvSpPr>
+          <p:nvPr>
+            <p:ph type="ftr" sz="quarter" idx="3"/>
+          </p:nvPr>
+        </p:nvSpPr>
+        <p:spPr/>
+        <p:txBody>
+          <a:bodyPr/>
+          <a:lstStyle/>
+          <a:p>
+            <a:r>
+              <a:rPr lang="de-DE"/>
+              <a:t>1. Einleitung</a:t>
+            </a:r>
+          </a:p>
+        </p:txBody>
+      </p:sp>
+      <p:pic>
+        <p:nvPicPr>
+          <p:cNvPr id="41" name="Grafik 40" descr="Ein Bild, das Monitor, Screenshot, Bildschirm, Fernsehen enthält.&#10;&#10;Automatisch generierte Beschreibung">
+            <a:extLst>
+              <a:ext uri="{FF2B5EF4-FFF2-40B4-BE49-F238E27FC236}">
+                <a16:creationId xmlns:a16="http://schemas.microsoft.com/office/drawing/2014/main" id="{495B97F8-E567-4972-B1A6-49E1B4F21702}"/>
+              </a:ext>
+            </a:extLst>
+          </p:cNvPr>
+          <p:cNvPicPr>
+            <a:picLocks noChangeAspect="1"/>
+          </p:cNvPicPr>
+          <p:nvPr/>
+        </p:nvPicPr>
+        <p:blipFill>
+          <a:blip r:embed="rId3" cstate="print">
+            <a:extLst>
+              <a:ext uri="{28A0092B-C50C-407E-A947-70E740481C1C}">
+                <a14:useLocalDpi xmlns:a14="http://schemas.microsoft.com/office/drawing/2010/main" val="0"/>
+              </a:ext>
+            </a:extLst>
+          </a:blip>
+          <a:stretch>
+            <a:fillRect/>
+          </a:stretch>
+        </p:blipFill>
+        <p:spPr>
+          <a:xfrm>
+            <a:off x="3635896" y="4642544"/>
+            <a:ext cx="4752528" cy="1959977"/>
+          </a:xfrm>
+          <a:prstGeom prst="rect">
+            <a:avLst/>
+          </a:prstGeom>
+        </p:spPr>
+      </p:pic>
+      <p:pic>
+        <p:nvPicPr>
+          <p:cNvPr id="49" name="Grafik 48" descr="Ein Bild, das Zeichnung, Computer enthält.&#10;&#10;Automatisch generierte Beschreibung">
+            <a:extLst>
+              <a:ext uri="{FF2B5EF4-FFF2-40B4-BE49-F238E27FC236}">
+                <a16:creationId xmlns:a16="http://schemas.microsoft.com/office/drawing/2014/main" id="{D378A2BC-7F25-4981-82AA-E985100DB12F}"/>
+              </a:ext>
+            </a:extLst>
+          </p:cNvPr>
+          <p:cNvPicPr>
+            <a:picLocks noChangeAspect="1"/>
+          </p:cNvPicPr>
+          <p:nvPr/>
+        </p:nvPicPr>
+        <p:blipFill>
+          <a:blip r:embed="rId4" cstate="print">
+            <a:extLst>
+              <a:ext uri="{28A0092B-C50C-407E-A947-70E740481C1C}">
+                <a14:useLocalDpi xmlns:a14="http://schemas.microsoft.com/office/drawing/2010/main" val="0"/>
+              </a:ext>
+            </a:extLst>
+          </a:blip>
+          <a:stretch>
+            <a:fillRect/>
+          </a:stretch>
+        </p:blipFill>
+        <p:spPr>
+          <a:xfrm>
+            <a:off x="1979712" y="2554504"/>
+            <a:ext cx="4672094" cy="1962799"/>
+          </a:xfrm>
+          <a:prstGeom prst="rect">
+            <a:avLst/>
+          </a:prstGeom>
+        </p:spPr>
+      </p:pic>
+      <p:pic>
+        <p:nvPicPr>
+          <p:cNvPr id="51" name="Grafik 50" descr="Ein Bild, das Screenshot, Zeichnung enthält.&#10;&#10;Automatisch generierte Beschreibung">
+            <a:extLst>
+              <a:ext uri="{FF2B5EF4-FFF2-40B4-BE49-F238E27FC236}">
+                <a16:creationId xmlns:a16="http://schemas.microsoft.com/office/drawing/2014/main" id="{B2E5BCD3-99A0-4D00-8FA9-03F11685BF2C}"/>
+              </a:ext>
+            </a:extLst>
+          </p:cNvPr>
+          <p:cNvPicPr>
+            <a:picLocks noChangeAspect="1"/>
+          </p:cNvPicPr>
+          <p:nvPr/>
+        </p:nvPicPr>
+        <p:blipFill>
+          <a:blip r:embed="rId5" cstate="print">
+            <a:extLst>
+              <a:ext uri="{28A0092B-C50C-407E-A947-70E740481C1C}">
+                <a14:useLocalDpi xmlns:a14="http://schemas.microsoft.com/office/drawing/2010/main" val="0"/>
+              </a:ext>
+            </a:extLst>
+          </a:blip>
+          <a:stretch>
+            <a:fillRect/>
+          </a:stretch>
+        </p:blipFill>
+        <p:spPr>
+          <a:xfrm>
+            <a:off x="179512" y="466316"/>
+            <a:ext cx="4769627" cy="1963423"/>
+          </a:xfrm>
+          <a:prstGeom prst="rect">
+            <a:avLst/>
+          </a:prstGeom>
+        </p:spPr>
+      </p:pic>
+    </p:spTree>
+    <p:extLst>
+      <p:ext uri="{BB962C8B-B14F-4D97-AF65-F5344CB8AC3E}">
+        <p14:creationId xmlns:p14="http://schemas.microsoft.com/office/powerpoint/2010/main" val="653351432"/>
+      </p:ext>
+    </p:extLst>
+  </p:cSld>
+  <p:clrMapOvr>
+    <a:masterClrMapping/>
+  </p:clrMapOvr>
+</p:sld>
+</file>
+
+<file path=ppt/slides/slide12.xml><?xml version="1.0" encoding="utf-8"?>
+<p:sld xmlns:a="http://schemas.openxmlformats.org/drawingml/2006/main" xmlns:r="http://schemas.openxmlformats.org/officeDocument/2006/relationships" xmlns:p="http://schemas.openxmlformats.org/presentationml/2006/main">
+  <p:cSld>
+    <p:spTree>
+      <p:nvGrpSpPr>
+        <p:cNvPr id="1" name=""/>
+        <p:cNvGrpSpPr/>
+        <p:nvPr/>
+      </p:nvGrpSpPr>
+      <p:grpSpPr>
+        <a:xfrm>
+          <a:off x="0" y="0"/>
+          <a:ext cx="0" cy="0"/>
+          <a:chOff x="0" y="0"/>
+          <a:chExt cx="0" cy="0"/>
+        </a:xfrm>
+      </p:grpSpPr>
+      <p:sp>
+        <p:nvSpPr>
+          <p:cNvPr id="3" name="Foliennummernplatzhalter 2"/>
+          <p:cNvSpPr>
+            <a:spLocks noGrp="1"/>
+          </p:cNvSpPr>
+          <p:nvPr>
+            <p:ph type="sldNum" sz="quarter" idx="12"/>
+          </p:nvPr>
+        </p:nvSpPr>
+        <p:spPr/>
+        <p:txBody>
+          <a:bodyPr/>
+          <a:lstStyle/>
+          <a:p>
+            <a:fld id="{1A73E011-4CD9-4D05-A24A-32BCD9CDCEE7}" type="slidenum">
+              <a:rPr lang="de-DE" smtClean="0"/>
+              <a:pPr/>
+              <a:t>12</a:t>
+            </a:fld>
+            <a:endParaRPr lang="de-DE"/>
+          </a:p>
+        </p:txBody>
+      </p:sp>
+      <p:sp>
+        <p:nvSpPr>
+          <p:cNvPr id="4" name="Textplatzhalter 3"/>
+          <p:cNvSpPr>
+            <a:spLocks noGrp="1"/>
+          </p:cNvSpPr>
+          <p:nvPr>
+            <p:ph type="body" sz="quarter" idx="13"/>
+          </p:nvPr>
+        </p:nvSpPr>
+        <p:spPr/>
+        <p:txBody>
+          <a:bodyPr/>
+          <a:lstStyle/>
+          <a:p>
+            <a:endParaRPr lang="de-DE"/>
+          </a:p>
+        </p:txBody>
+      </p:sp>
+      <p:sp>
+        <p:nvSpPr>
+          <p:cNvPr id="5" name="Fußzeilenplatzhalter 4"/>
+          <p:cNvSpPr>
+            <a:spLocks noGrp="1"/>
+          </p:cNvSpPr>
+          <p:nvPr>
+            <p:ph type="ftr" sz="quarter" idx="3"/>
+          </p:nvPr>
+        </p:nvSpPr>
+        <p:spPr/>
+        <p:txBody>
+          <a:bodyPr/>
+          <a:lstStyle/>
+          <a:p>
+            <a:r>
+              <a:rPr lang="de-DE"/>
+              <a:t>1. Einleitung</a:t>
+            </a:r>
+          </a:p>
+        </p:txBody>
+      </p:sp>
+      <p:pic>
+        <p:nvPicPr>
+          <p:cNvPr id="15" name="Grafik 14">
+            <a:extLst>
+              <a:ext uri="{FF2B5EF4-FFF2-40B4-BE49-F238E27FC236}">
+                <a16:creationId xmlns:a16="http://schemas.microsoft.com/office/drawing/2014/main" id="{42B1EA03-0CAA-43CF-9AF4-A559AE296421}"/>
+              </a:ext>
+            </a:extLst>
+          </p:cNvPr>
+          <p:cNvPicPr>
+            <a:picLocks noChangeAspect="1"/>
+          </p:cNvPicPr>
+          <p:nvPr/>
+        </p:nvPicPr>
+        <p:blipFill>
+          <a:blip r:embed="rId2">
+            <a:extLst>
+              <a:ext uri="{28A0092B-C50C-407E-A947-70E740481C1C}">
+                <a14:useLocalDpi xmlns:a14="http://schemas.microsoft.com/office/drawing/2010/main" val="0"/>
+              </a:ext>
+            </a:extLst>
+          </a:blip>
+          <a:stretch>
+            <a:fillRect/>
+          </a:stretch>
+        </p:blipFill>
+        <p:spPr>
+          <a:xfrm>
+            <a:off x="251520" y="188640"/>
+            <a:ext cx="6481810" cy="4991136"/>
+          </a:xfrm>
+          <a:prstGeom prst="rect">
+            <a:avLst/>
+          </a:prstGeom>
+        </p:spPr>
+      </p:pic>
+      <p:pic>
+        <p:nvPicPr>
+          <p:cNvPr id="17" name="Grafik 16">
+            <a:extLst>
+              <a:ext uri="{FF2B5EF4-FFF2-40B4-BE49-F238E27FC236}">
+                <a16:creationId xmlns:a16="http://schemas.microsoft.com/office/drawing/2014/main" id="{265CAAAB-4BED-41B1-B87D-D81BA8DF7D68}"/>
+              </a:ext>
+            </a:extLst>
+          </p:cNvPr>
+          <p:cNvPicPr>
+            <a:picLocks noChangeAspect="1"/>
+          </p:cNvPicPr>
+          <p:nvPr/>
+        </p:nvPicPr>
+        <p:blipFill>
+          <a:blip r:embed="rId3">
+            <a:extLst>
+              <a:ext uri="{28A0092B-C50C-407E-A947-70E740481C1C}">
+                <a14:useLocalDpi xmlns:a14="http://schemas.microsoft.com/office/drawing/2010/main" val="0"/>
+              </a:ext>
+            </a:extLst>
+          </a:blip>
+          <a:stretch>
+            <a:fillRect/>
+          </a:stretch>
+        </p:blipFill>
+        <p:spPr>
+          <a:xfrm>
+            <a:off x="3775675" y="1753605"/>
+            <a:ext cx="6481810" cy="4833973"/>
+          </a:xfrm>
+          <a:prstGeom prst="rect">
+            <a:avLst/>
+          </a:prstGeom>
+        </p:spPr>
+      </p:pic>
+    </p:spTree>
+    <p:extLst>
+      <p:ext uri="{BB962C8B-B14F-4D97-AF65-F5344CB8AC3E}">
+        <p14:creationId xmlns:p14="http://schemas.microsoft.com/office/powerpoint/2010/main" val="524671156"/>
+      </p:ext>
+    </p:extLst>
+  </p:cSld>
+  <p:clrMapOvr>
+    <a:masterClrMapping/>
+  </p:clrMapOvr>
+</p:sld>
+</file>
+
+<file path=ppt/slides/slide13.xml><?xml version="1.0" encoding="utf-8"?>
 <p:sld xmlns:a="http://schemas.openxmlformats.org/drawingml/2006/main" xmlns:r="http://schemas.openxmlformats.org/officeDocument/2006/relationships" xmlns:p="http://schemas.openxmlformats.org/presentationml/2006/main">
   <p:cSld>
     <p:spTree>
@@ -2910,7 +4067,7 @@
             <a:fld id="{1A73E011-4CD9-4D05-A24A-32BCD9CDCEE7}" type="slidenum">
               <a:rPr lang="de-DE" smtClean="0"/>
               <a:pPr/>
-              <a:t>10</a:t>
+              <a:t>13</a:t>
             </a:fld>
             <a:endParaRPr lang="de-DE"/>
           </a:p>
@@ -2951,254 +4108,9 @@
           <a:lstStyle/>
           <a:p>
             <a:r>
-              <a:rPr lang="de-DE" smtClean="0"/>
+              <a:rPr lang="de-DE"/>
               <a:t>1. Einleitung</a:t>
             </a:r>
-            <a:endParaRPr lang="de-DE"/>
-          </a:p>
-        </p:txBody>
-      </p:sp>
-    </p:spTree>
-    <p:extLst>
-      <p:ext uri="{BB962C8B-B14F-4D97-AF65-F5344CB8AC3E}">
-        <p14:creationId xmlns:p14="http://schemas.microsoft.com/office/powerpoint/2010/main" val="653351432"/>
-      </p:ext>
-    </p:extLst>
-  </p:cSld>
-  <p:clrMapOvr>
-    <a:masterClrMapping/>
-  </p:clrMapOvr>
-  <p:timing>
-    <p:tnLst>
-      <p:par>
-        <p:cTn id="1" dur="indefinite" restart="never" nodeType="tmRoot"/>
-      </p:par>
-    </p:tnLst>
-  </p:timing>
-</p:sld>
-</file>
-
-<file path=ppt/slides/slide11.xml><?xml version="1.0" encoding="utf-8"?>
-<p:sld xmlns:a="http://schemas.openxmlformats.org/drawingml/2006/main" xmlns:r="http://schemas.openxmlformats.org/officeDocument/2006/relationships" xmlns:p="http://schemas.openxmlformats.org/presentationml/2006/main">
-  <p:cSld>
-    <p:spTree>
-      <p:nvGrpSpPr>
-        <p:cNvPr id="1" name=""/>
-        <p:cNvGrpSpPr/>
-        <p:nvPr/>
-      </p:nvGrpSpPr>
-      <p:grpSpPr>
-        <a:xfrm>
-          <a:off x="0" y="0"/>
-          <a:ext cx="0" cy="0"/>
-          <a:chOff x="0" y="0"/>
-          <a:chExt cx="0" cy="0"/>
-        </a:xfrm>
-      </p:grpSpPr>
-      <p:sp>
-        <p:nvSpPr>
-          <p:cNvPr id="2" name="Inhaltsplatzhalter 1"/>
-          <p:cNvSpPr>
-            <a:spLocks noGrp="1"/>
-          </p:cNvSpPr>
-          <p:nvPr>
-            <p:ph idx="1"/>
-          </p:nvPr>
-        </p:nvSpPr>
-        <p:spPr/>
-        <p:txBody>
-          <a:bodyPr/>
-          <a:lstStyle/>
-          <a:p>
-            <a:endParaRPr lang="de-DE"/>
-          </a:p>
-        </p:txBody>
-      </p:sp>
-      <p:sp>
-        <p:nvSpPr>
-          <p:cNvPr id="3" name="Foliennummernplatzhalter 2"/>
-          <p:cNvSpPr>
-            <a:spLocks noGrp="1"/>
-          </p:cNvSpPr>
-          <p:nvPr>
-            <p:ph type="sldNum" sz="quarter" idx="12"/>
-          </p:nvPr>
-        </p:nvSpPr>
-        <p:spPr/>
-        <p:txBody>
-          <a:bodyPr/>
-          <a:lstStyle/>
-          <a:p>
-            <a:fld id="{1A73E011-4CD9-4D05-A24A-32BCD9CDCEE7}" type="slidenum">
-              <a:rPr lang="de-DE" smtClean="0"/>
-              <a:pPr/>
-              <a:t>11</a:t>
-            </a:fld>
-            <a:endParaRPr lang="de-DE"/>
-          </a:p>
-        </p:txBody>
-      </p:sp>
-      <p:sp>
-        <p:nvSpPr>
-          <p:cNvPr id="4" name="Textplatzhalter 3"/>
-          <p:cNvSpPr>
-            <a:spLocks noGrp="1"/>
-          </p:cNvSpPr>
-          <p:nvPr>
-            <p:ph type="body" sz="quarter" idx="13"/>
-          </p:nvPr>
-        </p:nvSpPr>
-        <p:spPr/>
-        <p:txBody>
-          <a:bodyPr/>
-          <a:lstStyle/>
-          <a:p>
-            <a:endParaRPr lang="de-DE"/>
-          </a:p>
-        </p:txBody>
-      </p:sp>
-      <p:sp>
-        <p:nvSpPr>
-          <p:cNvPr id="5" name="Fußzeilenplatzhalter 4"/>
-          <p:cNvSpPr>
-            <a:spLocks noGrp="1"/>
-          </p:cNvSpPr>
-          <p:nvPr>
-            <p:ph type="ftr" sz="quarter" idx="3"/>
-          </p:nvPr>
-        </p:nvSpPr>
-        <p:spPr/>
-        <p:txBody>
-          <a:bodyPr/>
-          <a:lstStyle/>
-          <a:p>
-            <a:r>
-              <a:rPr lang="de-DE" smtClean="0"/>
-              <a:t>1. Einleitung</a:t>
-            </a:r>
-            <a:endParaRPr lang="de-DE"/>
-          </a:p>
-        </p:txBody>
-      </p:sp>
-    </p:spTree>
-    <p:extLst>
-      <p:ext uri="{BB962C8B-B14F-4D97-AF65-F5344CB8AC3E}">
-        <p14:creationId xmlns:p14="http://schemas.microsoft.com/office/powerpoint/2010/main" val="524671156"/>
-      </p:ext>
-    </p:extLst>
-  </p:cSld>
-  <p:clrMapOvr>
-    <a:masterClrMapping/>
-  </p:clrMapOvr>
-  <p:timing>
-    <p:tnLst>
-      <p:par>
-        <p:cTn id="1" dur="indefinite" restart="never" nodeType="tmRoot"/>
-      </p:par>
-    </p:tnLst>
-  </p:timing>
-</p:sld>
-</file>
-
-<file path=ppt/slides/slide12.xml><?xml version="1.0" encoding="utf-8"?>
-<p:sld xmlns:a="http://schemas.openxmlformats.org/drawingml/2006/main" xmlns:r="http://schemas.openxmlformats.org/officeDocument/2006/relationships" xmlns:p="http://schemas.openxmlformats.org/presentationml/2006/main">
-  <p:cSld>
-    <p:spTree>
-      <p:nvGrpSpPr>
-        <p:cNvPr id="1" name=""/>
-        <p:cNvGrpSpPr/>
-        <p:nvPr/>
-      </p:nvGrpSpPr>
-      <p:grpSpPr>
-        <a:xfrm>
-          <a:off x="0" y="0"/>
-          <a:ext cx="0" cy="0"/>
-          <a:chOff x="0" y="0"/>
-          <a:chExt cx="0" cy="0"/>
-        </a:xfrm>
-      </p:grpSpPr>
-      <p:sp>
-        <p:nvSpPr>
-          <p:cNvPr id="2" name="Inhaltsplatzhalter 1"/>
-          <p:cNvSpPr>
-            <a:spLocks noGrp="1"/>
-          </p:cNvSpPr>
-          <p:nvPr>
-            <p:ph idx="1"/>
-          </p:nvPr>
-        </p:nvSpPr>
-        <p:spPr/>
-        <p:txBody>
-          <a:bodyPr/>
-          <a:lstStyle/>
-          <a:p>
-            <a:endParaRPr lang="de-DE"/>
-          </a:p>
-        </p:txBody>
-      </p:sp>
-      <p:sp>
-        <p:nvSpPr>
-          <p:cNvPr id="3" name="Foliennummernplatzhalter 2"/>
-          <p:cNvSpPr>
-            <a:spLocks noGrp="1"/>
-          </p:cNvSpPr>
-          <p:nvPr>
-            <p:ph type="sldNum" sz="quarter" idx="12"/>
-          </p:nvPr>
-        </p:nvSpPr>
-        <p:spPr/>
-        <p:txBody>
-          <a:bodyPr/>
-          <a:lstStyle/>
-          <a:p>
-            <a:fld id="{1A73E011-4CD9-4D05-A24A-32BCD9CDCEE7}" type="slidenum">
-              <a:rPr lang="de-DE" smtClean="0"/>
-              <a:pPr/>
-              <a:t>12</a:t>
-            </a:fld>
-            <a:endParaRPr lang="de-DE"/>
-          </a:p>
-        </p:txBody>
-      </p:sp>
-      <p:sp>
-        <p:nvSpPr>
-          <p:cNvPr id="4" name="Textplatzhalter 3"/>
-          <p:cNvSpPr>
-            <a:spLocks noGrp="1"/>
-          </p:cNvSpPr>
-          <p:nvPr>
-            <p:ph type="body" sz="quarter" idx="13"/>
-          </p:nvPr>
-        </p:nvSpPr>
-        <p:spPr/>
-        <p:txBody>
-          <a:bodyPr/>
-          <a:lstStyle/>
-          <a:p>
-            <a:endParaRPr lang="de-DE"/>
-          </a:p>
-        </p:txBody>
-      </p:sp>
-      <p:sp>
-        <p:nvSpPr>
-          <p:cNvPr id="5" name="Fußzeilenplatzhalter 4"/>
-          <p:cNvSpPr>
-            <a:spLocks noGrp="1"/>
-          </p:cNvSpPr>
-          <p:nvPr>
-            <p:ph type="ftr" sz="quarter" idx="3"/>
-          </p:nvPr>
-        </p:nvSpPr>
-        <p:spPr/>
-        <p:txBody>
-          <a:bodyPr/>
-          <a:lstStyle/>
-          <a:p>
-            <a:r>
-              <a:rPr lang="de-DE" smtClean="0"/>
-              <a:t>1. Einleitung</a:t>
-            </a:r>
-            <a:endParaRPr lang="de-DE"/>
           </a:p>
         </p:txBody>
       </p:sp>
@@ -3212,17 +4124,10 @@
   <p:clrMapOvr>
     <a:masterClrMapping/>
   </p:clrMapOvr>
-  <p:timing>
-    <p:tnLst>
-      <p:par>
-        <p:cTn id="1" dur="indefinite" restart="never" nodeType="tmRoot"/>
-      </p:par>
-    </p:tnLst>
-  </p:timing>
 </p:sld>
 </file>
 
-<file path=ppt/slides/slide13.xml><?xml version="1.0" encoding="utf-8"?>
+<file path=ppt/slides/slide14.xml><?xml version="1.0" encoding="utf-8"?>
 <p:sld xmlns:a="http://schemas.openxmlformats.org/drawingml/2006/main" xmlns:r="http://schemas.openxmlformats.org/officeDocument/2006/relationships" xmlns:p="http://schemas.openxmlformats.org/presentationml/2006/main">
   <p:cSld>
     <p:spTree>
@@ -3265,7 +4170,7 @@
               <a:buNone/>
             </a:pPr>
             <a:r>
-              <a:rPr lang="de-DE" sz="1800" smtClean="0"/>
+              <a:rPr lang="de-DE" sz="1800"/>
               <a:t>[1] </a:t>
             </a:r>
             <a:r>
@@ -3273,32 +4178,16 @@
               <a:t>William R Frensley. </a:t>
             </a:r>
             <a:r>
-              <a:rPr lang="en-US" sz="1800" i="1" smtClean="0"/>
-              <a:t>Wigner-function </a:t>
-            </a:r>
-            <a:r>
               <a:rPr lang="en-US" sz="1800" i="1"/>
-              <a:t>model of a resonant-tunneling </a:t>
-            </a:r>
-            <a:r>
-              <a:rPr lang="en-US" sz="1800" i="1" smtClean="0"/>
-              <a:t>semiconductor device</a:t>
-            </a:r>
-            <a:r>
-              <a:rPr lang="en-US" sz="1800" smtClean="0"/>
-              <a:t>. </a:t>
+              <a:t>Wigner-function model of a resonant-tunneling semiconductor device</a:t>
             </a:r>
             <a:r>
               <a:rPr lang="en-US" sz="1800"/>
-              <a:t>In: </a:t>
+              <a:t>. In: </a:t>
             </a:r>
             <a:r>
               <a:rPr lang="en-US" sz="1800" i="1"/>
-              <a:t>Physical Review </a:t>
-            </a:r>
-            <a:r>
-              <a:rPr lang="en-US" sz="1800" i="1" smtClean="0"/>
-              <a:t>B</a:t>
+              <a:t>Physical Review B</a:t>
             </a:r>
           </a:p>
           <a:p>
@@ -3306,18 +4195,10 @@
               <a:buNone/>
             </a:pPr>
             <a:r>
-              <a:rPr lang="en-US" sz="1800" smtClean="0"/>
-              <a:t>36.3 </a:t>
-            </a:r>
-            <a:r>
               <a:rPr lang="en-US" sz="1800"/>
-              <a:t>(1987), S. 1570</a:t>
-            </a:r>
-            <a:r>
-              <a:rPr lang="en-US" sz="1800" smtClean="0"/>
-              <a:t>.</a:t>
-            </a:r>
-            <a:endParaRPr lang="de-DE" sz="1800" smtClean="0"/>
+              <a:t>36.3 (1987), S. 1570.</a:t>
+            </a:r>
+            <a:endParaRPr lang="de-DE" sz="1800"/>
           </a:p>
           <a:p>
             <a:pPr>
@@ -3325,52 +4206,31 @@
             </a:pPr>
             <a:r>
               <a:rPr lang="de-DE" sz="1800"/>
-              <a:t>[2] Kreuzer, C</a:t>
-            </a:r>
-            <a:r>
-              <a:rPr lang="de-DE" sz="1800" smtClean="0"/>
-              <a:t>. </a:t>
+              <a:t>[2] Kreuzer, C. Vorlesungsskript </a:t>
+            </a:r>
+            <a:r>
+              <a:rPr lang="de-DE" sz="1800" i="1"/>
+              <a:t>Finite Elemente Methoden</a:t>
             </a:r>
             <a:r>
               <a:rPr lang="de-DE" sz="1800"/>
-              <a:t>Vorlesungsskript </a:t>
-            </a:r>
-            <a:r>
-              <a:rPr lang="de-DE" sz="1800" i="1" smtClean="0"/>
-              <a:t>Finite </a:t>
-            </a:r>
-            <a:r>
-              <a:rPr lang="de-DE" sz="1800" i="1"/>
-              <a:t>Elemente </a:t>
-            </a:r>
-            <a:r>
-              <a:rPr lang="de-DE" sz="1800" i="1" smtClean="0"/>
-              <a:t>Methoden</a:t>
-            </a:r>
-            <a:r>
-              <a:rPr lang="de-DE" sz="1800" smtClean="0"/>
-              <a:t>. </a:t>
-            </a:r>
-            <a:r>
-              <a:rPr lang="de-DE" sz="1800"/>
-              <a:t>TU Dortmund, 2019.</a:t>
-            </a:r>
-            <a:endParaRPr lang="de-DE" sz="1800" smtClean="0"/>
+              <a:t>. TU Dortmund, 2019.</a:t>
+            </a:r>
           </a:p>
           <a:p>
             <a:pPr>
               <a:buNone/>
             </a:pPr>
             <a:r>
-              <a:rPr lang="de-DE" sz="1800" smtClean="0"/>
+              <a:rPr lang="de-DE" sz="1800"/>
               <a:t>[3] Verfürth, R. Vorlesungsskript </a:t>
             </a:r>
             <a:r>
-              <a:rPr lang="de-DE" sz="1800" i="1" smtClean="0"/>
+              <a:rPr lang="de-DE" sz="1800" i="1"/>
               <a:t>Numerik II, Finite Elemente</a:t>
             </a:r>
             <a:r>
-              <a:rPr lang="de-DE" sz="1800" smtClean="0"/>
+              <a:rPr lang="de-DE" sz="1800"/>
               <a:t>. Ruhr-Universität Bochum, 2016. </a:t>
             </a:r>
           </a:p>
@@ -3379,16 +4239,8 @@
               <a:buNone/>
             </a:pPr>
             <a:r>
-              <a:rPr lang="de-DE" sz="1800" smtClean="0"/>
-              <a:t>[4] </a:t>
-            </a:r>
-            <a:r>
               <a:rPr lang="de-DE" sz="1800"/>
-              <a:t>Hesthaven, J. S., &amp; Warburton, T</a:t>
-            </a:r>
-            <a:r>
-              <a:rPr lang="de-DE" sz="1800" smtClean="0"/>
-              <a:t>. </a:t>
+              <a:t>[4] Hesthaven, J. S., &amp; Warburton, T. </a:t>
             </a:r>
             <a:r>
               <a:rPr lang="de-DE" sz="1800" i="1"/>
@@ -3396,11 +4248,7 @@
             </a:r>
             <a:r>
               <a:rPr lang="de-DE" sz="1800"/>
-              <a:t>. Springer Science &amp; Business </a:t>
-            </a:r>
-            <a:r>
-              <a:rPr lang="de-DE" sz="1800" smtClean="0"/>
-              <a:t>Media, 2007. </a:t>
+              <a:t>. Springer Science &amp; Business Media, 2007. </a:t>
             </a:r>
           </a:p>
         </p:txBody>
@@ -3423,7 +4271,7 @@
             <a:fld id="{1A73E011-4CD9-4D05-A24A-32BCD9CDCEE7}" type="slidenum">
               <a:rPr lang="de-DE" smtClean="0"/>
               <a:pPr/>
-              <a:t>13</a:t>
+              <a:t>14</a:t>
             </a:fld>
             <a:endParaRPr lang="de-DE"/>
           </a:p>
@@ -3468,7 +4316,7 @@
               <a:defRPr/>
             </a:pPr>
             <a:r>
-              <a:rPr kumimoji="0" lang="de-DE" sz="4400" b="0" i="0" u="none" strike="noStrike" kern="1200" cap="none" spc="0" normalizeH="0" baseline="0" noProof="0" smtClean="0">
+              <a:rPr kumimoji="0" lang="de-DE" sz="4400" b="0" i="0" u="none" strike="noStrike" kern="1200" cap="none" spc="0" normalizeH="0" baseline="0" noProof="0">
                 <a:ln>
                   <a:noFill/>
                 </a:ln>
@@ -3484,20 +4332,6 @@
               </a:rPr>
               <a:t>Quellen</a:t>
             </a:r>
-            <a:endParaRPr kumimoji="0" lang="de-DE" sz="4400" b="0" i="0" u="none" strike="noStrike" kern="1200" cap="none" spc="0" normalizeH="0" baseline="0" noProof="0">
-              <a:ln>
-                <a:noFill/>
-              </a:ln>
-              <a:solidFill>
-                <a:schemeClr val="tx1"/>
-              </a:solidFill>
-              <a:effectLst/>
-              <a:uLnTx/>
-              <a:uFillTx/>
-              <a:latin typeface="Adobe Arabic" pitchFamily="18" charset="-78"/>
-              <a:ea typeface="+mj-ea"/>
-              <a:cs typeface="Adobe Arabic" pitchFamily="18" charset="-78"/>
-            </a:endParaRPr>
           </a:p>
         </p:txBody>
       </p:sp>
@@ -3517,10 +4351,9 @@
           <a:lstStyle/>
           <a:p>
             <a:r>
-              <a:rPr lang="de-DE" smtClean="0"/>
+              <a:rPr lang="de-DE"/>
               <a:t>1. Einleitung</a:t>
             </a:r>
-            <a:endParaRPr lang="de-DE"/>
           </a:p>
         </p:txBody>
       </p:sp>
@@ -3529,13 +4362,6 @@
   <p:clrMapOvr>
     <a:masterClrMapping/>
   </p:clrMapOvr>
-  <p:timing>
-    <p:tnLst>
-      <p:par>
-        <p:cTn id="1" dur="indefinite" restart="never" nodeType="tmRoot"/>
-      </p:par>
-    </p:tnLst>
-  </p:timing>
 </p:sld>
 </file>
 
@@ -3678,7 +4504,7 @@
           </a:lstStyle>
           <a:p>
             <a:r>
-              <a:rPr lang="de-DE" smtClean="0"/>
+              <a:rPr lang="de-DE"/>
               <a:t>Inhalt</a:t>
             </a:r>
             <a:endParaRPr lang="de-DE" sz="3200"/>
@@ -3876,7 +4702,7 @@
               <a:buAutoNum type="arabicPeriod"/>
             </a:pPr>
             <a:r>
-              <a:rPr lang="de-DE" sz="2400" smtClean="0"/>
+              <a:rPr lang="de-DE" sz="2400"/>
               <a:t>Einleitung</a:t>
             </a:r>
           </a:p>
@@ -3886,7 +4712,7 @@
               <a:buAutoNum type="arabicPeriod"/>
             </a:pPr>
             <a:r>
-              <a:rPr lang="de-DE" sz="2400" smtClean="0"/>
+              <a:rPr lang="de-DE" sz="2400"/>
               <a:t>Modell</a:t>
             </a:r>
           </a:p>
@@ -3896,7 +4722,7 @@
               <a:buAutoNum type="arabicPeriod"/>
             </a:pPr>
             <a:r>
-              <a:rPr lang="de-DE" sz="2400" smtClean="0"/>
+              <a:rPr lang="de-DE" sz="2400"/>
               <a:t>Motivation</a:t>
             </a:r>
           </a:p>
@@ -3906,7 +4732,7 @@
               <a:buAutoNum type="arabicPeriod"/>
             </a:pPr>
             <a:r>
-              <a:rPr lang="de-DE" sz="2400" smtClean="0"/>
+              <a:rPr lang="de-DE" sz="2400"/>
               <a:t>DG-Verfahren</a:t>
             </a:r>
           </a:p>
@@ -3916,7 +4742,7 @@
               <a:buAutoNum type="alphaLcPeriod"/>
             </a:pPr>
             <a:r>
-              <a:rPr lang="de-DE" sz="2000" smtClean="0"/>
+              <a:rPr lang="de-DE" sz="2000"/>
               <a:t>Punkt a</a:t>
             </a:r>
           </a:p>
@@ -3926,7 +4752,7 @@
               <a:buAutoNum type="alphaLcPeriod"/>
             </a:pPr>
             <a:r>
-              <a:rPr lang="de-DE" sz="2000" smtClean="0"/>
+              <a:rPr lang="de-DE" sz="2000"/>
               <a:t>Punkt b</a:t>
             </a:r>
           </a:p>
@@ -3936,7 +4762,7 @@
               <a:buAutoNum type="arabicPeriod"/>
             </a:pPr>
             <a:r>
-              <a:rPr lang="de-DE" sz="2400" smtClean="0"/>
+              <a:rPr lang="de-DE" sz="2400"/>
               <a:t>Ergebnisse</a:t>
             </a:r>
           </a:p>
@@ -3946,7 +4772,7 @@
               <a:buAutoNum type="arabicPeriod"/>
             </a:pPr>
             <a:r>
-              <a:rPr lang="de-DE" sz="2400" smtClean="0"/>
+              <a:rPr lang="de-DE" sz="2400"/>
               <a:t>Fazit</a:t>
             </a:r>
             <a:endParaRPr lang="de-DE" sz="2400" dirty="0"/>
@@ -4071,18 +4897,13 @@
           </a:lstStyle>
           <a:p>
             <a:r>
-              <a:rPr lang="de-DE" sz="1800" smtClean="0">
+              <a:rPr lang="de-DE" sz="1800">
                 <a:solidFill>
                   <a:schemeClr val="tx1"/>
                 </a:solidFill>
               </a:rPr>
               <a:t>03.02.2020</a:t>
             </a:r>
-            <a:endParaRPr lang="de-DE" sz="1800">
-              <a:solidFill>
-                <a:schemeClr val="tx1"/>
-              </a:solidFill>
-            </a:endParaRPr>
           </a:p>
         </p:txBody>
       </p:sp>
@@ -4205,10 +5026,9 @@
           </a:lstStyle>
           <a:p>
             <a:r>
-              <a:rPr lang="de-DE" sz="1800" smtClean="0"/>
+              <a:rPr lang="de-DE" sz="1800"/>
               <a:t>DG-Verfahren für die LNG</a:t>
             </a:r>
-            <a:endParaRPr lang="de-DE" sz="1800"/>
           </a:p>
         </p:txBody>
       </p:sp>
@@ -4222,13 +5042,6 @@
   <p:clrMapOvr>
     <a:overrideClrMapping bg1="dk1" tx1="lt1" bg2="dk2" tx2="lt2" accent1="accent1" accent2="accent2" accent3="accent3" accent4="accent4" accent5="accent5" accent6="accent6" hlink="hlink" folHlink="folHlink"/>
   </p:clrMapOvr>
-  <p:timing>
-    <p:tnLst>
-      <p:par>
-        <p:cTn id="1" dur="indefinite" restart="never" nodeType="tmRoot"/>
-      </p:par>
-    </p:tnLst>
-  </p:timing>
 </p:sld>
 </file>
 
@@ -4530,7 +5343,7 @@
               <a:buNone/>
             </a:pPr>
             <a:r>
-              <a:rPr lang="de-DE" sz="2000" smtClean="0">
+              <a:rPr lang="de-DE" sz="2000">
                 <a:solidFill>
                   <a:schemeClr val="bg1"/>
                 </a:solidFill>
@@ -4538,14 +5351,14 @@
               <a:t>NEGF</a:t>
             </a:r>
             <a:br>
-              <a:rPr lang="de-DE" sz="2000" smtClean="0">
+              <a:rPr lang="de-DE" sz="2000">
                 <a:solidFill>
                   <a:schemeClr val="bg1"/>
                 </a:solidFill>
               </a:rPr>
             </a:br>
             <a:r>
-              <a:rPr lang="de-DE" sz="2000" smtClean="0">
+              <a:rPr lang="de-DE" sz="2000">
                 <a:solidFill>
                   <a:schemeClr val="bg1"/>
                 </a:solidFill>
@@ -4553,14 +5366,14 @@
               <a:t>	QTBM</a:t>
             </a:r>
             <a:br>
-              <a:rPr lang="de-DE" sz="2000" smtClean="0">
+              <a:rPr lang="de-DE" sz="2000">
                 <a:solidFill>
                   <a:schemeClr val="bg1"/>
                 </a:solidFill>
               </a:rPr>
             </a:br>
             <a:r>
-              <a:rPr lang="de-DE" sz="2000" smtClean="0">
+              <a:rPr lang="de-DE" sz="2000">
                 <a:solidFill>
                   <a:schemeClr val="bg1"/>
                 </a:solidFill>
@@ -4568,14 +5381,14 @@
               <a:t>Wigner-Formalismus</a:t>
             </a:r>
             <a:br>
-              <a:rPr lang="de-DE" sz="2000" smtClean="0">
+              <a:rPr lang="de-DE" sz="2000">
                 <a:solidFill>
                   <a:schemeClr val="bg1"/>
                 </a:solidFill>
               </a:rPr>
             </a:br>
             <a:r>
-              <a:rPr lang="de-DE" sz="2000" smtClean="0">
+              <a:rPr lang="de-DE" sz="2000">
                 <a:solidFill>
                   <a:schemeClr val="bg1"/>
                 </a:solidFill>
@@ -4583,14 +5396,14 @@
               <a:t>	LVN</a:t>
             </a:r>
             <a:br>
-              <a:rPr lang="de-DE" sz="2000" smtClean="0">
+              <a:rPr lang="de-DE" sz="2000">
                 <a:solidFill>
                   <a:schemeClr val="bg1"/>
                 </a:solidFill>
               </a:rPr>
             </a:br>
             <a:r>
-              <a:rPr lang="de-DE" sz="2000" smtClean="0">
+              <a:rPr lang="de-DE" sz="2000">
                 <a:solidFill>
                   <a:schemeClr val="bg1"/>
                 </a:solidFill>
@@ -4598,14 +5411,14 @@
               <a:t>Monte-Carlo</a:t>
             </a:r>
             <a:br>
-              <a:rPr lang="de-DE" sz="2000" smtClean="0">
+              <a:rPr lang="de-DE" sz="2000">
                 <a:solidFill>
                   <a:schemeClr val="bg1"/>
                 </a:solidFill>
               </a:rPr>
             </a:br>
             <a:r>
-              <a:rPr lang="de-DE" sz="2000" smtClean="0">
+              <a:rPr lang="de-DE" sz="2000">
                 <a:solidFill>
                   <a:schemeClr val="bg1"/>
                 </a:solidFill>
@@ -4985,7 +5798,7 @@
               <a:buNone/>
             </a:pPr>
             <a:r>
-              <a:rPr lang="de-DE" sz="2000" smtClean="0">
+              <a:rPr lang="de-DE" sz="2000">
                 <a:solidFill>
                   <a:schemeClr val="bg1"/>
                 </a:solidFill>
@@ -5052,10 +5865,9 @@
           <a:lstStyle/>
           <a:p>
             <a:r>
-              <a:rPr lang="de-DE" smtClean="0"/>
+              <a:rPr lang="de-DE"/>
               <a:t>1. Einleitung</a:t>
             </a:r>
-            <a:endParaRPr lang="de-DE"/>
           </a:p>
         </p:txBody>
       </p:sp>
@@ -5069,14 +5881,6 @@
   <p:clrMapOvr>
     <a:masterClrMapping/>
   </p:clrMapOvr>
-  <mc:AlternateContent xmlns:mc="http://schemas.openxmlformats.org/markup-compatibility/2006" xmlns:p14="http://schemas.microsoft.com/office/powerpoint/2010/main">
-    <mc:Choice Requires="p14">
-      <p:transition spd="slow" p14:dur="2000"/>
-    </mc:Choice>
-    <mc:Fallback xmlns="">
-      <p:transition spd="slow"/>
-    </mc:Fallback>
-  </mc:AlternateContent>
   <mc:AlternateContent xmlns:mc="http://schemas.openxmlformats.org/markup-compatibility/2006" xmlns:p14="http://schemas.microsoft.com/office/powerpoint/2010/main">
     <mc:Choice Requires="p14">
       <p:timing>
@@ -6137,52 +6941,51 @@
           <a:lstStyle/>
           <a:p>
             <a:r>
-              <a:rPr lang="de-DE" sz="2800" smtClean="0"/>
+              <a:rPr lang="de-DE" sz="2800"/>
               <a:t>Annahmen</a:t>
             </a:r>
           </a:p>
           <a:p>
             <a:pPr lvl="1"/>
             <a:r>
-              <a:rPr lang="de-DE" sz="2400" smtClean="0"/>
+              <a:rPr lang="de-DE" sz="2400"/>
               <a:t>Teilchenerhaltung innerhalb der Struktur</a:t>
             </a:r>
           </a:p>
           <a:p>
             <a:pPr lvl="1"/>
             <a:r>
-              <a:rPr lang="de-DE" sz="2400" smtClean="0"/>
+              <a:rPr lang="de-DE" sz="2400"/>
               <a:t>Kohärenter Grenzfall</a:t>
             </a:r>
           </a:p>
           <a:p>
             <a:pPr lvl="1"/>
             <a:r>
-              <a:rPr lang="de-DE" sz="2400" smtClean="0"/>
+              <a:rPr lang="de-DE" sz="2400"/>
               <a:t>Reservoire wie schwarze Strahler</a:t>
             </a:r>
           </a:p>
           <a:p>
             <a:pPr lvl="1"/>
             <a:r>
-              <a:rPr lang="de-DE" sz="2400" smtClean="0"/>
+              <a:rPr lang="de-DE" sz="2400"/>
               <a:t>Schichten unendlich ausgedehnt</a:t>
             </a:r>
           </a:p>
           <a:p>
             <a:pPr lvl="1"/>
             <a:r>
-              <a:rPr lang="de-DE" sz="2400" smtClean="0"/>
+              <a:rPr lang="de-DE" sz="2400"/>
               <a:t>Kristallgitter durch effektive Masse beschrieben</a:t>
             </a:r>
           </a:p>
           <a:p>
             <a:pPr lvl="1"/>
             <a:r>
-              <a:rPr lang="de-DE" sz="2400" smtClean="0"/>
+              <a:rPr lang="de-DE" sz="2400"/>
               <a:t>Mean-Field-Näherung</a:t>
             </a:r>
-            <a:endParaRPr lang="de-DE" sz="2400"/>
           </a:p>
         </p:txBody>
       </p:sp>
@@ -6245,10 +7048,9 @@
           <a:lstStyle/>
           <a:p>
             <a:r>
-              <a:rPr lang="de-DE" smtClean="0"/>
+              <a:rPr lang="de-DE"/>
               <a:t>1. Einleitung</a:t>
             </a:r>
-            <a:endParaRPr lang="de-DE"/>
           </a:p>
         </p:txBody>
       </p:sp>
@@ -6303,13 +7105,6 @@
   <p:clrMapOvr>
     <a:masterClrMapping/>
   </p:clrMapOvr>
-  <p:timing>
-    <p:tnLst>
-      <p:par>
-        <p:cTn id="1" dur="indefinite" restart="never" nodeType="tmRoot"/>
-      </p:par>
-    </p:tnLst>
-  </p:timing>
 </p:sld>
 </file>
 
@@ -6330,8 +7125,8 @@
           <a:chExt cx="0" cy="0"/>
         </a:xfrm>
       </p:grpSpPr>
-      <mc:AlternateContent xmlns:mc="http://schemas.openxmlformats.org/markup-compatibility/2006">
-        <mc:Choice xmlns:a14="http://schemas.microsoft.com/office/drawing/2010/main" Requires="a14">
+      <mc:AlternateContent xmlns:mc="http://schemas.openxmlformats.org/markup-compatibility/2006" xmlns:a14="http://schemas.microsoft.com/office/drawing/2010/main">
+        <mc:Choice Requires="a14">
           <p:sp>
             <p:nvSpPr>
               <p:cNvPr id="2" name="Inhaltsplatzhalter 1"/>
@@ -6348,7 +7143,7 @@
               <a:lstStyle/>
               <a:p>
                 <a:r>
-                  <a:rPr lang="de-DE" smtClean="0"/>
+                  <a:rPr lang="de-DE"/>
                   <a:t>Reduzierte Dichtematrix   </a:t>
                 </a:r>
                 <a14:m>
@@ -6357,7 +7152,7 @@
                       <m:sSubPr>
                         <m:ctrlPr>
                           <a:rPr lang="de-DE" sz="2400" i="1" smtClean="0">
-                            <a:latin typeface="Cambria Math"/>
+                            <a:latin typeface="Cambria Math" panose="02040503050406030204" pitchFamily="18" charset="0"/>
                             <a:ea typeface="Cambria Math"/>
                           </a:rPr>
                         </m:ctrlPr>
@@ -6376,7 +7171,7 @@
                           <m:dPr>
                             <m:ctrlPr>
                               <a:rPr lang="de-DE" sz="2400" i="1">
-                                <a:latin typeface="Cambria Math"/>
+                                <a:latin typeface="Cambria Math" panose="02040503050406030204" pitchFamily="18" charset="0"/>
                                 <a:ea typeface="Cambria Math"/>
                               </a:rPr>
                             </m:ctrlPr>
@@ -6397,7 +7192,7 @@
                       <m:dPr>
                         <m:ctrlPr>
                           <a:rPr lang="de-DE" sz="2400" b="0" i="1" smtClean="0">
-                            <a:latin typeface="Cambria Math"/>
+                            <a:latin typeface="Cambria Math" panose="02040503050406030204" pitchFamily="18" charset="0"/>
                             <a:ea typeface="Cambria Math"/>
                           </a:rPr>
                         </m:ctrlPr>
@@ -6442,13 +7237,13 @@
                     </m:d>
                   </m:oMath>
                 </a14:m>
-                <a:endParaRPr lang="de-DE" sz="2400" b="0" smtClean="0">
+                <a:endParaRPr lang="de-DE" sz="2400" b="0">
                   <a:ea typeface="Cambria Math"/>
                 </a:endParaRPr>
               </a:p>
               <a:p>
                 <a:r>
-                  <a:rPr lang="de-DE" smtClean="0"/>
+                  <a:rPr lang="de-DE"/>
                   <a:t>Liouville-von-Neumann-Gleichung</a:t>
                 </a:r>
               </a:p>
@@ -6456,16 +7251,12 @@
                 <a:endParaRPr lang="de-DE"/>
               </a:p>
               <a:p>
-                <a:endParaRPr lang="de-DE" smtClean="0"/>
+                <a:endParaRPr lang="de-DE"/>
               </a:p>
               <a:p>
                 <a:r>
                   <a:rPr lang="de-DE"/>
-                  <a:t> </a:t>
-                </a:r>
-                <a:r>
-                  <a:rPr lang="de-DE" smtClean="0"/>
-                  <a:t>Offenes System 	</a:t>
+                  <a:t> Offenes System 	</a:t>
                 </a:r>
                 <a14:m>
                   <m:oMath xmlns:m="http://schemas.openxmlformats.org/officeDocument/2006/math">
@@ -6493,14 +7284,14 @@
                   </m:oMath>
                 </a14:m>
                 <a:r>
-                  <a:rPr lang="de-DE" smtClean="0"/>
+                  <a:rPr lang="de-DE"/>
                   <a:t> nicht hermitesch</a:t>
                 </a:r>
                 <a:br>
-                  <a:rPr lang="de-DE" smtClean="0"/>
+                  <a:rPr lang="de-DE"/>
                 </a:br>
                 <a:r>
-                  <a:rPr lang="de-DE" smtClean="0"/>
+                  <a:rPr lang="de-DE"/>
                   <a:t>			</a:t>
                 </a:r>
                 <a14:m>
@@ -6537,16 +7328,12 @@
                 </a14:m>
                 <a:r>
                   <a:rPr lang="de-DE"/>
-                  <a:t> </a:t>
-                </a:r>
-                <a:r>
-                  <a:rPr lang="de-DE" smtClean="0"/>
-                  <a:t>mind. ein komplexer EW</a:t>
+                  <a:t> mind. ein komplexer EW</a:t>
                 </a:r>
               </a:p>
               <a:p>
                 <a:r>
-                  <a:rPr lang="de-DE" smtClean="0"/>
+                  <a:rPr lang="de-DE"/>
                   <a:t>Zeitreversible RB 	</a:t>
                 </a:r>
                 <a14:m>
@@ -6561,21 +7348,21 @@
                   </m:oMath>
                 </a14:m>
                 <a:r>
-                  <a:rPr lang="de-DE" smtClean="0"/>
+                  <a:rPr lang="de-DE"/>
                   <a:t>	symmetrische Ewe</a:t>
                 </a:r>
               </a:p>
               <a:p>
                 <a:r>
-                  <a:rPr lang="de-DE" smtClean="0"/>
+                  <a:rPr lang="de-DE"/>
                   <a:t>Lösung : zeitirreversible </a:t>
                 </a:r>
                 <a:r>
-                  <a:rPr lang="de-DE" i="1" smtClean="0"/>
+                  <a:rPr lang="de-DE" i="1"/>
                   <a:t>Inflow-</a:t>
                 </a:r>
                 <a:r>
-                  <a:rPr lang="de-DE" smtClean="0"/>
+                  <a:rPr lang="de-DE"/>
                   <a:t>Randbedingungen</a:t>
                 </a:r>
                 <a:endParaRPr lang="de-DE" i="1"/>
@@ -6583,7 +7370,7 @@
             </p:txBody>
           </p:sp>
         </mc:Choice>
-        <mc:Fallback>
+        <mc:Fallback xmlns="">
           <p:sp>
             <p:nvSpPr>
               <p:cNvPr id="2" name="Inhaltsplatzhalter 1"/>
@@ -6664,10 +7451,9 @@
           <a:lstStyle/>
           <a:p>
             <a:r>
-              <a:rPr lang="de-DE" sz="2000" smtClean="0"/>
+              <a:rPr lang="de-DE" sz="2000"/>
               <a:t>[Fren87]</a:t>
             </a:r>
-            <a:endParaRPr lang="de-DE" sz="2000"/>
           </a:p>
         </p:txBody>
       </p:sp>
@@ -6687,15 +7473,14 @@
           <a:lstStyle/>
           <a:p>
             <a:r>
-              <a:rPr lang="de-DE" smtClean="0"/>
+              <a:rPr lang="de-DE"/>
               <a:t>1. Einleitung</a:t>
             </a:r>
-            <a:endParaRPr lang="de-DE"/>
           </a:p>
         </p:txBody>
       </p:sp>
-      <mc:AlternateContent xmlns:mc="http://schemas.openxmlformats.org/markup-compatibility/2006">
-        <mc:Choice xmlns:a14="http://schemas.microsoft.com/office/drawing/2010/main" Requires="a14">
+      <mc:AlternateContent xmlns:mc="http://schemas.openxmlformats.org/markup-compatibility/2006" xmlns:a14="http://schemas.microsoft.com/office/drawing/2010/main">
+        <mc:Choice Requires="a14">
           <p:sp>
             <p:nvSpPr>
               <p:cNvPr id="6" name="Textfeld 5"/>
@@ -6723,6 +7508,7 @@
               </a:bodyPr>
               <a:lstStyle/>
               <a:p>
+                <a:pPr/>
                 <a14:m>
                   <m:oMathPara xmlns:m="http://schemas.openxmlformats.org/officeDocument/2006/math">
                     <m:oMathParaPr>
@@ -6733,7 +7519,7 @@
                         <m:sSubPr>
                           <m:ctrlPr>
                             <a:rPr lang="de-DE" sz="2400" i="1" smtClean="0">
-                              <a:latin typeface="Cambria Math"/>
+                              <a:latin typeface="Cambria Math" panose="02040503050406030204" pitchFamily="18" charset="0"/>
                               <a:ea typeface="Cambria Math"/>
                             </a:rPr>
                           </m:ctrlPr>
@@ -6775,7 +7561,7 @@
                         <m:dPr>
                           <m:ctrlPr>
                             <a:rPr lang="de-DE" sz="2400" i="1">
-                              <a:latin typeface="Cambria Math"/>
+                              <a:latin typeface="Cambria Math" panose="02040503050406030204" pitchFamily="18" charset="0"/>
                               <a:ea typeface="Cambria Math"/>
                             </a:rPr>
                           </m:ctrlPr>
@@ -6829,7 +7615,7 @@
                         <m:fPr>
                           <m:ctrlPr>
                             <a:rPr lang="de-DE" sz="2400" b="0" i="1" smtClean="0">
-                              <a:latin typeface="Cambria Math"/>
+                              <a:latin typeface="Cambria Math" panose="02040503050406030204" pitchFamily="18" charset="0"/>
                               <a:ea typeface="Cambria Math"/>
                             </a:rPr>
                           </m:ctrlPr>
@@ -6857,7 +7643,7 @@
                         <m:limLowPr>
                           <m:ctrlPr>
                             <a:rPr lang="de-DE" sz="2400" b="0" i="1" smtClean="0">
-                              <a:latin typeface="Cambria Math"/>
+                              <a:latin typeface="Cambria Math" panose="02040503050406030204" pitchFamily="18" charset="0"/>
                               <a:ea typeface="Cambria Math"/>
                             </a:rPr>
                           </m:ctrlPr>
@@ -6868,7 +7654,7 @@
                               <m:chr m:val="⏟"/>
                               <m:ctrlPr>
                                 <a:rPr lang="de-DE" sz="2400" b="0" i="1" smtClean="0">
-                                  <a:latin typeface="Cambria Math"/>
+                                  <a:latin typeface="Cambria Math" panose="02040503050406030204" pitchFamily="18" charset="0"/>
                                   <a:ea typeface="Cambria Math"/>
                                 </a:rPr>
                               </m:ctrlPr>
@@ -6878,7 +7664,7 @@
                                 <m:sSubPr>
                                   <m:ctrlPr>
                                     <a:rPr lang="de-DE" sz="2400" i="1">
-                                      <a:latin typeface="Cambria Math"/>
+                                      <a:latin typeface="Cambria Math" panose="02040503050406030204" pitchFamily="18" charset="0"/>
                                       <a:ea typeface="Cambria Math"/>
                                     </a:rPr>
                                   </m:ctrlPr>
@@ -6922,7 +7708,7 @@
                                 <m:sSubPr>
                                   <m:ctrlPr>
                                     <a:rPr lang="de-DE" sz="2400" i="1">
-                                      <a:latin typeface="Cambria Math"/>
+                                      <a:latin typeface="Cambria Math" panose="02040503050406030204" pitchFamily="18" charset="0"/>
                                       <a:ea typeface="Cambria Math"/>
                                     </a:rPr>
                                   </m:ctrlPr>
@@ -7101,7 +7887,7 @@
                         <m:dPr>
                           <m:ctrlPr>
                             <a:rPr lang="de-DE" sz="2400" i="1">
-                              <a:latin typeface="Cambria Math"/>
+                              <a:latin typeface="Cambria Math" panose="02040503050406030204" pitchFamily="18" charset="0"/>
                               <a:ea typeface="Cambria Math"/>
                             </a:rPr>
                           </m:ctrlPr>
@@ -7152,7 +7938,7 @@
             </p:txBody>
           </p:sp>
         </mc:Choice>
-        <mc:Fallback>
+        <mc:Fallback xmlns="">
           <p:sp>
             <p:nvSpPr>
               <p:cNvPr id="6" name="Textfeld 5"/>
@@ -7206,13 +7992,6 @@
   <p:clrMapOvr>
     <a:masterClrMapping/>
   </p:clrMapOvr>
-  <p:timing>
-    <p:tnLst>
-      <p:par>
-        <p:cTn id="1" dur="indefinite" restart="never" nodeType="tmRoot"/>
-      </p:par>
-    </p:tnLst>
-  </p:timing>
 </p:sld>
 </file>
 
@@ -7245,14 +8024,16 @@
         </p:nvSpPr>
         <p:spPr/>
         <p:txBody>
-          <a:bodyPr/>
+          <a:bodyPr>
+            <a:normAutofit lnSpcReduction="10000"/>
+          </a:bodyPr>
           <a:lstStyle/>
           <a:p>
             <a:pPr marL="0" indent="0">
               <a:buNone/>
             </a:pPr>
             <a:r>
-              <a:rPr lang="de-DE" smtClean="0">
+              <a:rPr lang="de-DE" dirty="0">
                 <a:solidFill>
                   <a:schemeClr val="tx2"/>
                 </a:solidFill>
@@ -7262,73 +8043,80 @@
           </a:p>
           <a:p>
             <a:r>
-              <a:rPr lang="de-DE" smtClean="0"/>
+              <a:rPr lang="de-DE" dirty="0"/>
               <a:t>Flexible </a:t>
             </a:r>
             <a:r>
-              <a:rPr lang="de-DE"/>
-              <a:t>Diskretisierung (</a:t>
-            </a:r>
-            <a:r>
-              <a:rPr lang="de-DE" sz="2000" i="1">
+              <a:rPr lang="de-DE" dirty="0" err="1"/>
+              <a:t>Diskretisierung</a:t>
+            </a:r>
+            <a:r>
+              <a:rPr lang="de-DE" dirty="0"/>
+              <a:t> (</a:t>
+            </a:r>
+            <a:r>
+              <a:rPr lang="de-DE" sz="2000" i="1" dirty="0" err="1">
                 <a:latin typeface="Latin Modern Math" pitchFamily="50" charset="0"/>
                 <a:ea typeface="Latin Modern Math" pitchFamily="50" charset="0"/>
               </a:rPr>
               <a:t>hp</a:t>
             </a:r>
             <a:r>
-              <a:rPr lang="de-DE"/>
+              <a:rPr lang="de-DE" dirty="0"/>
               <a:t>-Adaptivität)</a:t>
             </a:r>
           </a:p>
           <a:p>
             <a:pPr lvl="1"/>
             <a:r>
-              <a:rPr lang="de-DE"/>
+              <a:rPr lang="de-DE" dirty="0"/>
               <a:t>komplexe Geometrien möglich</a:t>
             </a:r>
           </a:p>
           <a:p>
             <a:pPr lvl="1"/>
             <a:r>
-              <a:rPr lang="de-DE"/>
+              <a:rPr lang="de-DE" dirty="0"/>
               <a:t>vorteilhaft vor Allem im Mehrdimensionalen</a:t>
             </a:r>
           </a:p>
           <a:p>
             <a:r>
-              <a:rPr lang="de-DE"/>
-              <a:t>Lokale Erhaltungseigenschaft kann durch numerischen Fluss sichgergestellt werden</a:t>
-            </a:r>
-          </a:p>
-          <a:p>
-            <a:r>
-              <a:rPr lang="de-DE"/>
+              <a:rPr lang="de-DE" dirty="0"/>
+              <a:t>Lokale Erhaltungseigenschaft kann durch numerischen Fluss </a:t>
+            </a:r>
+            <a:r>
+              <a:rPr lang="de-DE" dirty="0" err="1"/>
+              <a:t>sichgergestellt</a:t>
+            </a:r>
+            <a:r>
+              <a:rPr lang="de-DE" dirty="0"/>
+              <a:t> werden</a:t>
+            </a:r>
+          </a:p>
+          <a:p>
+            <a:r>
+              <a:rPr lang="de-DE" dirty="0"/>
               <a:t>Flexibilität durch Wahl des numerischen Flusses</a:t>
             </a:r>
           </a:p>
           <a:p>
             <a:r>
-              <a:rPr lang="de-DE"/>
-              <a:t>Zeitschritt-Verfahren </a:t>
-            </a:r>
-            <a:r>
-              <a:rPr lang="de-DE" smtClean="0"/>
-              <a:t>gratis dabei</a:t>
-            </a:r>
-            <a:endParaRPr lang="de-DE"/>
-          </a:p>
-          <a:p>
-            <a:r>
-              <a:rPr lang="de-DE"/>
+              <a:rPr lang="de-DE" dirty="0"/>
+              <a:t>Zeitschritt-Verfahren gratis dabei</a:t>
+            </a:r>
+          </a:p>
+          <a:p>
+            <a:r>
+              <a:rPr lang="de-DE" dirty="0"/>
               <a:t>Bislang keine Veröffentlichungen</a:t>
             </a:r>
           </a:p>
           <a:p>
-            <a:endParaRPr lang="de-DE"/>
-          </a:p>
-          <a:p>
-            <a:endParaRPr lang="de-DE"/>
+            <a:endParaRPr lang="de-DE" dirty="0"/>
+          </a:p>
+          <a:p>
+            <a:endParaRPr lang="de-DE" dirty="0"/>
           </a:p>
         </p:txBody>
       </p:sp>
@@ -7391,10 +8179,9 @@
           <a:lstStyle/>
           <a:p>
             <a:r>
-              <a:rPr lang="de-DE" smtClean="0"/>
+              <a:rPr lang="de-DE"/>
               <a:t>1. Einleitung</a:t>
             </a:r>
-            <a:endParaRPr lang="de-DE"/>
           </a:p>
         </p:txBody>
       </p:sp>
@@ -7408,13 +8195,6 @@
   <p:clrMapOvr>
     <a:masterClrMapping/>
   </p:clrMapOvr>
-  <p:timing>
-    <p:tnLst>
-      <p:par>
-        <p:cTn id="1" dur="indefinite" restart="never" nodeType="tmRoot"/>
-      </p:par>
-    </p:tnLst>
-  </p:timing>
 </p:sld>
 </file>
 
@@ -7513,10 +8293,9 @@
           <a:lstStyle/>
           <a:p>
             <a:r>
-              <a:rPr lang="de-DE" smtClean="0"/>
+              <a:rPr lang="de-DE"/>
               <a:t>1. Einleitung</a:t>
             </a:r>
-            <a:endParaRPr lang="de-DE"/>
           </a:p>
         </p:txBody>
       </p:sp>
@@ -7530,13 +8309,6 @@
   <p:clrMapOvr>
     <a:masterClrMapping/>
   </p:clrMapOvr>
-  <p:timing>
-    <p:tnLst>
-      <p:par>
-        <p:cTn id="1" dur="indefinite" restart="never" nodeType="tmRoot"/>
-      </p:par>
-    </p:tnLst>
-  </p:timing>
 </p:sld>
 </file>
 
@@ -7589,7 +8361,7 @@
             <a:pPr marL="0" indent="0">
               <a:buNone/>
             </a:pPr>
-            <a:endParaRPr lang="de-DE" sz="3200" smtClean="0"/>
+            <a:endParaRPr lang="de-DE" sz="3200"/>
           </a:p>
           <a:p>
             <a:pPr marL="0" indent="0">
@@ -7598,10 +8370,10 @@
             <a:endParaRPr lang="de-DE" sz="3200"/>
           </a:p>
           <a:p>
-            <a:endParaRPr lang="de-DE" smtClean="0"/>
-          </a:p>
-          <a:p>
-            <a:endParaRPr lang="de-DE" i="1" smtClean="0"/>
+            <a:endParaRPr lang="de-DE"/>
+          </a:p>
+          <a:p>
+            <a:endParaRPr lang="de-DE" i="1"/>
           </a:p>
         </p:txBody>
       </p:sp>
@@ -7645,10 +8417,9 @@
           <a:lstStyle/>
           <a:p>
             <a:r>
-              <a:rPr lang="de-DE" smtClean="0"/>
+              <a:rPr lang="de-DE"/>
               <a:t>1. Einleitung</a:t>
             </a:r>
-            <a:endParaRPr lang="de-DE"/>
           </a:p>
         </p:txBody>
       </p:sp>
@@ -7785,21 +8556,6 @@
   <p:clrMapOvr>
     <a:masterClrMapping/>
   </p:clrMapOvr>
-  <mc:AlternateContent xmlns:mc="http://schemas.openxmlformats.org/markup-compatibility/2006" xmlns:p14="http://schemas.microsoft.com/office/powerpoint/2010/main">
-    <mc:Choice Requires="p14">
-      <p:transition spd="slow" p14:dur="2000"/>
-    </mc:Choice>
-    <mc:Fallback xmlns="">
-      <p:transition spd="slow"/>
-    </mc:Fallback>
-  </mc:AlternateContent>
-  <p:timing>
-    <p:tnLst>
-      <p:par>
-        <p:cTn id="1" dur="indefinite" restart="never" nodeType="tmRoot"/>
-      </p:par>
-    </p:tnLst>
-  </p:timing>
 </p:sld>
 </file>
 
@@ -7820,63 +8576,24 @@
           <a:chExt cx="0" cy="0"/>
         </a:xfrm>
       </p:grpSpPr>
-      <p:sp>
-        <p:nvSpPr>
-          <p:cNvPr id="3" name="Foliennummernplatzhalter 2"/>
-          <p:cNvSpPr>
-            <a:spLocks noGrp="1"/>
-          </p:cNvSpPr>
-          <p:nvPr>
-            <p:ph type="sldNum" sz="quarter" idx="12"/>
-          </p:nvPr>
-        </p:nvSpPr>
-        <p:spPr/>
-        <p:txBody>
-          <a:bodyPr/>
-          <a:lstStyle/>
-          <a:p>
-            <a:fld id="{1A73E011-4CD9-4D05-A24A-32BCD9CDCEE7}" type="slidenum">
-              <a:rPr lang="de-DE" smtClean="0"/>
-              <a:pPr/>
-              <a:t>9</a:t>
-            </a:fld>
-            <a:endParaRPr lang="de-DE"/>
-          </a:p>
-        </p:txBody>
-      </p:sp>
-      <p:sp>
-        <p:nvSpPr>
-          <p:cNvPr id="5" name="Fußzeilenplatzhalter 4"/>
-          <p:cNvSpPr>
-            <a:spLocks noGrp="1"/>
-          </p:cNvSpPr>
-          <p:nvPr>
-            <p:ph type="ftr" sz="quarter" idx="3"/>
-          </p:nvPr>
-        </p:nvSpPr>
-        <p:spPr/>
-        <p:txBody>
-          <a:bodyPr/>
-          <a:lstStyle/>
-          <a:p>
-            <a:r>
-              <a:rPr lang="de-DE" smtClean="0"/>
-              <a:t>1. Einleitung</a:t>
-            </a:r>
-            <a:endParaRPr lang="de-DE"/>
-          </a:p>
-        </p:txBody>
-      </p:sp>
       <p:pic>
         <p:nvPicPr>
-          <p:cNvPr id="12" name="Grafik 11"/>
+          <p:cNvPr id="7" name="Inhaltsplatzhalter 6">
+            <a:extLst>
+              <a:ext uri="{FF2B5EF4-FFF2-40B4-BE49-F238E27FC236}">
+                <a16:creationId xmlns:a16="http://schemas.microsoft.com/office/drawing/2014/main" id="{211A1F2B-6014-4304-BDB7-7A1C57525B67}"/>
+              </a:ext>
+            </a:extLst>
+          </p:cNvPr>
           <p:cNvPicPr>
-            <a:picLocks noChangeAspect="1"/>
+            <a:picLocks noGrp="1" noChangeAspect="1"/>
           </p:cNvPicPr>
-          <p:nvPr/>
+          <p:nvPr>
+            <p:ph idx="1"/>
+          </p:nvPr>
         </p:nvPicPr>
         <p:blipFill>
-          <a:blip r:embed="rId2">
+          <a:blip r:embed="rId2" cstate="print">
             <a:extLst>
               <a:ext uri="{28A0092B-C50C-407E-A947-70E740481C1C}">
                 <a14:useLocalDpi xmlns:a14="http://schemas.microsoft.com/office/drawing/2010/main" val="0"/>
@@ -7889,620 +8606,79 @@
         </p:blipFill>
         <p:spPr>
           <a:xfrm>
-            <a:off x="1805249" y="1357000"/>
-            <a:ext cx="5533501" cy="4144000"/>
+            <a:off x="874124" y="1426961"/>
+            <a:ext cx="7082251" cy="4450311"/>
           </a:xfrm>
-          <a:prstGeom prst="rect">
-            <a:avLst/>
-          </a:prstGeom>
         </p:spPr>
       </p:pic>
-      <p:pic>
-        <p:nvPicPr>
-          <p:cNvPr id="13" name="Grafik 12"/>
-          <p:cNvPicPr>
-            <a:picLocks noChangeAspect="1"/>
-          </p:cNvPicPr>
-          <p:nvPr/>
-        </p:nvPicPr>
-        <p:blipFill>
-          <a:blip r:embed="rId3">
+      <p:sp>
+        <p:nvSpPr>
+          <p:cNvPr id="3" name="Foliennummernplatzhalter 2">
             <a:extLst>
-              <a:ext uri="{28A0092B-C50C-407E-A947-70E740481C1C}">
-                <a14:useLocalDpi xmlns:a14="http://schemas.microsoft.com/office/drawing/2010/main" val="0"/>
+              <a:ext uri="{FF2B5EF4-FFF2-40B4-BE49-F238E27FC236}">
+                <a16:creationId xmlns:a16="http://schemas.microsoft.com/office/drawing/2014/main" id="{692C9399-301F-4A55-A546-B9BFEBE3F5A0}"/>
               </a:ext>
             </a:extLst>
-          </a:blip>
-          <a:stretch>
-            <a:fillRect/>
-          </a:stretch>
-        </p:blipFill>
-        <p:spPr>
-          <a:xfrm>
-            <a:off x="1811748" y="1357000"/>
-            <a:ext cx="5533501" cy="4144000"/>
-          </a:xfrm>
-          <a:prstGeom prst="rect">
-            <a:avLst/>
-          </a:prstGeom>
-        </p:spPr>
-      </p:pic>
-      <p:pic>
-        <p:nvPicPr>
-          <p:cNvPr id="14" name="Grafik 13"/>
-          <p:cNvPicPr>
-            <a:picLocks noChangeAspect="1"/>
-          </p:cNvPicPr>
-          <p:nvPr/>
-        </p:nvPicPr>
-        <p:blipFill>
-          <a:blip r:embed="rId4">
+          </p:cNvPr>
+          <p:cNvSpPr>
+            <a:spLocks noGrp="1"/>
+          </p:cNvSpPr>
+          <p:nvPr>
+            <p:ph type="sldNum" sz="quarter" idx="12"/>
+          </p:nvPr>
+        </p:nvSpPr>
+        <p:spPr/>
+        <p:txBody>
+          <a:bodyPr/>
+          <a:lstStyle/>
+          <a:p>
+            <a:fld id="{1A73E011-4CD9-4D05-A24A-32BCD9CDCEE7}" type="slidenum">
+              <a:rPr lang="de-DE" smtClean="0"/>
+              <a:pPr/>
+              <a:t>9</a:t>
+            </a:fld>
+            <a:endParaRPr lang="de-DE"/>
+          </a:p>
+        </p:txBody>
+      </p:sp>
+      <p:sp>
+        <p:nvSpPr>
+          <p:cNvPr id="5" name="Fußzeilenplatzhalter 4">
             <a:extLst>
-              <a:ext uri="{28A0092B-C50C-407E-A947-70E740481C1C}">
-                <a14:useLocalDpi xmlns:a14="http://schemas.microsoft.com/office/drawing/2010/main" val="0"/>
+              <a:ext uri="{FF2B5EF4-FFF2-40B4-BE49-F238E27FC236}">
+                <a16:creationId xmlns:a16="http://schemas.microsoft.com/office/drawing/2014/main" id="{8C257FA9-649C-44F9-B5D5-2FE318CA74F4}"/>
               </a:ext>
             </a:extLst>
-          </a:blip>
-          <a:stretch>
-            <a:fillRect/>
-          </a:stretch>
-        </p:blipFill>
-        <p:spPr>
-          <a:xfrm>
-            <a:off x="1811748" y="1357000"/>
-            <a:ext cx="5533501" cy="4144000"/>
-          </a:xfrm>
-          <a:prstGeom prst="rect">
-            <a:avLst/>
-          </a:prstGeom>
-        </p:spPr>
-      </p:pic>
-      <p:pic>
-        <p:nvPicPr>
-          <p:cNvPr id="15" name="Grafik 14"/>
-          <p:cNvPicPr>
-            <a:picLocks noChangeAspect="1"/>
-          </p:cNvPicPr>
-          <p:nvPr/>
-        </p:nvPicPr>
-        <p:blipFill>
-          <a:blip r:embed="rId5">
-            <a:extLst>
-              <a:ext uri="{28A0092B-C50C-407E-A947-70E740481C1C}">
-                <a14:useLocalDpi xmlns:a14="http://schemas.microsoft.com/office/drawing/2010/main" val="0"/>
-              </a:ext>
-            </a:extLst>
-          </a:blip>
-          <a:stretch>
-            <a:fillRect/>
-          </a:stretch>
-        </p:blipFill>
-        <p:spPr>
-          <a:xfrm>
-            <a:off x="1811748" y="1357000"/>
-            <a:ext cx="5533501" cy="4144000"/>
-          </a:xfrm>
-          <a:prstGeom prst="rect">
-            <a:avLst/>
-          </a:prstGeom>
-        </p:spPr>
-      </p:pic>
-      <p:pic>
-        <p:nvPicPr>
-          <p:cNvPr id="16" name="Grafik 15"/>
-          <p:cNvPicPr>
-            <a:picLocks noChangeAspect="1"/>
-          </p:cNvPicPr>
-          <p:nvPr/>
-        </p:nvPicPr>
-        <p:blipFill>
-          <a:blip r:embed="rId6">
-            <a:extLst>
-              <a:ext uri="{28A0092B-C50C-407E-A947-70E740481C1C}">
-                <a14:useLocalDpi xmlns:a14="http://schemas.microsoft.com/office/drawing/2010/main" val="0"/>
-              </a:ext>
-            </a:extLst>
-          </a:blip>
-          <a:stretch>
-            <a:fillRect/>
-          </a:stretch>
-        </p:blipFill>
-        <p:spPr>
-          <a:xfrm>
-            <a:off x="1811748" y="1357000"/>
-            <a:ext cx="5533501" cy="4144000"/>
-          </a:xfrm>
-          <a:prstGeom prst="rect">
-            <a:avLst/>
-          </a:prstGeom>
-        </p:spPr>
-      </p:pic>
-      <p:pic>
-        <p:nvPicPr>
-          <p:cNvPr id="1027" name="Picture 3" descr="C:\Users\jaeger\Documents\Repos\NL-FEM\Code\DG_hybrid\results\plots\vortrag\Ly_var_all.png"/>
-          <p:cNvPicPr>
-            <a:picLocks noChangeAspect="1" noChangeArrowheads="1"/>
-          </p:cNvPicPr>
-          <p:nvPr/>
-        </p:nvPicPr>
-        <p:blipFill>
-          <a:blip r:embed="rId7">
-            <a:extLst>
-              <a:ext uri="{28A0092B-C50C-407E-A947-70E740481C1C}">
-                <a14:useLocalDpi xmlns:a14="http://schemas.microsoft.com/office/drawing/2010/main" val="0"/>
-              </a:ext>
-            </a:extLst>
-          </a:blip>
-          <a:srcRect/>
-          <a:stretch>
-            <a:fillRect/>
-          </a:stretch>
-        </p:blipFill>
-        <p:spPr bwMode="auto">
-          <a:xfrm>
-            <a:off x="1814749" y="1357000"/>
-            <a:ext cx="5528630" cy="4144000"/>
-          </a:xfrm>
-          <a:prstGeom prst="rect">
-            <a:avLst/>
-          </a:prstGeom>
-          <a:noFill/>
-          <a:extLst>
-            <a:ext uri="{909E8E84-426E-40DD-AFC4-6F175D3DCCD1}">
-              <a14:hiddenFill xmlns:a14="http://schemas.microsoft.com/office/drawing/2010/main">
-                <a:solidFill>
-                  <a:srgbClr val="FFFFFF"/>
-                </a:solidFill>
-              </a14:hiddenFill>
-            </a:ext>
-          </a:extLst>
-        </p:spPr>
-      </p:pic>
+          </p:cNvPr>
+          <p:cNvSpPr>
+            <a:spLocks noGrp="1"/>
+          </p:cNvSpPr>
+          <p:nvPr>
+            <p:ph type="ftr" sz="quarter" idx="3"/>
+          </p:nvPr>
+        </p:nvSpPr>
+        <p:spPr/>
+        <p:txBody>
+          <a:bodyPr/>
+          <a:lstStyle/>
+          <a:p>
+            <a:r>
+              <a:rPr lang="de-DE"/>
+              <a:t>1. Einleitung</a:t>
+            </a:r>
+          </a:p>
+        </p:txBody>
+      </p:sp>
     </p:spTree>
     <p:extLst>
       <p:ext uri="{BB962C8B-B14F-4D97-AF65-F5344CB8AC3E}">
-        <p14:creationId xmlns:p14="http://schemas.microsoft.com/office/powerpoint/2010/main" val="3046894800"/>
+        <p14:creationId xmlns:p14="http://schemas.microsoft.com/office/powerpoint/2010/main" val="409045800"/>
       </p:ext>
     </p:extLst>
   </p:cSld>
   <p:clrMapOvr>
     <a:masterClrMapping/>
   </p:clrMapOvr>
-  <p:timing>
-    <p:tnLst>
-      <p:par>
-        <p:cTn id="1" dur="indefinite" restart="never" nodeType="tmRoot">
-          <p:childTnLst>
-            <p:seq concurrent="1" nextAc="seek">
-              <p:cTn id="2" dur="indefinite" nodeType="mainSeq">
-                <p:childTnLst>
-                  <p:par>
-                    <p:cTn id="3" fill="hold">
-                      <p:stCondLst>
-                        <p:cond delay="indefinite"/>
-                      </p:stCondLst>
-                      <p:childTnLst>
-                        <p:par>
-                          <p:cTn id="4" fill="hold">
-                            <p:stCondLst>
-                              <p:cond delay="0"/>
-                            </p:stCondLst>
-                            <p:childTnLst>
-                              <p:par>
-                                <p:cTn id="5" presetID="1" presetClass="exit" presetSubtype="0" fill="hold" nodeType="clickEffect">
-                                  <p:stCondLst>
-                                    <p:cond delay="0"/>
-                                  </p:stCondLst>
-                                  <p:childTnLst>
-                                    <p:set>
-                                      <p:cBhvr>
-                                        <p:cTn id="6" dur="1" fill="hold">
-                                          <p:stCondLst>
-                                            <p:cond delay="0"/>
-                                          </p:stCondLst>
-                                        </p:cTn>
-                                        <p:tgtEl>
-                                          <p:spTgt spid="1027"/>
-                                        </p:tgtEl>
-                                        <p:attrNameLst>
-                                          <p:attrName>style.visibility</p:attrName>
-                                        </p:attrNameLst>
-                                      </p:cBhvr>
-                                      <p:to>
-                                        <p:strVal val="hidden"/>
-                                      </p:to>
-                                    </p:set>
-                                  </p:childTnLst>
-                                </p:cTn>
-                              </p:par>
-                              <p:par>
-                                <p:cTn id="7" presetID="1" presetClass="entr" presetSubtype="0" fill="hold" nodeType="withEffect">
-                                  <p:stCondLst>
-                                    <p:cond delay="0"/>
-                                  </p:stCondLst>
-                                  <p:childTnLst>
-                                    <p:set>
-                                      <p:cBhvr>
-                                        <p:cTn id="8" dur="1" fill="hold">
-                                          <p:stCondLst>
-                                            <p:cond delay="0"/>
-                                          </p:stCondLst>
-                                        </p:cTn>
-                                        <p:tgtEl>
-                                          <p:spTgt spid="12"/>
-                                        </p:tgtEl>
-                                        <p:attrNameLst>
-                                          <p:attrName>style.visibility</p:attrName>
-                                        </p:attrNameLst>
-                                      </p:cBhvr>
-                                      <p:to>
-                                        <p:strVal val="visible"/>
-                                      </p:to>
-                                    </p:set>
-                                  </p:childTnLst>
-                                </p:cTn>
-                              </p:par>
-                            </p:childTnLst>
-                          </p:cTn>
-                        </p:par>
-                      </p:childTnLst>
-                    </p:cTn>
-                  </p:par>
-                  <p:par>
-                    <p:cTn id="9" fill="hold">
-                      <p:stCondLst>
-                        <p:cond delay="indefinite"/>
-                      </p:stCondLst>
-                      <p:childTnLst>
-                        <p:par>
-                          <p:cTn id="10" fill="hold">
-                            <p:stCondLst>
-                              <p:cond delay="0"/>
-                            </p:stCondLst>
-                            <p:childTnLst>
-                              <p:par>
-                                <p:cTn id="11" presetID="1" presetClass="exit" presetSubtype="0" fill="hold" nodeType="clickEffect">
-                                  <p:stCondLst>
-                                    <p:cond delay="0"/>
-                                  </p:stCondLst>
-                                  <p:childTnLst>
-                                    <p:set>
-                                      <p:cBhvr>
-                                        <p:cTn id="12" dur="1" fill="hold">
-                                          <p:stCondLst>
-                                            <p:cond delay="0"/>
-                                          </p:stCondLst>
-                                        </p:cTn>
-                                        <p:tgtEl>
-                                          <p:spTgt spid="12"/>
-                                        </p:tgtEl>
-                                        <p:attrNameLst>
-                                          <p:attrName>style.visibility</p:attrName>
-                                        </p:attrNameLst>
-                                      </p:cBhvr>
-                                      <p:to>
-                                        <p:strVal val="hidden"/>
-                                      </p:to>
-                                    </p:set>
-                                  </p:childTnLst>
-                                </p:cTn>
-                              </p:par>
-                              <p:par>
-                                <p:cTn id="13" presetID="1" presetClass="entr" presetSubtype="0" fill="hold" nodeType="withEffect">
-                                  <p:stCondLst>
-                                    <p:cond delay="0"/>
-                                  </p:stCondLst>
-                                  <p:childTnLst>
-                                    <p:set>
-                                      <p:cBhvr>
-                                        <p:cTn id="14" dur="1" fill="hold">
-                                          <p:stCondLst>
-                                            <p:cond delay="0"/>
-                                          </p:stCondLst>
-                                        </p:cTn>
-                                        <p:tgtEl>
-                                          <p:spTgt spid="13"/>
-                                        </p:tgtEl>
-                                        <p:attrNameLst>
-                                          <p:attrName>style.visibility</p:attrName>
-                                        </p:attrNameLst>
-                                      </p:cBhvr>
-                                      <p:to>
-                                        <p:strVal val="visible"/>
-                                      </p:to>
-                                    </p:set>
-                                  </p:childTnLst>
-                                </p:cTn>
-                              </p:par>
-                            </p:childTnLst>
-                          </p:cTn>
-                        </p:par>
-                      </p:childTnLst>
-                    </p:cTn>
-                  </p:par>
-                  <p:par>
-                    <p:cTn id="15" fill="hold">
-                      <p:stCondLst>
-                        <p:cond delay="indefinite"/>
-                      </p:stCondLst>
-                      <p:childTnLst>
-                        <p:par>
-                          <p:cTn id="16" fill="hold">
-                            <p:stCondLst>
-                              <p:cond delay="0"/>
-                            </p:stCondLst>
-                            <p:childTnLst>
-                              <p:par>
-                                <p:cTn id="17" presetID="1" presetClass="exit" presetSubtype="0" fill="hold" nodeType="clickEffect">
-                                  <p:stCondLst>
-                                    <p:cond delay="0"/>
-                                  </p:stCondLst>
-                                  <p:childTnLst>
-                                    <p:set>
-                                      <p:cBhvr>
-                                        <p:cTn id="18" dur="1" fill="hold">
-                                          <p:stCondLst>
-                                            <p:cond delay="0"/>
-                                          </p:stCondLst>
-                                        </p:cTn>
-                                        <p:tgtEl>
-                                          <p:spTgt spid="13"/>
-                                        </p:tgtEl>
-                                        <p:attrNameLst>
-                                          <p:attrName>style.visibility</p:attrName>
-                                        </p:attrNameLst>
-                                      </p:cBhvr>
-                                      <p:to>
-                                        <p:strVal val="hidden"/>
-                                      </p:to>
-                                    </p:set>
-                                  </p:childTnLst>
-                                </p:cTn>
-                              </p:par>
-                              <p:par>
-                                <p:cTn id="19" presetID="1" presetClass="entr" presetSubtype="0" fill="hold" nodeType="withEffect">
-                                  <p:stCondLst>
-                                    <p:cond delay="0"/>
-                                  </p:stCondLst>
-                                  <p:childTnLst>
-                                    <p:set>
-                                      <p:cBhvr>
-                                        <p:cTn id="20" dur="1" fill="hold">
-                                          <p:stCondLst>
-                                            <p:cond delay="0"/>
-                                          </p:stCondLst>
-                                        </p:cTn>
-                                        <p:tgtEl>
-                                          <p:spTgt spid="14"/>
-                                        </p:tgtEl>
-                                        <p:attrNameLst>
-                                          <p:attrName>style.visibility</p:attrName>
-                                        </p:attrNameLst>
-                                      </p:cBhvr>
-                                      <p:to>
-                                        <p:strVal val="visible"/>
-                                      </p:to>
-                                    </p:set>
-                                  </p:childTnLst>
-                                </p:cTn>
-                              </p:par>
-                            </p:childTnLst>
-                          </p:cTn>
-                        </p:par>
-                      </p:childTnLst>
-                    </p:cTn>
-                  </p:par>
-                  <p:par>
-                    <p:cTn id="21" fill="hold">
-                      <p:stCondLst>
-                        <p:cond delay="indefinite"/>
-                      </p:stCondLst>
-                      <p:childTnLst>
-                        <p:par>
-                          <p:cTn id="22" fill="hold">
-                            <p:stCondLst>
-                              <p:cond delay="0"/>
-                            </p:stCondLst>
-                            <p:childTnLst>
-                              <p:par>
-                                <p:cTn id="23" presetID="1" presetClass="exit" presetSubtype="0" fill="hold" nodeType="clickEffect">
-                                  <p:stCondLst>
-                                    <p:cond delay="0"/>
-                                  </p:stCondLst>
-                                  <p:childTnLst>
-                                    <p:set>
-                                      <p:cBhvr>
-                                        <p:cTn id="24" dur="1" fill="hold">
-                                          <p:stCondLst>
-                                            <p:cond delay="0"/>
-                                          </p:stCondLst>
-                                        </p:cTn>
-                                        <p:tgtEl>
-                                          <p:spTgt spid="14"/>
-                                        </p:tgtEl>
-                                        <p:attrNameLst>
-                                          <p:attrName>style.visibility</p:attrName>
-                                        </p:attrNameLst>
-                                      </p:cBhvr>
-                                      <p:to>
-                                        <p:strVal val="hidden"/>
-                                      </p:to>
-                                    </p:set>
-                                  </p:childTnLst>
-                                </p:cTn>
-                              </p:par>
-                              <p:par>
-                                <p:cTn id="25" presetID="1" presetClass="entr" presetSubtype="0" fill="hold" nodeType="withEffect">
-                                  <p:stCondLst>
-                                    <p:cond delay="0"/>
-                                  </p:stCondLst>
-                                  <p:childTnLst>
-                                    <p:set>
-                                      <p:cBhvr>
-                                        <p:cTn id="26" dur="1" fill="hold">
-                                          <p:stCondLst>
-                                            <p:cond delay="0"/>
-                                          </p:stCondLst>
-                                        </p:cTn>
-                                        <p:tgtEl>
-                                          <p:spTgt spid="15"/>
-                                        </p:tgtEl>
-                                        <p:attrNameLst>
-                                          <p:attrName>style.visibility</p:attrName>
-                                        </p:attrNameLst>
-                                      </p:cBhvr>
-                                      <p:to>
-                                        <p:strVal val="visible"/>
-                                      </p:to>
-                                    </p:set>
-                                  </p:childTnLst>
-                                </p:cTn>
-                              </p:par>
-                            </p:childTnLst>
-                          </p:cTn>
-                        </p:par>
-                      </p:childTnLst>
-                    </p:cTn>
-                  </p:par>
-                  <p:par>
-                    <p:cTn id="27" fill="hold">
-                      <p:stCondLst>
-                        <p:cond delay="indefinite"/>
-                      </p:stCondLst>
-                      <p:childTnLst>
-                        <p:par>
-                          <p:cTn id="28" fill="hold">
-                            <p:stCondLst>
-                              <p:cond delay="0"/>
-                            </p:stCondLst>
-                            <p:childTnLst>
-                              <p:par>
-                                <p:cTn id="29" presetID="1" presetClass="exit" presetSubtype="0" fill="hold" nodeType="clickEffect">
-                                  <p:stCondLst>
-                                    <p:cond delay="0"/>
-                                  </p:stCondLst>
-                                  <p:childTnLst>
-                                    <p:set>
-                                      <p:cBhvr>
-                                        <p:cTn id="30" dur="1" fill="hold">
-                                          <p:stCondLst>
-                                            <p:cond delay="0"/>
-                                          </p:stCondLst>
-                                        </p:cTn>
-                                        <p:tgtEl>
-                                          <p:spTgt spid="15"/>
-                                        </p:tgtEl>
-                                        <p:attrNameLst>
-                                          <p:attrName>style.visibility</p:attrName>
-                                        </p:attrNameLst>
-                                      </p:cBhvr>
-                                      <p:to>
-                                        <p:strVal val="hidden"/>
-                                      </p:to>
-                                    </p:set>
-                                  </p:childTnLst>
-                                </p:cTn>
-                              </p:par>
-                              <p:par>
-                                <p:cTn id="31" presetID="1" presetClass="entr" presetSubtype="0" fill="hold" nodeType="withEffect">
-                                  <p:stCondLst>
-                                    <p:cond delay="0"/>
-                                  </p:stCondLst>
-                                  <p:childTnLst>
-                                    <p:set>
-                                      <p:cBhvr>
-                                        <p:cTn id="32" dur="1" fill="hold">
-                                          <p:stCondLst>
-                                            <p:cond delay="0"/>
-                                          </p:stCondLst>
-                                        </p:cTn>
-                                        <p:tgtEl>
-                                          <p:spTgt spid="16"/>
-                                        </p:tgtEl>
-                                        <p:attrNameLst>
-                                          <p:attrName>style.visibility</p:attrName>
-                                        </p:attrNameLst>
-                                      </p:cBhvr>
-                                      <p:to>
-                                        <p:strVal val="visible"/>
-                                      </p:to>
-                                    </p:set>
-                                  </p:childTnLst>
-                                </p:cTn>
-                              </p:par>
-                            </p:childTnLst>
-                          </p:cTn>
-                        </p:par>
-                      </p:childTnLst>
-                    </p:cTn>
-                  </p:par>
-                  <p:par>
-                    <p:cTn id="33" fill="hold">
-                      <p:stCondLst>
-                        <p:cond delay="indefinite"/>
-                      </p:stCondLst>
-                      <p:childTnLst>
-                        <p:par>
-                          <p:cTn id="34" fill="hold">
-                            <p:stCondLst>
-                              <p:cond delay="0"/>
-                            </p:stCondLst>
-                            <p:childTnLst>
-                              <p:par>
-                                <p:cTn id="35" presetID="1" presetClass="exit" presetSubtype="0" fill="hold" nodeType="clickEffect">
-                                  <p:stCondLst>
-                                    <p:cond delay="0"/>
-                                  </p:stCondLst>
-                                  <p:childTnLst>
-                                    <p:set>
-                                      <p:cBhvr>
-                                        <p:cTn id="36" dur="1" fill="hold">
-                                          <p:stCondLst>
-                                            <p:cond delay="0"/>
-                                          </p:stCondLst>
-                                        </p:cTn>
-                                        <p:tgtEl>
-                                          <p:spTgt spid="16"/>
-                                        </p:tgtEl>
-                                        <p:attrNameLst>
-                                          <p:attrName>style.visibility</p:attrName>
-                                        </p:attrNameLst>
-                                      </p:cBhvr>
-                                      <p:to>
-                                        <p:strVal val="hidden"/>
-                                      </p:to>
-                                    </p:set>
-                                  </p:childTnLst>
-                                </p:cTn>
-                              </p:par>
-                            </p:childTnLst>
-                          </p:cTn>
-                        </p:par>
-                      </p:childTnLst>
-                    </p:cTn>
-                  </p:par>
-                </p:childTnLst>
-              </p:cTn>
-              <p:prevCondLst>
-                <p:cond evt="onPrev" delay="0">
-                  <p:tgtEl>
-                    <p:sldTgt/>
-                  </p:tgtEl>
-                </p:cond>
-              </p:prevCondLst>
-              <p:nextCondLst>
-                <p:cond evt="onNext" delay="0">
-                  <p:tgtEl>
-                    <p:sldTgt/>
-                  </p:tgtEl>
-                </p:cond>
-              </p:nextCondLst>
-            </p:seq>
-          </p:childTnLst>
-        </p:cTn>
-      </p:par>
-    </p:tnLst>
-  </p:timing>
 </p:sld>
 </file>
 
